--- a/mlss-17-networks.pptx
+++ b/mlss-17-networks.pptx
@@ -5,21 +5,18 @@
     <p:sldMasterId id="2147483648" r:id="rId1"/>
   </p:sldMasterIdLst>
   <p:notesMasterIdLst>
-    <p:notesMasterId r:id="rId11"/>
+    <p:notesMasterId r:id="rId8"/>
   </p:notesMasterIdLst>
   <p:handoutMasterIdLst>
-    <p:handoutMasterId r:id="rId12"/>
+    <p:handoutMasterId r:id="rId9"/>
   </p:handoutMasterIdLst>
   <p:sldIdLst>
     <p:sldId id="256" r:id="rId2"/>
-    <p:sldId id="266" r:id="rId3"/>
-    <p:sldId id="306" r:id="rId4"/>
-    <p:sldId id="307" r:id="rId5"/>
-    <p:sldId id="302" r:id="rId6"/>
-    <p:sldId id="308" r:id="rId7"/>
-    <p:sldId id="301" r:id="rId8"/>
-    <p:sldId id="309" r:id="rId9"/>
-    <p:sldId id="304" r:id="rId10"/>
+    <p:sldId id="310" r:id="rId3"/>
+    <p:sldId id="311" r:id="rId4"/>
+    <p:sldId id="313" r:id="rId5"/>
+    <p:sldId id="308" r:id="rId6"/>
+    <p:sldId id="301" r:id="rId7"/>
   </p:sldIdLst>
   <p:sldSz cx="10080625" cy="7559675"/>
   <p:notesSz cx="7315200" cy="9601200"/>
@@ -958,13 +955,11 @@
                 <a:spcPct val="0"/>
               </a:spcBef>
             </a:pPr>
-            <a:endParaRPr>
+            <a:endParaRPr dirty="0">
               <a:solidFill>
                 <a:srgbClr val="000000"/>
               </a:solidFill>
-              <a:latin typeface="Arial" pitchFamily="-84" charset="0"/>
-              <a:ea typeface="ＭＳ Ｐゴシック" pitchFamily="-84" charset="-128"/>
-              <a:cs typeface="ＭＳ Ｐゴシック" pitchFamily="-84" charset="-128"/>
+              <a:latin typeface="Arial" charset="0"/>
             </a:endParaRPr>
           </a:p>
         </p:txBody>
@@ -1019,7 +1014,7 @@
       </p:sp>
       <p:sp>
         <p:nvSpPr>
-          <p:cNvPr id="25603" name="Notes Placeholder 2"/>
+          <p:cNvPr id="18435" name="Notes Placeholder 2"/>
           <p:cNvSpPr txBox="1">
             <a:spLocks noGrp="1"/>
           </p:cNvSpPr>
@@ -1045,13 +1040,11 @@
                 <a:spcPct val="0"/>
               </a:spcBef>
             </a:pPr>
-            <a:endParaRPr>
+            <a:endParaRPr dirty="0">
               <a:solidFill>
                 <a:srgbClr val="000000"/>
               </a:solidFill>
-              <a:latin typeface="Arial" pitchFamily="-84" charset="0"/>
-              <a:ea typeface="ＭＳ Ｐゴシック" pitchFamily="-84" charset="-128"/>
-              <a:cs typeface="ＭＳ Ｐゴシック" pitchFamily="-84" charset="-128"/>
+              <a:latin typeface="Arial" charset="0"/>
             </a:endParaRPr>
           </a:p>
         </p:txBody>
@@ -1106,7 +1099,7 @@
       </p:sp>
       <p:sp>
         <p:nvSpPr>
-          <p:cNvPr id="25603" name="Notes Placeholder 2"/>
+          <p:cNvPr id="18435" name="Notes Placeholder 2"/>
           <p:cNvSpPr txBox="1">
             <a:spLocks noGrp="1"/>
           </p:cNvSpPr>
@@ -1132,13 +1125,11 @@
                 <a:spcPct val="0"/>
               </a:spcBef>
             </a:pPr>
-            <a:endParaRPr>
+            <a:endParaRPr dirty="0">
               <a:solidFill>
                 <a:srgbClr val="000000"/>
               </a:solidFill>
-              <a:latin typeface="Arial" pitchFamily="-84" charset="0"/>
-              <a:ea typeface="ＭＳ Ｐゴシック" pitchFamily="-84" charset="-128"/>
-              <a:cs typeface="ＭＳ Ｐゴシック" pitchFamily="-84" charset="-128"/>
+              <a:latin typeface="Arial" charset="0"/>
             </a:endParaRPr>
           </a:p>
         </p:txBody>
@@ -1220,178 +1211,6 @@
               </a:spcBef>
             </a:pPr>
             <a:endParaRPr dirty="0">
-              <a:solidFill>
-                <a:srgbClr val="000000"/>
-              </a:solidFill>
-              <a:latin typeface="Arial" charset="0"/>
-            </a:endParaRPr>
-          </a:p>
-        </p:txBody>
-      </p:sp>
-    </p:spTree>
-  </p:cSld>
-  <p:clrMapOvr>
-    <a:masterClrMapping/>
-  </p:clrMapOvr>
-</p:notes>
-</file>
-
-<file path=ppt/notesSlides/notesSlide6.xml><?xml version="1.0" encoding="utf-8"?>
-<p:notes xmlns:a="http://schemas.openxmlformats.org/drawingml/2006/main" xmlns:r="http://schemas.openxmlformats.org/officeDocument/2006/relationships" xmlns:p="http://schemas.openxmlformats.org/presentationml/2006/main">
-  <p:cSld>
-    <p:spTree>
-      <p:nvGrpSpPr>
-        <p:cNvPr id="1" name=""/>
-        <p:cNvGrpSpPr/>
-        <p:nvPr/>
-      </p:nvGrpSpPr>
-      <p:grpSpPr>
-        <a:xfrm>
-          <a:off x="0" y="0"/>
-          <a:ext cx="0" cy="0"/>
-          <a:chOff x="0" y="0"/>
-          <a:chExt cx="0" cy="0"/>
-        </a:xfrm>
-      </p:grpSpPr>
-      <p:sp>
-        <p:nvSpPr>
-          <p:cNvPr id="2" name="Slide Image Placeholder 1"/>
-          <p:cNvSpPr>
-            <a:spLocks noGrp="1" noRot="1" noChangeAspect="1" noResize="1"/>
-          </p:cNvSpPr>
-          <p:nvPr>
-            <p:ph type="sldImg"/>
-          </p:nvPr>
-        </p:nvSpPr>
-        <p:spPr>
-          <a:solidFill>
-            <a:schemeClr val="accent1"/>
-          </a:solidFill>
-          <a:ln w="25400">
-            <a:solidFill>
-              <a:schemeClr val="accent1">
-                <a:shade val="50000"/>
-              </a:schemeClr>
-            </a:solidFill>
-          </a:ln>
-        </p:spPr>
-      </p:sp>
-      <p:sp>
-        <p:nvSpPr>
-          <p:cNvPr id="18435" name="Notes Placeholder 2"/>
-          <p:cNvSpPr txBox="1">
-            <a:spLocks noGrp="1"/>
-          </p:cNvSpPr>
-          <p:nvPr>
-            <p:ph type="body" sz="quarter" idx="1"/>
-          </p:nvPr>
-        </p:nvSpPr>
-        <p:spPr>
-          <a:xfrm>
-            <a:off x="731838" y="4560888"/>
-            <a:ext cx="5851525" cy="304800"/>
-          </a:xfrm>
-          <a:ln/>
-        </p:spPr>
-        <p:txBody>
-          <a:bodyPr>
-            <a:spAutoFit/>
-          </a:bodyPr>
-          <a:lstStyle/>
-          <a:p>
-            <a:pPr eaLnBrk="1">
-              <a:spcBef>
-                <a:spcPct val="0"/>
-              </a:spcBef>
-            </a:pPr>
-            <a:endParaRPr dirty="0">
-              <a:solidFill>
-                <a:srgbClr val="000000"/>
-              </a:solidFill>
-              <a:latin typeface="Arial" pitchFamily="-84" charset="0"/>
-              <a:ea typeface="ＭＳ Ｐゴシック" pitchFamily="-84" charset="-128"/>
-              <a:cs typeface="ＭＳ Ｐゴシック" pitchFamily="-84" charset="-128"/>
-            </a:endParaRPr>
-          </a:p>
-        </p:txBody>
-      </p:sp>
-    </p:spTree>
-  </p:cSld>
-  <p:clrMapOvr>
-    <a:masterClrMapping/>
-  </p:clrMapOvr>
-</p:notes>
-</file>
-
-<file path=ppt/notesSlides/notesSlide7.xml><?xml version="1.0" encoding="utf-8"?>
-<p:notes xmlns:a="http://schemas.openxmlformats.org/drawingml/2006/main" xmlns:r="http://schemas.openxmlformats.org/officeDocument/2006/relationships" xmlns:p="http://schemas.openxmlformats.org/presentationml/2006/main">
-  <p:cSld>
-    <p:spTree>
-      <p:nvGrpSpPr>
-        <p:cNvPr id="1" name=""/>
-        <p:cNvGrpSpPr/>
-        <p:nvPr/>
-      </p:nvGrpSpPr>
-      <p:grpSpPr>
-        <a:xfrm>
-          <a:off x="0" y="0"/>
-          <a:ext cx="0" cy="0"/>
-          <a:chOff x="0" y="0"/>
-          <a:chExt cx="0" cy="0"/>
-        </a:xfrm>
-      </p:grpSpPr>
-      <p:sp>
-        <p:nvSpPr>
-          <p:cNvPr id="2" name="Slide Image Placeholder 1"/>
-          <p:cNvSpPr>
-            <a:spLocks noGrp="1" noRot="1" noChangeAspect="1" noResize="1"/>
-          </p:cNvSpPr>
-          <p:nvPr>
-            <p:ph type="sldImg"/>
-          </p:nvPr>
-        </p:nvSpPr>
-        <p:spPr>
-          <a:solidFill>
-            <a:schemeClr val="accent1"/>
-          </a:solidFill>
-          <a:ln w="25400">
-            <a:solidFill>
-              <a:schemeClr val="accent1">
-                <a:shade val="50000"/>
-              </a:schemeClr>
-            </a:solidFill>
-          </a:ln>
-        </p:spPr>
-      </p:sp>
-      <p:sp>
-        <p:nvSpPr>
-          <p:cNvPr id="25603" name="Notes Placeholder 2"/>
-          <p:cNvSpPr txBox="1">
-            <a:spLocks noGrp="1"/>
-          </p:cNvSpPr>
-          <p:nvPr>
-            <p:ph type="body" sz="quarter" idx="1"/>
-          </p:nvPr>
-        </p:nvSpPr>
-        <p:spPr>
-          <a:xfrm>
-            <a:off x="731838" y="4560888"/>
-            <a:ext cx="5851525" cy="304800"/>
-          </a:xfrm>
-          <a:ln/>
-        </p:spPr>
-        <p:txBody>
-          <a:bodyPr>
-            <a:spAutoFit/>
-          </a:bodyPr>
-          <a:lstStyle/>
-          <a:p>
-            <a:pPr eaLnBrk="1">
-              <a:spcBef>
-                <a:spcPct val="0"/>
-              </a:spcBef>
-            </a:pPr>
-            <a:endParaRPr>
               <a:solidFill>
                 <a:srgbClr val="000000"/>
               </a:solidFill>
@@ -1549,7 +1368,7 @@
               <a:pPr>
                 <a:defRPr/>
               </a:pPr>
-              <a:t>5/30/17</a:t>
+              <a:t>6/23/17</a:t>
             </a:fld>
             <a:endParaRPr lang="fi-FI"/>
           </a:p>
@@ -1748,7 +1567,7 @@
               <a:pPr>
                 <a:defRPr/>
               </a:pPr>
-              <a:t>5/30/17</a:t>
+              <a:t>6/23/17</a:t>
             </a:fld>
             <a:endParaRPr lang="fi-FI"/>
           </a:p>
@@ -1957,7 +1776,7 @@
               <a:pPr>
                 <a:defRPr/>
               </a:pPr>
-              <a:t>5/30/17</a:t>
+              <a:t>6/23/17</a:t>
             </a:fld>
             <a:endParaRPr lang="fi-FI"/>
           </a:p>
@@ -2156,7 +1975,7 @@
               <a:pPr>
                 <a:defRPr/>
               </a:pPr>
-              <a:t>5/30/17</a:t>
+              <a:t>6/23/17</a:t>
             </a:fld>
             <a:endParaRPr lang="fi-FI"/>
           </a:p>
@@ -2377,7 +2196,7 @@
               <a:pPr>
                 <a:defRPr/>
               </a:pPr>
-              <a:t>5/30/17</a:t>
+              <a:t>6/23/17</a:t>
             </a:fld>
             <a:endParaRPr lang="fi-FI"/>
           </a:p>
@@ -2694,7 +2513,7 @@
               <a:pPr>
                 <a:defRPr/>
               </a:pPr>
-              <a:t>5/30/17</a:t>
+              <a:t>6/23/17</a:t>
             </a:fld>
             <a:endParaRPr lang="fi-FI"/>
           </a:p>
@@ -3150,7 +2969,7 @@
               <a:pPr>
                 <a:defRPr/>
               </a:pPr>
-              <a:t>5/30/17</a:t>
+              <a:t>6/23/17</a:t>
             </a:fld>
             <a:endParaRPr lang="fi-FI"/>
           </a:p>
@@ -3297,7 +3116,7 @@
               <a:pPr>
                 <a:defRPr/>
               </a:pPr>
-              <a:t>5/30/17</a:t>
+              <a:t>6/23/17</a:t>
             </a:fld>
             <a:endParaRPr lang="fi-FI"/>
           </a:p>
@@ -3421,7 +3240,7 @@
               <a:pPr>
                 <a:defRPr/>
               </a:pPr>
-              <a:t>5/30/17</a:t>
+              <a:t>6/23/17</a:t>
             </a:fld>
             <a:endParaRPr lang="fi-FI"/>
           </a:p>
@@ -3727,7 +3546,7 @@
               <a:pPr>
                 <a:defRPr/>
               </a:pPr>
-              <a:t>5/30/17</a:t>
+              <a:t>6/23/17</a:t>
             </a:fld>
             <a:endParaRPr lang="fi-FI"/>
           </a:p>
@@ -4010,7 +3829,7 @@
               <a:pPr>
                 <a:defRPr/>
               </a:pPr>
-              <a:t>5/30/17</a:t>
+              <a:t>6/23/17</a:t>
             </a:fld>
             <a:endParaRPr lang="fi-FI"/>
           </a:p>
@@ -4304,7 +4123,7 @@
               <a:pPr>
                 <a:defRPr/>
               </a:pPr>
-              <a:t>5/30/17</a:t>
+              <a:t>6/23/17</a:t>
             </a:fld>
             <a:endParaRPr lang="fi-FI"/>
           </a:p>
@@ -4948,11 +4767,6 @@
               </a:rPr>
               <a:t>Network Analysis </a:t>
             </a:r>
-            <a:endParaRPr lang="en-US" dirty="0">
-              <a:solidFill>
-                <a:schemeClr val="tx1"/>
-              </a:solidFill>
-            </a:endParaRPr>
           </a:p>
         </p:txBody>
       </p:sp>
@@ -5012,17 +4826,6 @@
               </a:rPr>
             </a:br>
             <a:r>
-              <a:rPr lang="en-US" sz="2400" dirty="0" err="1" smtClean="0">
-                <a:solidFill>
-                  <a:schemeClr val="tx1">
-                    <a:lumMod val="65000"/>
-                    <a:lumOff val="35000"/>
-                  </a:schemeClr>
-                </a:solidFill>
-              </a:rPr>
-              <a:t>Utkarsh</a:t>
-            </a:r>
-            <a:r>
               <a:rPr lang="en-US" sz="2400" dirty="0" smtClean="0">
                 <a:solidFill>
                   <a:schemeClr val="tx1">
@@ -5031,18 +4834,7 @@
                   </a:schemeClr>
                 </a:solidFill>
               </a:rPr>
-              <a:t> </a:t>
-            </a:r>
-            <a:r>
-              <a:rPr lang="en-US" sz="2400" dirty="0" err="1" smtClean="0">
-                <a:solidFill>
-                  <a:schemeClr val="tx1">
-                    <a:lumMod val="65000"/>
-                    <a:lumOff val="35000"/>
-                  </a:schemeClr>
-                </a:solidFill>
-              </a:rPr>
-              <a:t>Upadhyay</a:t>
+              <a:t>Utkarsh Upadhyay</a:t>
             </a:r>
             <a:r>
               <a:rPr lang="en-US" sz="2400" dirty="0">
@@ -5086,17 +4878,6 @@
                 </a:solidFill>
               </a:rPr>
               <a:t>Valera </a:t>
-            </a:r>
-            <a:r>
-              <a:rPr lang="en-US" sz="2400" dirty="0">
-                <a:solidFill>
-                  <a:schemeClr val="tx1">
-                    <a:lumMod val="65000"/>
-                    <a:lumOff val="35000"/>
-                  </a:schemeClr>
-                </a:solidFill>
-              </a:rPr>
-              <a:t/>
             </a:r>
             <a:br>
               <a:rPr lang="en-US" sz="2400" dirty="0">
@@ -5255,53 +5036,397 @@
           <a:chExt cx="0" cy="0"/>
         </a:xfrm>
       </p:grpSpPr>
-      <p:sp>
-        <p:nvSpPr>
-          <p:cNvPr id="17410" name="Rectangle 26"/>
-          <p:cNvSpPr>
-            <a:spLocks noChangeArrowheads="1"/>
-          </p:cNvSpPr>
+      <p:pic>
+        <p:nvPicPr>
+          <p:cNvPr id="45" name="Picture 44" descr="electrical-network.png"/>
+          <p:cNvPicPr>
+            <a:picLocks noChangeAspect="1"/>
+          </p:cNvPicPr>
           <p:nvPr/>
-        </p:nvSpPr>
-        <p:spPr bwMode="auto">
-          <a:xfrm>
-            <a:off x="544513" y="2055813"/>
-            <a:ext cx="8534400" cy="2257425"/>
+        </p:nvPicPr>
+        <p:blipFill>
+          <a:blip r:embed="rId3"/>
+          <a:stretch>
+            <a:fillRect/>
+          </a:stretch>
+        </p:blipFill>
+        <p:spPr>
+          <a:xfrm>
+            <a:off x="6869112" y="4846637"/>
+            <a:ext cx="2602819" cy="2395568"/>
           </a:xfrm>
           <a:prstGeom prst="rect">
             <a:avLst/>
           </a:prstGeom>
-          <a:solidFill>
-            <a:schemeClr val="accent1">
-              <a:alpha val="23137"/>
-            </a:schemeClr>
-          </a:solidFill>
-          <a:ln w="9525">
-            <a:solidFill>
-              <a:schemeClr val="tx1"/>
-            </a:solidFill>
-            <a:prstDash val="dash"/>
-            <a:round/>
-            <a:headEnd/>
-            <a:tailEnd/>
-          </a:ln>
-        </p:spPr>
-        <p:txBody>
-          <a:bodyPr lIns="0" tIns="0" rIns="0" bIns="0">
-            <a:prstTxWarp prst="textNoShape">
-              <a:avLst/>
-            </a:prstTxWarp>
+        </p:spPr>
+      </p:pic>
+      <p:pic>
+        <p:nvPicPr>
+          <p:cNvPr id="37" name="Picture 36" descr="protein-network.png"/>
+          <p:cNvPicPr>
+            <a:picLocks noChangeAspect="1"/>
+          </p:cNvPicPr>
+          <p:nvPr/>
+        </p:nvPicPr>
+        <p:blipFill>
+          <a:blip r:embed="rId4"/>
+          <a:stretch>
+            <a:fillRect/>
+          </a:stretch>
+        </p:blipFill>
+        <p:spPr>
+          <a:xfrm>
+            <a:off x="3516312" y="4618037"/>
+            <a:ext cx="2645488" cy="2682061"/>
+          </a:xfrm>
+          <a:prstGeom prst="rect">
+            <a:avLst/>
+          </a:prstGeom>
+        </p:spPr>
+      </p:pic>
+      <p:pic>
+        <p:nvPicPr>
+          <p:cNvPr id="33" name="Picture 32" descr="transporation-network.png"/>
+          <p:cNvPicPr>
+            <a:picLocks noChangeAspect="1"/>
+          </p:cNvPicPr>
+          <p:nvPr/>
+        </p:nvPicPr>
+        <p:blipFill>
+          <a:blip r:embed="rId5"/>
+          <a:stretch>
+            <a:fillRect/>
+          </a:stretch>
+        </p:blipFill>
+        <p:spPr>
+          <a:xfrm>
+            <a:off x="468312" y="4541837"/>
+            <a:ext cx="2462620" cy="2675966"/>
+          </a:xfrm>
+          <a:prstGeom prst="rect">
+            <a:avLst/>
+          </a:prstGeom>
+        </p:spPr>
+      </p:pic>
+      <p:pic>
+        <p:nvPicPr>
+          <p:cNvPr id="27" name="Picture 26" descr="information-networks.png"/>
+          <p:cNvPicPr>
+            <a:picLocks noChangeAspect="1"/>
+          </p:cNvPicPr>
+          <p:nvPr/>
+        </p:nvPicPr>
+        <p:blipFill>
+          <a:blip r:embed="rId6"/>
+          <a:stretch>
+            <a:fillRect/>
+          </a:stretch>
+        </p:blipFill>
+        <p:spPr>
+          <a:xfrm>
+            <a:off x="6945312" y="1341437"/>
+            <a:ext cx="2828356" cy="2730826"/>
+          </a:xfrm>
+          <a:prstGeom prst="rect">
+            <a:avLst/>
+          </a:prstGeom>
+        </p:spPr>
+      </p:pic>
+      <p:pic>
+        <p:nvPicPr>
+          <p:cNvPr id="23" name="Picture 22" descr="social-network.png"/>
+          <p:cNvPicPr>
+            <a:picLocks noChangeAspect="1"/>
+          </p:cNvPicPr>
+          <p:nvPr/>
+        </p:nvPicPr>
+        <p:blipFill>
+          <a:blip r:embed="rId7"/>
+          <a:stretch>
+            <a:fillRect/>
+          </a:stretch>
+        </p:blipFill>
+        <p:spPr>
+          <a:xfrm>
+            <a:off x="239712" y="1341437"/>
+            <a:ext cx="2755208" cy="2633297"/>
+          </a:xfrm>
+          <a:prstGeom prst="rect">
+            <a:avLst/>
+          </a:prstGeom>
+        </p:spPr>
+      </p:pic>
+      <p:sp>
+        <p:nvSpPr>
+          <p:cNvPr id="17411" name="Title 1"/>
+          <p:cNvSpPr txBox="1">
+            <a:spLocks noGrp="1"/>
+          </p:cNvSpPr>
+          <p:nvPr>
+            <p:ph type="title" idx="4294967295"/>
+          </p:nvPr>
+        </p:nvSpPr>
+        <p:spPr>
+          <a:xfrm>
+            <a:off x="468313" y="282222"/>
+            <a:ext cx="9070975" cy="615553"/>
+          </a:xfrm>
+        </p:spPr>
+        <p:txBody>
+          <a:bodyPr>
             <a:spAutoFit/>
           </a:bodyPr>
           <a:lstStyle/>
           <a:p>
-            <a:endParaRPr lang="en-US"/>
-          </a:p>
-        </p:txBody>
-      </p:sp>
-      <p:sp>
-        <p:nvSpPr>
-          <p:cNvPr id="19" name="Slide Number Placeholder 3"/>
+            <a:pPr eaLnBrk="1"/>
+            <a:r>
+              <a:rPr lang="en-US" sz="4000" dirty="0" smtClean="0">
+                <a:latin typeface="Calibri"/>
+              </a:rPr>
+              <a:t>Interconnected World</a:t>
+            </a:r>
+            <a:endParaRPr lang="en-US" sz="4000" dirty="0">
+              <a:latin typeface="Calibri"/>
+            </a:endParaRPr>
+          </a:p>
+        </p:txBody>
+      </p:sp>
+      <p:sp>
+        <p:nvSpPr>
+          <p:cNvPr id="29" name="Rectangle 28"/>
+          <p:cNvSpPr/>
+          <p:nvPr/>
+        </p:nvSpPr>
+        <p:spPr>
+          <a:xfrm>
+            <a:off x="3516312" y="3703637"/>
+            <a:ext cx="2514600" cy="717119"/>
+          </a:xfrm>
+          <a:prstGeom prst="rect">
+            <a:avLst/>
+          </a:prstGeom>
+          <a:noFill/>
+        </p:spPr>
+        <p:txBody>
+          <a:bodyPr wrap="square">
+            <a:spAutoFit/>
+          </a:bodyPr>
+          <a:lstStyle/>
+          <a:p>
+            <a:pPr marL="0" lvl="1" algn="ctr">
+              <a:lnSpc>
+                <a:spcPct val="70000"/>
+              </a:lnSpc>
+              <a:buSzTx/>
+            </a:pPr>
+            <a:r>
+              <a:rPr lang="en-US" sz="2800" b="1" cap="small" dirty="0" smtClean="0">
+                <a:latin typeface="Calibri" charset="0"/>
+              </a:rPr>
+              <a:t>World Wide Web</a:t>
+            </a:r>
+          </a:p>
+        </p:txBody>
+      </p:sp>
+      <p:sp>
+        <p:nvSpPr>
+          <p:cNvPr id="30" name="Rectangle 29"/>
+          <p:cNvSpPr/>
+          <p:nvPr/>
+        </p:nvSpPr>
+        <p:spPr>
+          <a:xfrm>
+            <a:off x="6945312" y="6644118"/>
+            <a:ext cx="2514600" cy="717119"/>
+          </a:xfrm>
+          <a:prstGeom prst="rect">
+            <a:avLst/>
+          </a:prstGeom>
+          <a:noFill/>
+        </p:spPr>
+        <p:txBody>
+          <a:bodyPr wrap="square">
+            <a:spAutoFit/>
+          </a:bodyPr>
+          <a:lstStyle/>
+          <a:p>
+            <a:pPr marL="0" lvl="1" algn="ctr">
+              <a:lnSpc>
+                <a:spcPct val="70000"/>
+              </a:lnSpc>
+              <a:buSzTx/>
+            </a:pPr>
+            <a:r>
+              <a:rPr lang="en-US" sz="2800" b="1" cap="small" dirty="0" smtClean="0">
+                <a:latin typeface="Calibri" charset="0"/>
+              </a:rPr>
+              <a:t>Internet of Things</a:t>
+            </a:r>
+          </a:p>
+        </p:txBody>
+      </p:sp>
+      <p:sp>
+        <p:nvSpPr>
+          <p:cNvPr id="28" name="Rectangle 27"/>
+          <p:cNvSpPr/>
+          <p:nvPr/>
+        </p:nvSpPr>
+        <p:spPr>
+          <a:xfrm>
+            <a:off x="392112" y="3672318"/>
+            <a:ext cx="2514600" cy="717119"/>
+          </a:xfrm>
+          <a:prstGeom prst="rect">
+            <a:avLst/>
+          </a:prstGeom>
+          <a:noFill/>
+        </p:spPr>
+        <p:txBody>
+          <a:bodyPr wrap="square">
+            <a:spAutoFit/>
+          </a:bodyPr>
+          <a:lstStyle/>
+          <a:p>
+            <a:pPr marL="0" lvl="1" algn="ctr">
+              <a:lnSpc>
+                <a:spcPct val="70000"/>
+              </a:lnSpc>
+              <a:buSzTx/>
+            </a:pPr>
+            <a:r>
+              <a:rPr lang="en-US" sz="2800" b="1" cap="small" dirty="0" smtClean="0">
+                <a:latin typeface="Calibri" charset="0"/>
+              </a:rPr>
+              <a:t>Social Networks</a:t>
+            </a:r>
+          </a:p>
+        </p:txBody>
+      </p:sp>
+      <p:sp>
+        <p:nvSpPr>
+          <p:cNvPr id="26" name="Rectangle 25"/>
+          <p:cNvSpPr/>
+          <p:nvPr/>
+        </p:nvSpPr>
+        <p:spPr>
+          <a:xfrm>
+            <a:off x="468312" y="6675437"/>
+            <a:ext cx="2514600" cy="717119"/>
+          </a:xfrm>
+          <a:prstGeom prst="rect">
+            <a:avLst/>
+          </a:prstGeom>
+          <a:noFill/>
+        </p:spPr>
+        <p:txBody>
+          <a:bodyPr wrap="square">
+            <a:spAutoFit/>
+          </a:bodyPr>
+          <a:lstStyle/>
+          <a:p>
+            <a:pPr marL="0" lvl="1" algn="ctr">
+              <a:lnSpc>
+                <a:spcPct val="70000"/>
+              </a:lnSpc>
+              <a:buSzTx/>
+            </a:pPr>
+            <a:r>
+              <a:rPr lang="en-US" sz="2800" b="1" cap="small" dirty="0" smtClean="0">
+                <a:latin typeface="Calibri" charset="0"/>
+              </a:rPr>
+              <a:t>Transportation </a:t>
+            </a:r>
+            <a:br>
+              <a:rPr lang="en-US" sz="2800" b="1" cap="small" dirty="0" smtClean="0">
+                <a:latin typeface="Calibri" charset="0"/>
+              </a:rPr>
+            </a:br>
+            <a:r>
+              <a:rPr lang="en-US" sz="2800" b="1" cap="small" dirty="0" smtClean="0">
+                <a:latin typeface="Calibri" charset="0"/>
+              </a:rPr>
+              <a:t>Networks</a:t>
+            </a:r>
+          </a:p>
+        </p:txBody>
+      </p:sp>
+      <p:sp>
+        <p:nvSpPr>
+          <p:cNvPr id="31" name="Rectangle 30"/>
+          <p:cNvSpPr/>
+          <p:nvPr/>
+        </p:nvSpPr>
+        <p:spPr>
+          <a:xfrm>
+            <a:off x="7097712" y="3703637"/>
+            <a:ext cx="2514600" cy="717119"/>
+          </a:xfrm>
+          <a:prstGeom prst="rect">
+            <a:avLst/>
+          </a:prstGeom>
+          <a:noFill/>
+        </p:spPr>
+        <p:txBody>
+          <a:bodyPr wrap="square">
+            <a:spAutoFit/>
+          </a:bodyPr>
+          <a:lstStyle/>
+          <a:p>
+            <a:pPr marL="0" lvl="1" algn="ctr">
+              <a:lnSpc>
+                <a:spcPct val="70000"/>
+              </a:lnSpc>
+              <a:buSzTx/>
+            </a:pPr>
+            <a:r>
+              <a:rPr lang="en-US" sz="2800" b="1" cap="small" dirty="0" smtClean="0">
+                <a:latin typeface="Calibri" charset="0"/>
+              </a:rPr>
+              <a:t>Information Networks</a:t>
+            </a:r>
+          </a:p>
+        </p:txBody>
+      </p:sp>
+      <p:sp>
+        <p:nvSpPr>
+          <p:cNvPr id="32" name="Rectangle 31"/>
+          <p:cNvSpPr/>
+          <p:nvPr/>
+        </p:nvSpPr>
+        <p:spPr>
+          <a:xfrm>
+            <a:off x="3668712" y="6644118"/>
+            <a:ext cx="2514600" cy="717119"/>
+          </a:xfrm>
+          <a:prstGeom prst="rect">
+            <a:avLst/>
+          </a:prstGeom>
+          <a:noFill/>
+        </p:spPr>
+        <p:txBody>
+          <a:bodyPr wrap="square">
+            <a:spAutoFit/>
+          </a:bodyPr>
+          <a:lstStyle/>
+          <a:p>
+            <a:pPr marL="0" lvl="1" algn="ctr">
+              <a:lnSpc>
+                <a:spcPct val="70000"/>
+              </a:lnSpc>
+              <a:buSzTx/>
+            </a:pPr>
+            <a:r>
+              <a:rPr lang="en-US" sz="2800" b="1" cap="small" dirty="0" smtClean="0">
+                <a:latin typeface="Calibri" charset="0"/>
+              </a:rPr>
+              <a:t>Protein Interactions</a:t>
+            </a:r>
+          </a:p>
+        </p:txBody>
+      </p:sp>
+      <p:sp>
+        <p:nvSpPr>
+          <p:cNvPr id="17410" name="Slide Number Placeholder 3"/>
           <p:cNvSpPr>
             <a:spLocks noGrp="1"/>
           </p:cNvSpPr>
@@ -5309,636 +5434,57 @@
             <p:ph type="sldNum" sz="quarter" idx="12"/>
           </p:nvPr>
         </p:nvSpPr>
-        <p:spPr/>
-        <p:txBody>
-          <a:bodyPr/>
-          <a:lstStyle/>
-          <a:p>
-            <a:pPr>
-              <a:defRPr/>
-            </a:pPr>
-            <a:fld id="{0D4FA53E-912B-994A-99E1-14CE968C5B18}" type="slidenum">
-              <a:rPr lang="fi-FI" smtClean="0"/>
-              <a:pPr>
-                <a:defRPr/>
-              </a:pPr>
-              <a:t>2</a:t>
-            </a:fld>
-            <a:endParaRPr lang="fi-FI"/>
-          </a:p>
-        </p:txBody>
-      </p:sp>
-      <p:sp>
-        <p:nvSpPr>
-          <p:cNvPr id="17412" name="Title 1"/>
-          <p:cNvSpPr txBox="1">
-            <a:spLocks noGrp="1"/>
-          </p:cNvSpPr>
-          <p:nvPr>
-            <p:ph type="title" idx="4294967295"/>
-          </p:nvPr>
-        </p:nvSpPr>
-        <p:spPr>
-          <a:xfrm>
-            <a:off x="468313" y="295275"/>
-            <a:ext cx="9070975" cy="677863"/>
-          </a:xfrm>
-        </p:spPr>
-        <p:txBody>
-          <a:bodyPr>
-            <a:spAutoFit/>
-          </a:bodyPr>
-          <a:lstStyle/>
-          <a:p>
-            <a:pPr eaLnBrk="1"/>
-            <a:r>
-              <a:rPr lang="en-US" dirty="0" smtClean="0"/>
-              <a:t>Networks and Graphs</a:t>
-            </a:r>
-          </a:p>
-        </p:txBody>
-      </p:sp>
-      <p:sp>
-        <p:nvSpPr>
-          <p:cNvPr id="17413" name="Text Placeholder 2"/>
-          <p:cNvSpPr txBox="1">
-            <a:spLocks/>
-          </p:cNvSpPr>
-          <p:nvPr/>
-        </p:nvSpPr>
         <p:spPr bwMode="auto">
-          <a:xfrm>
-            <a:off x="544513" y="1493838"/>
-            <a:ext cx="8610600" cy="427037"/>
-          </a:xfrm>
-          <a:prstGeom prst="rect">
-            <a:avLst/>
-          </a:prstGeom>
           <a:noFill/>
-          <a:ln w="9525">
-            <a:noFill/>
+          <a:ln>
             <a:miter lim="800000"/>
             <a:headEnd/>
             <a:tailEnd/>
           </a:ln>
         </p:spPr>
         <p:txBody>
-          <a:bodyPr lIns="0" tIns="0" rIns="0" bIns="0">
-            <a:prstTxWarp prst="textNoShape">
-              <a:avLst/>
-            </a:prstTxWarp>
-            <a:spAutoFit/>
-          </a:bodyPr>
+          <a:bodyPr/>
           <a:lstStyle/>
           <a:p>
-            <a:pPr>
-              <a:spcBef>
-                <a:spcPct val="20000"/>
-              </a:spcBef>
-              <a:buClr>
-                <a:srgbClr val="FF6309"/>
-              </a:buClr>
-              <a:buFont typeface="Wingdings" pitchFamily="-84" charset="2"/>
-              <a:buNone/>
-            </a:pPr>
-            <a:r>
-              <a:rPr lang="es-ES" sz="2800">
-                <a:solidFill>
-                  <a:srgbClr val="000000"/>
-                </a:solidFill>
-                <a:latin typeface="Calibri" pitchFamily="-84" charset="0"/>
-                <a:ea typeface="DejaVu Sans" charset="0"/>
-                <a:cs typeface="DejaVu Sans" charset="0"/>
-              </a:rPr>
-              <a:t>Networks are everywhere:</a:t>
-            </a:r>
-          </a:p>
-        </p:txBody>
-      </p:sp>
-      <p:sp>
-        <p:nvSpPr>
-          <p:cNvPr id="20" name="Text Placeholder 2"/>
-          <p:cNvSpPr txBox="1">
-            <a:spLocks/>
-          </p:cNvSpPr>
+            <a:fld id="{289AF70C-CF62-3949-A0E8-7B478CE69687}" type="slidenum">
+              <a:rPr lang="fi-FI"/>
+              <a:pPr/>
+              <a:t>2</a:t>
+            </a:fld>
+            <a:endParaRPr lang="fi-FI" dirty="0"/>
+          </a:p>
+        </p:txBody>
+      </p:sp>
+      <p:pic>
+        <p:nvPicPr>
+          <p:cNvPr id="24" name="Picture 23" descr="www.png"/>
+          <p:cNvPicPr>
+            <a:picLocks noChangeAspect="1"/>
+          </p:cNvPicPr>
           <p:nvPr/>
-        </p:nvSpPr>
-        <p:spPr bwMode="auto">
-          <a:xfrm>
-            <a:off x="544513" y="4643438"/>
-            <a:ext cx="8610600" cy="2489200"/>
+        </p:nvPicPr>
+        <p:blipFill>
+          <a:blip r:embed="rId8"/>
+          <a:stretch>
+            <a:fillRect/>
+          </a:stretch>
+        </p:blipFill>
+        <p:spPr>
+          <a:xfrm>
+            <a:off x="3440112" y="1265237"/>
+            <a:ext cx="2971800" cy="2971800"/>
           </a:xfrm>
           <a:prstGeom prst="rect">
             <a:avLst/>
           </a:prstGeom>
-          <a:noFill/>
-          <a:ln w="9525">
-            <a:noFill/>
-            <a:miter lim="800000"/>
-            <a:headEnd/>
-            <a:tailEnd/>
-          </a:ln>
-        </p:spPr>
-        <p:txBody>
-          <a:bodyPr lIns="0" tIns="0" rIns="0" bIns="0">
-            <a:prstTxWarp prst="textNoShape">
-              <a:avLst/>
-            </a:prstTxWarp>
-            <a:spAutoFit/>
-          </a:bodyPr>
-          <a:lstStyle/>
-          <a:p>
-            <a:pPr>
-              <a:spcBef>
-                <a:spcPct val="20000"/>
-              </a:spcBef>
-              <a:spcAft>
-                <a:spcPts val="600"/>
-              </a:spcAft>
-              <a:buClr>
-                <a:srgbClr val="FF6309"/>
-              </a:buClr>
-              <a:buFont typeface="Wingdings" charset="2"/>
-              <a:buNone/>
-              <a:defRPr/>
-            </a:pPr>
-            <a:r>
-              <a:rPr lang="es-ES" sz="2800" dirty="0">
-                <a:solidFill>
-                  <a:srgbClr val="000000"/>
-                </a:solidFill>
-                <a:latin typeface="Calibri" charset="0"/>
-                <a:ea typeface="DejaVu Sans" charset="0"/>
-                <a:cs typeface="DejaVu Sans" charset="0"/>
-              </a:rPr>
-              <a:t>Network mining, analysis, inference, etc… on real networks presents </a:t>
-            </a:r>
-            <a:r>
-              <a:rPr lang="es-ES" sz="2800" b="1" dirty="0">
-                <a:solidFill>
-                  <a:srgbClr val="000000"/>
-                </a:solidFill>
-                <a:latin typeface="Calibri" charset="0"/>
-                <a:ea typeface="DejaVu Sans" charset="0"/>
-                <a:cs typeface="DejaVu Sans" charset="0"/>
-              </a:rPr>
-              <a:t>many challengues</a:t>
-            </a:r>
-            <a:r>
-              <a:rPr lang="es-ES" sz="2800" dirty="0">
-                <a:solidFill>
-                  <a:srgbClr val="000000"/>
-                </a:solidFill>
-                <a:latin typeface="Calibri" charset="0"/>
-                <a:ea typeface="DejaVu Sans" charset="0"/>
-                <a:cs typeface="DejaVu Sans" charset="0"/>
-              </a:rPr>
-              <a:t>:</a:t>
-            </a:r>
-          </a:p>
-          <a:p>
-            <a:pPr marL="360000" indent="457200">
-              <a:spcBef>
-                <a:spcPct val="20000"/>
-              </a:spcBef>
-              <a:buClr>
-                <a:srgbClr val="FF6309"/>
-              </a:buClr>
-              <a:buFont typeface="Arial"/>
-              <a:buChar char="•"/>
-              <a:defRPr/>
-            </a:pPr>
-            <a:r>
-              <a:rPr lang="es-ES" sz="2800" dirty="0">
-                <a:solidFill>
-                  <a:srgbClr val="000000"/>
-                </a:solidFill>
-                <a:latin typeface="Calibri" charset="0"/>
-                <a:ea typeface="DejaVu Sans" charset="0"/>
-                <a:cs typeface="DejaVu Sans" charset="0"/>
-              </a:rPr>
-              <a:t>Networks are usually </a:t>
-            </a:r>
-            <a:r>
-              <a:rPr lang="es-ES" sz="2800" b="1" dirty="0">
-                <a:solidFill>
-                  <a:srgbClr val="000000"/>
-                </a:solidFill>
-                <a:latin typeface="Calibri" charset="0"/>
-                <a:ea typeface="DejaVu Sans" charset="0"/>
-                <a:cs typeface="DejaVu Sans" charset="0"/>
-              </a:rPr>
-              <a:t>sparse</a:t>
-            </a:r>
-            <a:r>
-              <a:rPr lang="es-ES" sz="2800" dirty="0">
-                <a:solidFill>
-                  <a:srgbClr val="000000"/>
-                </a:solidFill>
-                <a:latin typeface="Calibri" charset="0"/>
-                <a:ea typeface="DejaVu Sans" charset="0"/>
-                <a:cs typeface="DejaVu Sans" charset="0"/>
-              </a:rPr>
-              <a:t> (efficient storage/access)</a:t>
-            </a:r>
-          </a:p>
-          <a:p>
-            <a:pPr marL="360000" indent="457200">
-              <a:spcBef>
-                <a:spcPct val="20000"/>
-              </a:spcBef>
-              <a:buClr>
-                <a:srgbClr val="FF6309"/>
-              </a:buClr>
-              <a:buFont typeface="Arial"/>
-              <a:buChar char="•"/>
-              <a:defRPr/>
-            </a:pPr>
-            <a:r>
-              <a:rPr lang="es-ES" sz="2800" dirty="0">
-                <a:solidFill>
-                  <a:srgbClr val="000000"/>
-                </a:solidFill>
-                <a:latin typeface="Calibri" charset="0"/>
-                <a:ea typeface="DejaVu Sans" charset="0"/>
-                <a:cs typeface="DejaVu Sans" charset="0"/>
-              </a:rPr>
-              <a:t>Networks may be </a:t>
-            </a:r>
-            <a:r>
-              <a:rPr lang="es-ES" sz="2800" b="1" dirty="0">
-                <a:solidFill>
-                  <a:srgbClr val="000000"/>
-                </a:solidFill>
-                <a:latin typeface="Calibri" charset="0"/>
-                <a:ea typeface="DejaVu Sans" charset="0"/>
-                <a:cs typeface="DejaVu Sans" charset="0"/>
-              </a:rPr>
-              <a:t>huge</a:t>
-            </a:r>
-            <a:r>
-              <a:rPr lang="es-ES" sz="2800" dirty="0">
-                <a:solidFill>
-                  <a:srgbClr val="000000"/>
-                </a:solidFill>
-                <a:latin typeface="Calibri" charset="0"/>
-                <a:ea typeface="DejaVu Sans" charset="0"/>
-                <a:cs typeface="DejaVu Sans" charset="0"/>
-              </a:rPr>
-              <a:t> (10</a:t>
-            </a:r>
-            <a:r>
-              <a:rPr lang="es-ES" sz="2800" baseline="30000" dirty="0">
-                <a:solidFill>
-                  <a:srgbClr val="000000"/>
-                </a:solidFill>
-                <a:latin typeface="Calibri" charset="0"/>
-                <a:ea typeface="DejaVu Sans" charset="0"/>
-                <a:cs typeface="DejaVu Sans" charset="0"/>
-              </a:rPr>
-              <a:t>6</a:t>
-            </a:r>
-            <a:r>
-              <a:rPr lang="es-ES" sz="2800" dirty="0">
-                <a:solidFill>
-                  <a:srgbClr val="000000"/>
-                </a:solidFill>
-                <a:latin typeface="Calibri" charset="0"/>
-                <a:ea typeface="DejaVu Sans" charset="0"/>
-                <a:cs typeface="DejaVu Sans" charset="0"/>
-              </a:rPr>
-              <a:t> nodes/10</a:t>
-            </a:r>
-            <a:r>
-              <a:rPr lang="es-ES" sz="2800" baseline="30000" dirty="0">
-                <a:solidFill>
-                  <a:srgbClr val="000000"/>
-                </a:solidFill>
-                <a:latin typeface="Calibri" charset="0"/>
-                <a:ea typeface="DejaVu Sans" charset="0"/>
-                <a:cs typeface="DejaVu Sans" charset="0"/>
-              </a:rPr>
-              <a:t>9</a:t>
-            </a:r>
-            <a:r>
-              <a:rPr lang="es-ES" sz="2800" dirty="0">
-                <a:solidFill>
-                  <a:srgbClr val="000000"/>
-                </a:solidFill>
-                <a:latin typeface="Calibri" charset="0"/>
-                <a:ea typeface="DejaVu Sans" charset="0"/>
-                <a:cs typeface="DejaVu Sans" charset="0"/>
-              </a:rPr>
-              <a:t> of edges)</a:t>
-            </a:r>
-          </a:p>
-          <a:p>
-            <a:pPr marL="360000" indent="457200">
-              <a:spcBef>
-                <a:spcPct val="20000"/>
-              </a:spcBef>
-              <a:buClr>
-                <a:srgbClr val="FF6309"/>
-              </a:buClr>
-              <a:buFont typeface="Arial"/>
-              <a:buChar char="•"/>
-              <a:defRPr/>
-            </a:pPr>
-            <a:r>
-              <a:rPr lang="es-ES" sz="2800" dirty="0">
-                <a:solidFill>
-                  <a:srgbClr val="000000"/>
-                </a:solidFill>
-                <a:latin typeface="Calibri" charset="0"/>
-                <a:ea typeface="DejaVu Sans" charset="0"/>
-                <a:cs typeface="DejaVu Sans" charset="0"/>
-              </a:rPr>
-              <a:t>Networks are </a:t>
-            </a:r>
-            <a:r>
-              <a:rPr lang="es-ES" sz="2800" b="1" dirty="0">
-                <a:solidFill>
-                  <a:srgbClr val="000000"/>
-                </a:solidFill>
-                <a:latin typeface="Calibri" charset="0"/>
-                <a:ea typeface="DejaVu Sans" charset="0"/>
-                <a:cs typeface="DejaVu Sans" charset="0"/>
-              </a:rPr>
-              <a:t>dynamic</a:t>
-            </a:r>
-            <a:r>
-              <a:rPr lang="es-ES" sz="2800" dirty="0">
-                <a:solidFill>
-                  <a:srgbClr val="000000"/>
-                </a:solidFill>
-                <a:latin typeface="Calibri" charset="0"/>
-                <a:ea typeface="DejaVu Sans" charset="0"/>
-                <a:cs typeface="DejaVu Sans" charset="0"/>
-              </a:rPr>
-              <a:t> (updates should be efficient)</a:t>
-            </a:r>
-          </a:p>
-        </p:txBody>
-      </p:sp>
-      <p:sp>
-        <p:nvSpPr>
-          <p:cNvPr id="17415" name="Rectangle 20"/>
-          <p:cNvSpPr>
-            <a:spLocks noChangeArrowheads="1"/>
-          </p:cNvSpPr>
-          <p:nvPr/>
-        </p:nvSpPr>
-        <p:spPr bwMode="auto">
-          <a:xfrm>
-            <a:off x="1001713" y="3551238"/>
-            <a:ext cx="3095625" cy="523875"/>
-          </a:xfrm>
-          <a:prstGeom prst="rect">
-            <a:avLst/>
-          </a:prstGeom>
-          <a:noFill/>
-          <a:ln w="9525">
-            <a:noFill/>
-            <a:miter lim="800000"/>
-            <a:headEnd/>
-            <a:tailEnd/>
-          </a:ln>
-        </p:spPr>
-        <p:txBody>
-          <a:bodyPr wrap="none">
-            <a:prstTxWarp prst="textNoShape">
-              <a:avLst/>
-            </a:prstTxWarp>
-            <a:spAutoFit/>
-          </a:bodyPr>
-          <a:lstStyle/>
-          <a:p>
-            <a:pPr algn="ctr"/>
-            <a:r>
-              <a:rPr lang="en-US" sz="2800" b="1">
-                <a:latin typeface="Calibri" pitchFamily="-84" charset="0"/>
-              </a:rPr>
-              <a:t>Biological networks</a:t>
-            </a:r>
-          </a:p>
-        </p:txBody>
-      </p:sp>
-      <p:sp>
-        <p:nvSpPr>
-          <p:cNvPr id="17416" name="Rectangle 21"/>
-          <p:cNvSpPr>
-            <a:spLocks noChangeArrowheads="1"/>
-          </p:cNvSpPr>
-          <p:nvPr/>
-        </p:nvSpPr>
-        <p:spPr bwMode="auto">
-          <a:xfrm>
-            <a:off x="2601913" y="2941638"/>
-            <a:ext cx="2525712" cy="523875"/>
-          </a:xfrm>
-          <a:prstGeom prst="rect">
-            <a:avLst/>
-          </a:prstGeom>
-          <a:noFill/>
-          <a:ln w="9525">
-            <a:noFill/>
-            <a:miter lim="800000"/>
-            <a:headEnd/>
-            <a:tailEnd/>
-          </a:ln>
-        </p:spPr>
-        <p:txBody>
-          <a:bodyPr wrap="none">
-            <a:prstTxWarp prst="textNoShape">
-              <a:avLst/>
-            </a:prstTxWarp>
-            <a:spAutoFit/>
-          </a:bodyPr>
-          <a:lstStyle/>
-          <a:p>
-            <a:pPr algn="ctr"/>
-            <a:r>
-              <a:rPr lang="en-US" sz="2800" b="1">
-                <a:latin typeface="Calibri" pitchFamily="-84" charset="0"/>
-              </a:rPr>
-              <a:t>Social networks</a:t>
-            </a:r>
-          </a:p>
-        </p:txBody>
-      </p:sp>
-      <p:sp>
-        <p:nvSpPr>
-          <p:cNvPr id="17417" name="Rectangle 22"/>
-          <p:cNvSpPr>
-            <a:spLocks noChangeArrowheads="1"/>
-          </p:cNvSpPr>
-          <p:nvPr/>
-        </p:nvSpPr>
-        <p:spPr bwMode="auto">
-          <a:xfrm>
-            <a:off x="4659313" y="2073275"/>
-            <a:ext cx="3148012" cy="523875"/>
-          </a:xfrm>
-          <a:prstGeom prst="rect">
-            <a:avLst/>
-          </a:prstGeom>
-          <a:noFill/>
-          <a:ln w="9525">
-            <a:noFill/>
-            <a:miter lim="800000"/>
-            <a:headEnd/>
-            <a:tailEnd/>
-          </a:ln>
-        </p:spPr>
-        <p:txBody>
-          <a:bodyPr wrap="none">
-            <a:prstTxWarp prst="textNoShape">
-              <a:avLst/>
-            </a:prstTxWarp>
-            <a:spAutoFit/>
-          </a:bodyPr>
-          <a:lstStyle/>
-          <a:p>
-            <a:pPr algn="ctr"/>
-            <a:r>
-              <a:rPr lang="en-US" sz="2800" b="1">
-                <a:latin typeface="Calibri" pitchFamily="-84" charset="0"/>
-              </a:rPr>
-              <a:t>Computer networks</a:t>
-            </a:r>
-          </a:p>
-        </p:txBody>
-      </p:sp>
-      <p:sp>
-        <p:nvSpPr>
-          <p:cNvPr id="17418" name="Rectangle 23"/>
-          <p:cNvSpPr>
-            <a:spLocks noChangeArrowheads="1"/>
-          </p:cNvSpPr>
-          <p:nvPr/>
-        </p:nvSpPr>
-        <p:spPr bwMode="auto">
-          <a:xfrm>
-            <a:off x="5116513" y="3627438"/>
-            <a:ext cx="2998787" cy="523875"/>
-          </a:xfrm>
-          <a:prstGeom prst="rect">
-            <a:avLst/>
-          </a:prstGeom>
-          <a:noFill/>
-          <a:ln w="9525">
-            <a:noFill/>
-            <a:miter lim="800000"/>
-            <a:headEnd/>
-            <a:tailEnd/>
-          </a:ln>
-        </p:spPr>
-        <p:txBody>
-          <a:bodyPr wrap="none">
-            <a:prstTxWarp prst="textNoShape">
-              <a:avLst/>
-            </a:prstTxWarp>
-            <a:spAutoFit/>
-          </a:bodyPr>
-          <a:lstStyle/>
-          <a:p>
-            <a:pPr algn="ctr"/>
-            <a:r>
-              <a:rPr lang="en-US" sz="2800" b="1">
-                <a:latin typeface="Calibri" pitchFamily="-84" charset="0"/>
-              </a:rPr>
-              <a:t>Traveling networks</a:t>
-            </a:r>
-          </a:p>
-        </p:txBody>
-      </p:sp>
-      <p:sp>
-        <p:nvSpPr>
-          <p:cNvPr id="17419" name="Rectangle 24"/>
-          <p:cNvSpPr>
-            <a:spLocks noChangeArrowheads="1"/>
-          </p:cNvSpPr>
-          <p:nvPr/>
-        </p:nvSpPr>
-        <p:spPr bwMode="auto">
-          <a:xfrm>
-            <a:off x="849313" y="2225675"/>
-            <a:ext cx="3006725" cy="523875"/>
-          </a:xfrm>
-          <a:prstGeom prst="rect">
-            <a:avLst/>
-          </a:prstGeom>
-          <a:noFill/>
-          <a:ln w="9525">
-            <a:noFill/>
-            <a:miter lim="800000"/>
-            <a:headEnd/>
-            <a:tailEnd/>
-          </a:ln>
-        </p:spPr>
-        <p:txBody>
-          <a:bodyPr wrap="none">
-            <a:prstTxWarp prst="textNoShape">
-              <a:avLst/>
-            </a:prstTxWarp>
-            <a:spAutoFit/>
-          </a:bodyPr>
-          <a:lstStyle/>
-          <a:p>
-            <a:pPr algn="ctr"/>
-            <a:r>
-              <a:rPr lang="en-US" sz="2800" b="1" dirty="0">
-                <a:latin typeface="Calibri" pitchFamily="-84" charset="0"/>
-              </a:rPr>
-              <a:t>Electrical networks</a:t>
-            </a:r>
-          </a:p>
-        </p:txBody>
-      </p:sp>
-      <p:sp>
-        <p:nvSpPr>
-          <p:cNvPr id="17420" name="Rectangle 25"/>
-          <p:cNvSpPr>
-            <a:spLocks noChangeArrowheads="1"/>
-          </p:cNvSpPr>
-          <p:nvPr/>
-        </p:nvSpPr>
-        <p:spPr bwMode="auto">
-          <a:xfrm>
-            <a:off x="5573713" y="2865438"/>
-            <a:ext cx="3440112" cy="523875"/>
-          </a:xfrm>
-          <a:prstGeom prst="rect">
-            <a:avLst/>
-          </a:prstGeom>
-          <a:noFill/>
-          <a:ln w="9525">
-            <a:noFill/>
-            <a:miter lim="800000"/>
-            <a:headEnd/>
-            <a:tailEnd/>
-          </a:ln>
-        </p:spPr>
-        <p:txBody>
-          <a:bodyPr wrap="none">
-            <a:prstTxWarp prst="textNoShape">
-              <a:avLst/>
-            </a:prstTxWarp>
-            <a:spAutoFit/>
-          </a:bodyPr>
-          <a:lstStyle/>
-          <a:p>
-            <a:pPr algn="ctr"/>
-            <a:r>
-              <a:rPr lang="en-US" sz="2800" b="1">
-                <a:latin typeface="Calibri" pitchFamily="-84" charset="0"/>
-              </a:rPr>
-              <a:t>Information networks</a:t>
-            </a:r>
-          </a:p>
-        </p:txBody>
-      </p:sp>
+        </p:spPr>
+      </p:pic>
     </p:spTree>
+    <p:extLst>
+      <p:ext uri="{BB962C8B-B14F-4D97-AF65-F5344CB8AC3E}">
+        <p14:creationId xmlns:p14="http://schemas.microsoft.com/office/powerpoint/2010/main" val="1036755873"/>
+      </p:ext>
+    </p:extLst>
   </p:cSld>
   <p:clrMapOvr>
     <a:masterClrMapping/>
@@ -5965,7 +5511,7 @@
                             </p:stCondLst>
                             <p:childTnLst>
                               <p:par>
-                                <p:cTn id="5" presetID="1" presetClass="entr" presetSubtype="0" fill="hold" grpId="0" nodeType="clickEffect">
+                                <p:cTn id="5" presetID="1" presetClass="entr" presetSubtype="0" fill="hold" nodeType="clickEffect">
                                   <p:stCondLst>
                                     <p:cond delay="0"/>
                                   </p:stCondLst>
@@ -5978,7 +5524,358 @@
                                           </p:stCondLst>
                                         </p:cTn>
                                         <p:tgtEl>
-                                          <p:spTgt spid="20"/>
+                                          <p:spTgt spid="23"/>
+                                        </p:tgtEl>
+                                        <p:attrNameLst>
+                                          <p:attrName>style.visibility</p:attrName>
+                                        </p:attrNameLst>
+                                      </p:cBhvr>
+                                      <p:to>
+                                        <p:strVal val="visible"/>
+                                      </p:to>
+                                    </p:set>
+                                  </p:childTnLst>
+                                </p:cTn>
+                              </p:par>
+                              <p:par>
+                                <p:cTn id="7" presetID="1" presetClass="entr" presetSubtype="0" fill="hold" grpId="0" nodeType="withEffect">
+                                  <p:stCondLst>
+                                    <p:cond delay="0"/>
+                                  </p:stCondLst>
+                                  <p:childTnLst>
+                                    <p:set>
+                                      <p:cBhvr>
+                                        <p:cTn id="8" dur="1" fill="hold">
+                                          <p:stCondLst>
+                                            <p:cond delay="0"/>
+                                          </p:stCondLst>
+                                        </p:cTn>
+                                        <p:tgtEl>
+                                          <p:spTgt spid="28"/>
+                                        </p:tgtEl>
+                                        <p:attrNameLst>
+                                          <p:attrName>style.visibility</p:attrName>
+                                        </p:attrNameLst>
+                                      </p:cBhvr>
+                                      <p:to>
+                                        <p:strVal val="visible"/>
+                                      </p:to>
+                                    </p:set>
+                                  </p:childTnLst>
+                                </p:cTn>
+                              </p:par>
+                            </p:childTnLst>
+                          </p:cTn>
+                        </p:par>
+                      </p:childTnLst>
+                    </p:cTn>
+                  </p:par>
+                  <p:par>
+                    <p:cTn id="9" fill="hold">
+                      <p:stCondLst>
+                        <p:cond delay="indefinite"/>
+                      </p:stCondLst>
+                      <p:childTnLst>
+                        <p:par>
+                          <p:cTn id="10" fill="hold">
+                            <p:stCondLst>
+                              <p:cond delay="0"/>
+                            </p:stCondLst>
+                            <p:childTnLst>
+                              <p:par>
+                                <p:cTn id="11" presetID="1" presetClass="entr" presetSubtype="0" fill="hold" nodeType="clickEffect">
+                                  <p:stCondLst>
+                                    <p:cond delay="0"/>
+                                  </p:stCondLst>
+                                  <p:childTnLst>
+                                    <p:set>
+                                      <p:cBhvr>
+                                        <p:cTn id="12" dur="1" fill="hold">
+                                          <p:stCondLst>
+                                            <p:cond delay="0"/>
+                                          </p:stCondLst>
+                                        </p:cTn>
+                                        <p:tgtEl>
+                                          <p:spTgt spid="24"/>
+                                        </p:tgtEl>
+                                        <p:attrNameLst>
+                                          <p:attrName>style.visibility</p:attrName>
+                                        </p:attrNameLst>
+                                      </p:cBhvr>
+                                      <p:to>
+                                        <p:strVal val="visible"/>
+                                      </p:to>
+                                    </p:set>
+                                  </p:childTnLst>
+                                </p:cTn>
+                              </p:par>
+                              <p:par>
+                                <p:cTn id="13" presetID="1" presetClass="entr" presetSubtype="0" fill="hold" grpId="0" nodeType="withEffect">
+                                  <p:stCondLst>
+                                    <p:cond delay="0"/>
+                                  </p:stCondLst>
+                                  <p:childTnLst>
+                                    <p:set>
+                                      <p:cBhvr>
+                                        <p:cTn id="14" dur="1" fill="hold">
+                                          <p:stCondLst>
+                                            <p:cond delay="0"/>
+                                          </p:stCondLst>
+                                        </p:cTn>
+                                        <p:tgtEl>
+                                          <p:spTgt spid="29"/>
+                                        </p:tgtEl>
+                                        <p:attrNameLst>
+                                          <p:attrName>style.visibility</p:attrName>
+                                        </p:attrNameLst>
+                                      </p:cBhvr>
+                                      <p:to>
+                                        <p:strVal val="visible"/>
+                                      </p:to>
+                                    </p:set>
+                                  </p:childTnLst>
+                                </p:cTn>
+                              </p:par>
+                            </p:childTnLst>
+                          </p:cTn>
+                        </p:par>
+                      </p:childTnLst>
+                    </p:cTn>
+                  </p:par>
+                  <p:par>
+                    <p:cTn id="15" fill="hold">
+                      <p:stCondLst>
+                        <p:cond delay="indefinite"/>
+                      </p:stCondLst>
+                      <p:childTnLst>
+                        <p:par>
+                          <p:cTn id="16" fill="hold">
+                            <p:stCondLst>
+                              <p:cond delay="0"/>
+                            </p:stCondLst>
+                            <p:childTnLst>
+                              <p:par>
+                                <p:cTn id="17" presetID="1" presetClass="entr" presetSubtype="0" fill="hold" nodeType="clickEffect">
+                                  <p:stCondLst>
+                                    <p:cond delay="0"/>
+                                  </p:stCondLst>
+                                  <p:childTnLst>
+                                    <p:set>
+                                      <p:cBhvr>
+                                        <p:cTn id="18" dur="1" fill="hold">
+                                          <p:stCondLst>
+                                            <p:cond delay="0"/>
+                                          </p:stCondLst>
+                                        </p:cTn>
+                                        <p:tgtEl>
+                                          <p:spTgt spid="27"/>
+                                        </p:tgtEl>
+                                        <p:attrNameLst>
+                                          <p:attrName>style.visibility</p:attrName>
+                                        </p:attrNameLst>
+                                      </p:cBhvr>
+                                      <p:to>
+                                        <p:strVal val="visible"/>
+                                      </p:to>
+                                    </p:set>
+                                  </p:childTnLst>
+                                </p:cTn>
+                              </p:par>
+                              <p:par>
+                                <p:cTn id="19" presetID="1" presetClass="entr" presetSubtype="0" fill="hold" grpId="0" nodeType="withEffect">
+                                  <p:stCondLst>
+                                    <p:cond delay="0"/>
+                                  </p:stCondLst>
+                                  <p:childTnLst>
+                                    <p:set>
+                                      <p:cBhvr>
+                                        <p:cTn id="20" dur="1" fill="hold">
+                                          <p:stCondLst>
+                                            <p:cond delay="0"/>
+                                          </p:stCondLst>
+                                        </p:cTn>
+                                        <p:tgtEl>
+                                          <p:spTgt spid="31"/>
+                                        </p:tgtEl>
+                                        <p:attrNameLst>
+                                          <p:attrName>style.visibility</p:attrName>
+                                        </p:attrNameLst>
+                                      </p:cBhvr>
+                                      <p:to>
+                                        <p:strVal val="visible"/>
+                                      </p:to>
+                                    </p:set>
+                                  </p:childTnLst>
+                                </p:cTn>
+                              </p:par>
+                            </p:childTnLst>
+                          </p:cTn>
+                        </p:par>
+                      </p:childTnLst>
+                    </p:cTn>
+                  </p:par>
+                  <p:par>
+                    <p:cTn id="21" fill="hold">
+                      <p:stCondLst>
+                        <p:cond delay="indefinite"/>
+                      </p:stCondLst>
+                      <p:childTnLst>
+                        <p:par>
+                          <p:cTn id="22" fill="hold">
+                            <p:stCondLst>
+                              <p:cond delay="0"/>
+                            </p:stCondLst>
+                            <p:childTnLst>
+                              <p:par>
+                                <p:cTn id="23" presetID="1" presetClass="entr" presetSubtype="0" fill="hold" nodeType="clickEffect">
+                                  <p:stCondLst>
+                                    <p:cond delay="0"/>
+                                  </p:stCondLst>
+                                  <p:childTnLst>
+                                    <p:set>
+                                      <p:cBhvr>
+                                        <p:cTn id="24" dur="1" fill="hold">
+                                          <p:stCondLst>
+                                            <p:cond delay="0"/>
+                                          </p:stCondLst>
+                                        </p:cTn>
+                                        <p:tgtEl>
+                                          <p:spTgt spid="45"/>
+                                        </p:tgtEl>
+                                        <p:attrNameLst>
+                                          <p:attrName>style.visibility</p:attrName>
+                                        </p:attrNameLst>
+                                      </p:cBhvr>
+                                      <p:to>
+                                        <p:strVal val="visible"/>
+                                      </p:to>
+                                    </p:set>
+                                  </p:childTnLst>
+                                </p:cTn>
+                              </p:par>
+                              <p:par>
+                                <p:cTn id="25" presetID="1" presetClass="entr" presetSubtype="0" fill="hold" nodeType="withEffect">
+                                  <p:stCondLst>
+                                    <p:cond delay="0"/>
+                                  </p:stCondLst>
+                                  <p:childTnLst>
+                                    <p:set>
+                                      <p:cBhvr>
+                                        <p:cTn id="26" dur="1" fill="hold">
+                                          <p:stCondLst>
+                                            <p:cond delay="0"/>
+                                          </p:stCondLst>
+                                        </p:cTn>
+                                        <p:tgtEl>
+                                          <p:spTgt spid="37"/>
+                                        </p:tgtEl>
+                                        <p:attrNameLst>
+                                          <p:attrName>style.visibility</p:attrName>
+                                        </p:attrNameLst>
+                                      </p:cBhvr>
+                                      <p:to>
+                                        <p:strVal val="visible"/>
+                                      </p:to>
+                                    </p:set>
+                                  </p:childTnLst>
+                                </p:cTn>
+                              </p:par>
+                              <p:par>
+                                <p:cTn id="27" presetID="1" presetClass="entr" presetSubtype="0" fill="hold" nodeType="withEffect">
+                                  <p:stCondLst>
+                                    <p:cond delay="0"/>
+                                  </p:stCondLst>
+                                  <p:childTnLst>
+                                    <p:set>
+                                      <p:cBhvr>
+                                        <p:cTn id="28" dur="1" fill="hold">
+                                          <p:stCondLst>
+                                            <p:cond delay="0"/>
+                                          </p:stCondLst>
+                                        </p:cTn>
+                                        <p:tgtEl>
+                                          <p:spTgt spid="33"/>
+                                        </p:tgtEl>
+                                        <p:attrNameLst>
+                                          <p:attrName>style.visibility</p:attrName>
+                                        </p:attrNameLst>
+                                      </p:cBhvr>
+                                      <p:to>
+                                        <p:strVal val="visible"/>
+                                      </p:to>
+                                    </p:set>
+                                  </p:childTnLst>
+                                </p:cTn>
+                              </p:par>
+                              <p:par>
+                                <p:cTn id="29" presetID="1" presetClass="entr" presetSubtype="0" fill="hold" grpId="0" nodeType="withEffect">
+                                  <p:stCondLst>
+                                    <p:cond delay="0"/>
+                                  </p:stCondLst>
+                                  <p:childTnLst>
+                                    <p:set>
+                                      <p:cBhvr>
+                                        <p:cTn id="30" dur="1" fill="hold">
+                                          <p:stCondLst>
+                                            <p:cond delay="0"/>
+                                          </p:stCondLst>
+                                        </p:cTn>
+                                        <p:tgtEl>
+                                          <p:spTgt spid="30"/>
+                                        </p:tgtEl>
+                                        <p:attrNameLst>
+                                          <p:attrName>style.visibility</p:attrName>
+                                        </p:attrNameLst>
+                                      </p:cBhvr>
+                                      <p:to>
+                                        <p:strVal val="visible"/>
+                                      </p:to>
+                                    </p:set>
+                                  </p:childTnLst>
+                                </p:cTn>
+                              </p:par>
+                              <p:par>
+                                <p:cTn id="31" presetID="1" presetClass="entr" presetSubtype="0" fill="hold" grpId="0" nodeType="withEffect">
+                                  <p:stCondLst>
+                                    <p:cond delay="0"/>
+                                  </p:stCondLst>
+                                  <p:childTnLst>
+                                    <p:set>
+                                      <p:cBhvr>
+                                        <p:cTn id="32" dur="1" fill="hold">
+                                          <p:stCondLst>
+                                            <p:cond delay="0"/>
+                                          </p:stCondLst>
+                                        </p:cTn>
+                                        <p:tgtEl>
+                                          <p:spTgt spid="26"/>
+                                        </p:tgtEl>
+                                        <p:attrNameLst>
+                                          <p:attrName>style.visibility</p:attrName>
+                                        </p:attrNameLst>
+                                      </p:cBhvr>
+                                      <p:to>
+                                        <p:strVal val="visible"/>
+                                      </p:to>
+                                    </p:set>
+                                  </p:childTnLst>
+                                </p:cTn>
+                              </p:par>
+                              <p:par>
+                                <p:cTn id="33" presetID="1" presetClass="entr" presetSubtype="0" fill="hold" grpId="0" nodeType="withEffect">
+                                  <p:stCondLst>
+                                    <p:cond delay="0"/>
+                                  </p:stCondLst>
+                                  <p:childTnLst>
+                                    <p:set>
+                                      <p:cBhvr>
+                                        <p:cTn id="34" dur="1" fill="hold">
+                                          <p:stCondLst>
+                                            <p:cond delay="0"/>
+                                          </p:stCondLst>
+                                        </p:cTn>
+                                        <p:tgtEl>
+                                          <p:spTgt spid="32"/>
                                         </p:tgtEl>
                                         <p:attrNameLst>
                                           <p:attrName>style.visibility</p:attrName>
@@ -6019,7 +5916,12 @@
       </p:par>
     </p:tnLst>
     <p:bldLst>
-      <p:bldP spid="20" grpId="0"/>
+      <p:bldP spid="29" grpId="0"/>
+      <p:bldP spid="30" grpId="0"/>
+      <p:bldP spid="28" grpId="0"/>
+      <p:bldP spid="26" grpId="0"/>
+      <p:bldP spid="31" grpId="0"/>
+      <p:bldP spid="32" grpId="0"/>
     </p:bldLst>
   </p:timing>
 </p:sld>
@@ -6044,7 +5946,42 @@
       </p:grpSpPr>
       <p:sp>
         <p:nvSpPr>
-          <p:cNvPr id="6" name="Slide Number Placeholder 3"/>
+          <p:cNvPr id="17411" name="Title 1"/>
+          <p:cNvSpPr txBox="1">
+            <a:spLocks noGrp="1"/>
+          </p:cNvSpPr>
+          <p:nvPr>
+            <p:ph type="title" idx="4294967295"/>
+          </p:nvPr>
+        </p:nvSpPr>
+        <p:spPr>
+          <a:xfrm>
+            <a:off x="468313" y="251445"/>
+            <a:ext cx="9612312" cy="615553"/>
+          </a:xfrm>
+        </p:spPr>
+        <p:txBody>
+          <a:bodyPr wrap="square">
+            <a:spAutoFit/>
+          </a:bodyPr>
+          <a:lstStyle/>
+          <a:p>
+            <a:pPr eaLnBrk="1"/>
+            <a:r>
+              <a:rPr lang="en-US" sz="4000" dirty="0" smtClean="0">
+                <a:latin typeface="Calibri"/>
+              </a:rPr>
+              <a:t>Social events over networks</a:t>
+            </a:r>
+            <a:endParaRPr lang="en-US" sz="4000" i="1" dirty="0">
+              <a:latin typeface="Calibri"/>
+            </a:endParaRPr>
+          </a:p>
+        </p:txBody>
+      </p:sp>
+      <p:sp>
+        <p:nvSpPr>
+          <p:cNvPr id="17410" name="Slide Number Placeholder 3"/>
           <p:cNvSpPr>
             <a:spLocks noGrp="1"/>
           </p:cNvSpPr>
@@ -6052,570 +5989,61 @@
             <p:ph type="sldNum" sz="quarter" idx="12"/>
           </p:nvPr>
         </p:nvSpPr>
-        <p:spPr/>
-        <p:txBody>
-          <a:bodyPr/>
-          <a:lstStyle/>
-          <a:p>
-            <a:pPr>
-              <a:defRPr/>
-            </a:pPr>
-            <a:fld id="{3AF73C70-BE0D-6240-8EA7-525A8753C485}" type="slidenum">
-              <a:rPr lang="fi-FI" smtClean="0"/>
-              <a:pPr>
-                <a:defRPr/>
-              </a:pPr>
-              <a:t>3</a:t>
-            </a:fld>
-            <a:endParaRPr lang="fi-FI"/>
-          </a:p>
-        </p:txBody>
-      </p:sp>
-      <p:sp>
-        <p:nvSpPr>
-          <p:cNvPr id="24579" name="Title 1"/>
-          <p:cNvSpPr txBox="1">
-            <a:spLocks noGrp="1"/>
-          </p:cNvSpPr>
-          <p:nvPr>
-            <p:ph type="title" idx="4294967295"/>
-          </p:nvPr>
-        </p:nvSpPr>
-        <p:spPr>
-          <a:xfrm>
-            <a:off x="468313" y="295275"/>
-            <a:ext cx="9070975" cy="677108"/>
-          </a:xfrm>
-        </p:spPr>
-        <p:txBody>
-          <a:bodyPr>
-            <a:spAutoFit/>
-          </a:bodyPr>
-          <a:lstStyle/>
-          <a:p>
-            <a:pPr eaLnBrk="1"/>
-            <a:r>
-              <a:rPr lang="en-US" dirty="0" smtClean="0"/>
-              <a:t>Static information network</a:t>
-            </a:r>
-          </a:p>
-        </p:txBody>
-      </p:sp>
-      <p:sp>
-        <p:nvSpPr>
-          <p:cNvPr id="7" name="Slide Number Placeholder 3"/>
-          <p:cNvSpPr txBox="1">
-            <a:spLocks/>
-          </p:cNvSpPr>
-          <p:nvPr/>
-        </p:nvSpPr>
-        <p:spPr>
-          <a:xfrm>
-            <a:off x="7226300" y="7002462"/>
-            <a:ext cx="2349500" cy="522288"/>
-          </a:xfrm>
-          <a:prstGeom prst="rect">
-            <a:avLst/>
-          </a:prstGeom>
+        <p:spPr bwMode="auto">
           <a:noFill/>
           <a:ln>
-            <a:noFill/>
-          </a:ln>
-        </p:spPr>
-        <p:txBody>
-          <a:bodyPr vert="horz" wrap="square" lIns="0" tIns="0" rIns="0" bIns="0" numCol="1" anchor="t" anchorCtr="0" compatLnSpc="1">
-            <a:prstTxWarp prst="textNoShape">
-              <a:avLst/>
-            </a:prstTxWarp>
-          </a:bodyPr>
-          <a:lstStyle/>
-          <a:p>
-            <a:pPr marL="0" marR="0" lvl="0" indent="0" algn="r" defTabSz="914400" rtl="0" eaLnBrk="1" fontAlgn="base" latinLnBrk="0" hangingPunct="0">
-              <a:lnSpc>
-                <a:spcPct val="100000"/>
-              </a:lnSpc>
-              <a:spcBef>
-                <a:spcPct val="0"/>
-              </a:spcBef>
-              <a:spcAft>
-                <a:spcPct val="0"/>
-              </a:spcAft>
-              <a:buClrTx/>
-              <a:buSzTx/>
-              <a:buFontTx/>
-              <a:buNone/>
-              <a:tabLst/>
-              <a:defRPr/>
-            </a:pPr>
-            <a:fld id="{3AF73C70-BE0D-6240-8EA7-525A8753C485}" type="slidenum">
-              <a:rPr kumimoji="0" lang="fi-FI" sz="1400" b="0" i="0" u="none" strike="noStrike" kern="1200" cap="none" spc="0" normalizeH="0" baseline="0" noProof="0" smtClean="0">
-                <a:ln>
-                  <a:noFill/>
-                </a:ln>
-                <a:solidFill>
-                  <a:schemeClr val="tx1"/>
-                </a:solidFill>
-                <a:effectLst/>
-                <a:uLnTx/>
-                <a:uFillTx/>
-                <a:latin typeface="Times New Roman" charset="0"/>
-                <a:ea typeface="+mj-ea"/>
-                <a:cs typeface="+mj-cs"/>
-              </a:rPr>
-              <a:pPr marL="0" marR="0" lvl="0" indent="0" algn="r" defTabSz="914400" rtl="0" eaLnBrk="1" fontAlgn="base" latinLnBrk="0" hangingPunct="0">
-                <a:lnSpc>
-                  <a:spcPct val="100000"/>
-                </a:lnSpc>
-                <a:spcBef>
-                  <a:spcPct val="0"/>
-                </a:spcBef>
-                <a:spcAft>
-                  <a:spcPct val="0"/>
-                </a:spcAft>
-                <a:buClrTx/>
-                <a:buSzTx/>
-                <a:buFontTx/>
-                <a:buNone/>
-                <a:tabLst/>
-                <a:defRPr/>
-              </a:pPr>
-              <a:t>3</a:t>
-            </a:fld>
-            <a:endParaRPr kumimoji="0" lang="fi-FI" sz="1400" b="0" i="0" u="none" strike="noStrike" kern="1200" cap="none" spc="0" normalizeH="0" baseline="0" noProof="0">
-              <a:ln>
-                <a:noFill/>
-              </a:ln>
-              <a:solidFill>
-                <a:schemeClr val="tx1"/>
-              </a:solidFill>
-              <a:effectLst/>
-              <a:uLnTx/>
-              <a:uFillTx/>
-              <a:latin typeface="Times New Roman" charset="0"/>
-              <a:ea typeface="+mj-ea"/>
-              <a:cs typeface="+mj-cs"/>
-            </a:endParaRPr>
-          </a:p>
-        </p:txBody>
-      </p:sp>
-      <p:sp>
-        <p:nvSpPr>
-          <p:cNvPr id="8" name="Slide Number Placeholder 3"/>
-          <p:cNvSpPr txBox="1">
-            <a:spLocks/>
-          </p:cNvSpPr>
-          <p:nvPr/>
-        </p:nvSpPr>
-        <p:spPr bwMode="auto">
-          <a:xfrm>
-            <a:off x="7226300" y="7002462"/>
-            <a:ext cx="2349500" cy="522288"/>
-          </a:xfrm>
-          <a:prstGeom prst="rect">
-            <a:avLst/>
-          </a:prstGeom>
-          <a:noFill/>
-          <a:ln>
-            <a:noFill/>
             <a:miter lim="800000"/>
             <a:headEnd/>
             <a:tailEnd/>
           </a:ln>
         </p:spPr>
         <p:txBody>
-          <a:bodyPr vert="horz" wrap="square" lIns="0" tIns="0" rIns="0" bIns="0" numCol="1" anchor="t" anchorCtr="0" compatLnSpc="1">
-            <a:prstTxWarp prst="textNoShape">
-              <a:avLst/>
-            </a:prstTxWarp>
-          </a:bodyPr>
+          <a:bodyPr/>
           <a:lstStyle/>
           <a:p>
-            <a:pPr marL="0" marR="0" lvl="0" indent="0" algn="r" defTabSz="914400" rtl="0" eaLnBrk="1" fontAlgn="base" latinLnBrk="0" hangingPunct="0">
-              <a:lnSpc>
-                <a:spcPct val="100000"/>
-              </a:lnSpc>
-              <a:spcBef>
-                <a:spcPct val="0"/>
-              </a:spcBef>
-              <a:spcAft>
-                <a:spcPct val="0"/>
-              </a:spcAft>
-              <a:buClrTx/>
-              <a:buSzTx/>
-              <a:buFontTx/>
-              <a:buNone/>
-              <a:tabLst/>
-              <a:defRPr/>
-            </a:pPr>
-            <a:fld id="{10CCFDB3-BFE4-4246-9ADD-A0C1349FCA13}" type="slidenum">
-              <a:rPr kumimoji="0" lang="fi-FI" sz="1400" b="0" i="0" u="none" strike="noStrike" kern="1200" cap="none" spc="0" normalizeH="0" baseline="0" noProof="0" smtClean="0">
-                <a:ln>
-                  <a:noFill/>
-                </a:ln>
-                <a:solidFill>
-                  <a:schemeClr val="tx1"/>
-                </a:solidFill>
-                <a:effectLst/>
-                <a:uLnTx/>
-                <a:uFillTx/>
-                <a:latin typeface="Times New Roman" pitchFamily="-109" charset="0"/>
-                <a:ea typeface="DejaVu Sans" charset="0"/>
-                <a:cs typeface="DejaVu Sans" charset="0"/>
-              </a:rPr>
-              <a:pPr marL="0" marR="0" lvl="0" indent="0" algn="r" defTabSz="914400" rtl="0" eaLnBrk="1" fontAlgn="base" latinLnBrk="0" hangingPunct="0">
-                <a:lnSpc>
-                  <a:spcPct val="100000"/>
-                </a:lnSpc>
-                <a:spcBef>
-                  <a:spcPct val="0"/>
-                </a:spcBef>
-                <a:spcAft>
-                  <a:spcPct val="0"/>
-                </a:spcAft>
-                <a:buClrTx/>
-                <a:buSzTx/>
-                <a:buFontTx/>
-                <a:buNone/>
-                <a:tabLst/>
-                <a:defRPr/>
-              </a:pPr>
+            <a:fld id="{289AF70C-CF62-3949-A0E8-7B478CE69687}" type="slidenum">
+              <a:rPr lang="fi-FI"/>
+              <a:pPr/>
               <a:t>3</a:t>
             </a:fld>
-            <a:endParaRPr kumimoji="0" lang="fi-FI" sz="1400" b="0" i="0" u="none" strike="noStrike" kern="1200" cap="none" spc="0" normalizeH="0" baseline="0" noProof="0">
-              <a:ln>
-                <a:noFill/>
-              </a:ln>
-              <a:solidFill>
-                <a:schemeClr val="tx1"/>
-              </a:solidFill>
-              <a:effectLst/>
-              <a:uLnTx/>
-              <a:uFillTx/>
-              <a:latin typeface="Times New Roman" pitchFamily="-109" charset="0"/>
-              <a:ea typeface="DejaVu Sans" charset="0"/>
-              <a:cs typeface="DejaVu Sans" charset="0"/>
-            </a:endParaRPr>
+            <a:endParaRPr lang="fi-FI" dirty="0"/>
           </a:p>
         </p:txBody>
       </p:sp>
       <p:pic>
         <p:nvPicPr>
-          <p:cNvPr id="9" name="Picture 2"/>
+          <p:cNvPr id="3" name="Picture 2"/>
           <p:cNvPicPr>
-            <a:picLocks noChangeAspect="1" noChangeArrowheads="1"/>
+            <a:picLocks noChangeAspect="1"/>
           </p:cNvPicPr>
           <p:nvPr/>
         </p:nvPicPr>
         <p:blipFill>
           <a:blip r:embed="rId3"/>
-          <a:srcRect/>
           <a:stretch>
             <a:fillRect/>
           </a:stretch>
         </p:blipFill>
-        <p:spPr bwMode="auto">
-          <a:xfrm>
-            <a:off x="392058" y="1265237"/>
-            <a:ext cx="9220254" cy="5863210"/>
+        <p:spPr>
+          <a:xfrm>
+            <a:off x="1511920" y="1187549"/>
+            <a:ext cx="6552728" cy="5933824"/>
           </a:xfrm>
           <a:prstGeom prst="rect">
             <a:avLst/>
           </a:prstGeom>
-          <a:noFill/>
-          <a:ln w="9525">
-            <a:noFill/>
-            <a:miter lim="800000"/>
-            <a:headEnd/>
-            <a:tailEnd/>
-          </a:ln>
         </p:spPr>
       </p:pic>
       <p:sp>
         <p:nvSpPr>
-          <p:cNvPr id="12" name="Oval 11"/>
-          <p:cNvSpPr>
-            <a:spLocks noChangeArrowheads="1"/>
-          </p:cNvSpPr>
-          <p:nvPr/>
-        </p:nvSpPr>
-        <p:spPr bwMode="auto">
-          <a:xfrm>
-            <a:off x="85724" y="1460500"/>
-            <a:ext cx="5564188" cy="4071937"/>
-          </a:xfrm>
-          <a:prstGeom prst="ellipse">
-            <a:avLst/>
-          </a:prstGeom>
-          <a:noFill/>
-          <a:ln w="48000" cmpd="thickThin">
-            <a:solidFill>
-              <a:srgbClr val="E66C7D"/>
-            </a:solidFill>
-            <a:round/>
-            <a:headEnd/>
-            <a:tailEnd/>
-          </a:ln>
-        </p:spPr>
-        <p:txBody>
-          <a:bodyPr lIns="100794" tIns="50397" rIns="100794" bIns="50397" anchor="ctr">
-            <a:prstTxWarp prst="textNoShape">
-              <a:avLst/>
-            </a:prstTxWarp>
-          </a:bodyPr>
-          <a:lstStyle/>
-          <a:p>
-            <a:pPr algn="ctr" defTabSz="1008063" eaLnBrk="1" hangingPunct="1"/>
-            <a:endParaRPr lang="en-US" sz="2000">
-              <a:solidFill>
-                <a:srgbClr val="FFFFFF"/>
-              </a:solidFill>
-              <a:latin typeface="Corbel" pitchFamily="-109" charset="0"/>
-            </a:endParaRPr>
-          </a:p>
-        </p:txBody>
-      </p:sp>
-      <p:sp>
-        <p:nvSpPr>
-          <p:cNvPr id="13" name="Oval 12"/>
-          <p:cNvSpPr>
-            <a:spLocks noChangeArrowheads="1"/>
-          </p:cNvSpPr>
-          <p:nvPr/>
-        </p:nvSpPr>
-        <p:spPr bwMode="auto">
-          <a:xfrm>
-            <a:off x="5421312" y="1292225"/>
-            <a:ext cx="3595687" cy="3024187"/>
-          </a:xfrm>
-          <a:prstGeom prst="ellipse">
-            <a:avLst/>
-          </a:prstGeom>
-          <a:noFill/>
-          <a:ln w="48000" cmpd="thickThin">
-            <a:solidFill>
-              <a:srgbClr val="E66C7D"/>
-            </a:solidFill>
-            <a:round/>
-            <a:headEnd/>
-            <a:tailEnd/>
-          </a:ln>
-        </p:spPr>
-        <p:txBody>
-          <a:bodyPr lIns="100794" tIns="50397" rIns="100794" bIns="50397" anchor="ctr">
-            <a:prstTxWarp prst="textNoShape">
-              <a:avLst/>
-            </a:prstTxWarp>
-          </a:bodyPr>
-          <a:lstStyle/>
-          <a:p>
-            <a:pPr algn="ctr" defTabSz="1008063" eaLnBrk="1" hangingPunct="1"/>
-            <a:endParaRPr lang="en-US" sz="2000">
-              <a:solidFill>
-                <a:srgbClr val="FFFFFF"/>
-              </a:solidFill>
-              <a:latin typeface="Corbel" pitchFamily="-109" charset="0"/>
-            </a:endParaRPr>
-          </a:p>
-        </p:txBody>
-      </p:sp>
-      <p:sp>
-        <p:nvSpPr>
-          <p:cNvPr id="14" name="Oval 13"/>
-          <p:cNvSpPr>
-            <a:spLocks noChangeArrowheads="1"/>
-          </p:cNvSpPr>
-          <p:nvPr/>
-        </p:nvSpPr>
-        <p:spPr bwMode="auto">
-          <a:xfrm>
-            <a:off x="5292725" y="4483100"/>
-            <a:ext cx="4367213" cy="2573337"/>
-          </a:xfrm>
-          <a:prstGeom prst="ellipse">
-            <a:avLst/>
-          </a:prstGeom>
-          <a:noFill/>
-          <a:ln w="48000" cmpd="thickThin">
-            <a:solidFill>
-              <a:srgbClr val="E66C7D"/>
-            </a:solidFill>
-            <a:round/>
-            <a:headEnd/>
-            <a:tailEnd/>
-          </a:ln>
-        </p:spPr>
-        <p:txBody>
-          <a:bodyPr lIns="100794" tIns="50397" rIns="100794" bIns="50397" anchor="ctr">
-            <a:prstTxWarp prst="textNoShape">
-              <a:avLst/>
-            </a:prstTxWarp>
-          </a:bodyPr>
-          <a:lstStyle/>
-          <a:p>
-            <a:pPr algn="ctr" defTabSz="1008063" eaLnBrk="1" hangingPunct="1"/>
-            <a:endParaRPr lang="en-US" sz="2000">
-              <a:solidFill>
-                <a:srgbClr val="FFFFFF"/>
-              </a:solidFill>
-              <a:latin typeface="Corbel" pitchFamily="-109" charset="0"/>
-            </a:endParaRPr>
-          </a:p>
-        </p:txBody>
-      </p:sp>
-      <p:sp>
-        <p:nvSpPr>
-          <p:cNvPr id="15" name="TextBox 9"/>
-          <p:cNvSpPr txBox="1">
-            <a:spLocks noChangeArrowheads="1"/>
-          </p:cNvSpPr>
-          <p:nvPr/>
-        </p:nvSpPr>
-        <p:spPr bwMode="auto">
-          <a:xfrm>
-            <a:off x="587375" y="6142037"/>
-            <a:ext cx="2178050" cy="712787"/>
-          </a:xfrm>
-          <a:prstGeom prst="rect">
-            <a:avLst/>
-          </a:prstGeom>
-          <a:noFill/>
-          <a:ln w="9525">
-            <a:noFill/>
-            <a:miter lim="800000"/>
-            <a:headEnd/>
-            <a:tailEnd/>
-          </a:ln>
-        </p:spPr>
-        <p:txBody>
-          <a:bodyPr wrap="none" lIns="100794" tIns="50397" rIns="100794" bIns="50397">
-            <a:prstTxWarp prst="textNoShape">
-              <a:avLst/>
-            </a:prstTxWarp>
-            <a:spAutoFit/>
-          </a:bodyPr>
-          <a:lstStyle/>
-          <a:p>
-            <a:pPr defTabSz="1008063" eaLnBrk="1" hangingPunct="1"/>
-            <a:r>
-              <a:rPr lang="en-US" sz="2000" dirty="0">
-                <a:latin typeface="Corbel" pitchFamily="-109" charset="0"/>
-              </a:rPr>
-              <a:t>Blogs</a:t>
-            </a:r>
-          </a:p>
-          <a:p>
-            <a:pPr defTabSz="1008063" eaLnBrk="1" hangingPunct="1"/>
-            <a:r>
-              <a:rPr lang="en-US" sz="2000" dirty="0">
-                <a:latin typeface="Corbel" pitchFamily="-109" charset="0"/>
-              </a:rPr>
-              <a:t>Mainstream media</a:t>
-            </a:r>
-          </a:p>
-        </p:txBody>
-      </p:sp>
-      <p:sp>
-        <p:nvSpPr>
-          <p:cNvPr id="16" name="Oval 10"/>
-          <p:cNvSpPr>
-            <a:spLocks noChangeArrowheads="1"/>
-          </p:cNvSpPr>
-          <p:nvPr/>
-        </p:nvSpPr>
-        <p:spPr bwMode="auto">
-          <a:xfrm>
-            <a:off x="411163" y="6561137"/>
-            <a:ext cx="201612" cy="201612"/>
-          </a:xfrm>
-          <a:prstGeom prst="ellipse">
-            <a:avLst/>
-          </a:prstGeom>
-          <a:solidFill>
-            <a:srgbClr val="FF0000"/>
-          </a:solidFill>
-          <a:ln w="48000" cmpd="thickThin">
-            <a:solidFill>
-              <a:srgbClr val="FF0000"/>
-            </a:solidFill>
-            <a:round/>
-            <a:headEnd/>
-            <a:tailEnd/>
-          </a:ln>
-        </p:spPr>
-        <p:txBody>
-          <a:bodyPr lIns="100794" tIns="50397" rIns="100794" bIns="50397" anchor="ctr">
-            <a:prstTxWarp prst="textNoShape">
-              <a:avLst/>
-            </a:prstTxWarp>
-          </a:bodyPr>
-          <a:lstStyle/>
-          <a:p>
-            <a:pPr algn="ctr" defTabSz="1008063" eaLnBrk="1" hangingPunct="1"/>
-            <a:endParaRPr lang="en-US" sz="2000">
-              <a:solidFill>
-                <a:srgbClr val="FFFFFF"/>
-              </a:solidFill>
-              <a:latin typeface="Corbel" pitchFamily="-109" charset="0"/>
-            </a:endParaRPr>
-          </a:p>
-        </p:txBody>
-      </p:sp>
-      <p:sp>
-        <p:nvSpPr>
-          <p:cNvPr id="17" name="Oval 11"/>
-          <p:cNvSpPr>
-            <a:spLocks noChangeArrowheads="1"/>
-          </p:cNvSpPr>
-          <p:nvPr/>
-        </p:nvSpPr>
-        <p:spPr bwMode="auto">
-          <a:xfrm>
-            <a:off x="407988" y="6238874"/>
-            <a:ext cx="201612" cy="200025"/>
-          </a:xfrm>
-          <a:prstGeom prst="ellipse">
-            <a:avLst/>
-          </a:prstGeom>
-          <a:solidFill>
-            <a:srgbClr val="002060"/>
-          </a:solidFill>
-          <a:ln w="48000" cmpd="thickThin">
-            <a:solidFill>
-              <a:srgbClr val="002060"/>
-            </a:solidFill>
-            <a:round/>
-            <a:headEnd/>
-            <a:tailEnd/>
-          </a:ln>
-        </p:spPr>
-        <p:txBody>
-          <a:bodyPr lIns="100794" tIns="50397" rIns="100794" bIns="50397" anchor="ctr">
-            <a:prstTxWarp prst="textNoShape">
-              <a:avLst/>
-            </a:prstTxWarp>
-          </a:bodyPr>
-          <a:lstStyle/>
-          <a:p>
-            <a:pPr algn="ctr" defTabSz="1008063" eaLnBrk="1" hangingPunct="1"/>
-            <a:endParaRPr lang="en-US" sz="2000">
-              <a:solidFill>
-                <a:srgbClr val="FFFFFF"/>
-              </a:solidFill>
-              <a:latin typeface="Corbel" pitchFamily="-109" charset="0"/>
-            </a:endParaRPr>
-          </a:p>
-        </p:txBody>
-      </p:sp>
-      <p:sp>
-        <p:nvSpPr>
-          <p:cNvPr id="18" name="Rectangle 17"/>
+          <p:cNvPr id="10" name="Rectangle 9"/>
           <p:cNvSpPr/>
           <p:nvPr/>
         </p:nvSpPr>
         <p:spPr>
           <a:xfrm>
-            <a:off x="1154112" y="7068105"/>
-            <a:ext cx="7467600" cy="369332"/>
+            <a:off x="6912520" y="7092205"/>
+            <a:ext cx="1368152" cy="307777"/>
           </a:xfrm>
           <a:prstGeom prst="rect">
             <a:avLst/>
@@ -6627,27 +6055,22 @@
           </a:bodyPr>
           <a:lstStyle/>
           <a:p>
-            <a:r>
-              <a:rPr lang="en-US" dirty="0" smtClean="0"/>
-              <a:t>Networks inferred with </a:t>
-            </a:r>
-            <a:r>
-              <a:rPr lang="en-US" b="1" cap="small" dirty="0" smtClean="0"/>
-              <a:t>NetInf</a:t>
-            </a:r>
-            <a:r>
-              <a:rPr lang="en-US" dirty="0" smtClean="0"/>
-              <a:t>: </a:t>
-            </a:r>
-            <a:r>
-              <a:rPr lang="en-US" b="1" dirty="0" smtClean="0"/>
-              <a:t>http://snap.stanford.edu/netinf/</a:t>
-            </a:r>
-            <a:endParaRPr lang="en-US" b="1" dirty="0"/>
+            <a:pPr algn="ctr"/>
+            <a:r>
+              <a:rPr lang="en-US" sz="1400" dirty="0" smtClean="0">
+                <a:latin typeface="Calibri"/>
+              </a:rPr>
+              <a:t>Qmee, 2013</a:t>
+            </a:r>
           </a:p>
         </p:txBody>
       </p:sp>
     </p:spTree>
+    <p:extLst>
+      <p:ext uri="{BB962C8B-B14F-4D97-AF65-F5344CB8AC3E}">
+        <p14:creationId xmlns:p14="http://schemas.microsoft.com/office/powerpoint/2010/main" val="2493607221"/>
+      </p:ext>
+    </p:extLst>
   </p:cSld>
   <p:clrMapOvr>
     <a:masterClrMapping/>
@@ -6665,6 +6088,9 @@
                     <p:cTn id="3" fill="hold">
                       <p:stCondLst>
                         <p:cond delay="indefinite"/>
+                        <p:cond evt="onBegin" delay="0">
+                          <p:tn val="2"/>
+                        </p:cond>
                       </p:stCondLst>
                       <p:childTnLst>
                         <p:par>
@@ -6674,7 +6100,7 @@
                             </p:stCondLst>
                             <p:childTnLst>
                               <p:par>
-                                <p:cTn id="5" presetID="1" presetClass="entr" presetSubtype="0" fill="hold" grpId="0" nodeType="clickEffect">
+                                <p:cTn id="5" presetID="1" presetClass="entr" presetSubtype="0" fill="hold" grpId="0" nodeType="withEffect">
                                   <p:stCondLst>
                                     <p:cond delay="0"/>
                                   </p:stCondLst>
@@ -6687,97 +6113,7 @@
                                           </p:stCondLst>
                                         </p:cTn>
                                         <p:tgtEl>
-                                          <p:spTgt spid="12"/>
-                                        </p:tgtEl>
-                                        <p:attrNameLst>
-                                          <p:attrName>style.visibility</p:attrName>
-                                        </p:attrNameLst>
-                                      </p:cBhvr>
-                                      <p:to>
-                                        <p:strVal val="visible"/>
-                                      </p:to>
-                                    </p:set>
-                                  </p:childTnLst>
-                                </p:cTn>
-                              </p:par>
-                            </p:childTnLst>
-                          </p:cTn>
-                        </p:par>
-                      </p:childTnLst>
-                    </p:cTn>
-                  </p:par>
-                  <p:par>
-                    <p:cTn id="7" fill="hold">
-                      <p:stCondLst>
-                        <p:cond delay="indefinite"/>
-                      </p:stCondLst>
-                      <p:childTnLst>
-                        <p:par>
-                          <p:cTn id="8" fill="hold">
-                            <p:stCondLst>
-                              <p:cond delay="0"/>
-                            </p:stCondLst>
-                            <p:childTnLst>
-                              <p:par>
-                                <p:cTn id="9" presetID="1" presetClass="entr" presetSubtype="0" fill="hold" grpId="0" nodeType="clickEffect">
-                                  <p:stCondLst>
-                                    <p:cond delay="0"/>
-                                  </p:stCondLst>
-                                  <p:childTnLst>
-                                    <p:set>
-                                      <p:cBhvr>
-                                        <p:cTn id="10" dur="1" fill="hold">
-                                          <p:stCondLst>
-                                            <p:cond delay="0"/>
-                                          </p:stCondLst>
-                                        </p:cTn>
-                                        <p:tgtEl>
-                                          <p:spTgt spid="13"/>
-                                        </p:tgtEl>
-                                        <p:attrNameLst>
-                                          <p:attrName>style.visibility</p:attrName>
-                                        </p:attrNameLst>
-                                      </p:cBhvr>
-                                      <p:to>
-                                        <p:strVal val="visible"/>
-                                      </p:to>
-                                    </p:set>
-                                  </p:childTnLst>
-                                </p:cTn>
-                              </p:par>
-                            </p:childTnLst>
-                          </p:cTn>
-                        </p:par>
-                      </p:childTnLst>
-                    </p:cTn>
-                  </p:par>
-                  <p:par>
-                    <p:cTn id="11" fill="hold">
-                      <p:stCondLst>
-                        <p:cond delay="indefinite"/>
-                      </p:stCondLst>
-                      <p:childTnLst>
-                        <p:par>
-                          <p:cTn id="12" fill="hold">
-                            <p:stCondLst>
-                              <p:cond delay="0"/>
-                            </p:stCondLst>
-                            <p:childTnLst>
-                              <p:par>
-                                <p:cTn id="13" presetID="1" presetClass="entr" presetSubtype="0" fill="hold" grpId="0" nodeType="clickEffect">
-                                  <p:stCondLst>
-                                    <p:cond delay="0"/>
-                                  </p:stCondLst>
-                                  <p:childTnLst>
-                                    <p:set>
-                                      <p:cBhvr>
-                                        <p:cTn id="14" dur="1" fill="hold">
-                                          <p:stCondLst>
-                                            <p:cond delay="0"/>
-                                          </p:stCondLst>
-                                        </p:cTn>
-                                        <p:tgtEl>
-                                          <p:spTgt spid="14"/>
+                                          <p:spTgt spid="10"/>
                                         </p:tgtEl>
                                         <p:attrNameLst>
                                           <p:attrName>style.visibility</p:attrName>
@@ -6818,461 +6154,13 @@
       </p:par>
     </p:tnLst>
     <p:bldLst>
-      <p:bldP spid="12" grpId="0" animBg="1"/>
-      <p:bldP spid="13" grpId="0" animBg="1"/>
-      <p:bldP spid="14" grpId="0" animBg="1"/>
+      <p:bldP spid="10" grpId="0"/>
     </p:bldLst>
   </p:timing>
 </p:sld>
 </file>
 
 <file path=ppt/slides/slide4.xml><?xml version="1.0" encoding="utf-8"?>
-<p:sld xmlns:a="http://schemas.openxmlformats.org/drawingml/2006/main" xmlns:r="http://schemas.openxmlformats.org/officeDocument/2006/relationships" xmlns:p="http://schemas.openxmlformats.org/presentationml/2006/main" show="0">
-  <p:cSld>
-    <p:spTree>
-      <p:nvGrpSpPr>
-        <p:cNvPr id="1" name=""/>
-        <p:cNvGrpSpPr/>
-        <p:nvPr/>
-      </p:nvGrpSpPr>
-      <p:grpSpPr>
-        <a:xfrm>
-          <a:off x="0" y="0"/>
-          <a:ext cx="0" cy="0"/>
-          <a:chOff x="0" y="0"/>
-          <a:chExt cx="0" cy="0"/>
-        </a:xfrm>
-      </p:grpSpPr>
-      <p:sp>
-        <p:nvSpPr>
-          <p:cNvPr id="6" name="Slide Number Placeholder 3"/>
-          <p:cNvSpPr>
-            <a:spLocks noGrp="1"/>
-          </p:cNvSpPr>
-          <p:nvPr>
-            <p:ph type="sldNum" sz="quarter" idx="12"/>
-          </p:nvPr>
-        </p:nvSpPr>
-        <p:spPr/>
-        <p:txBody>
-          <a:bodyPr/>
-          <a:lstStyle/>
-          <a:p>
-            <a:pPr>
-              <a:defRPr/>
-            </a:pPr>
-            <a:fld id="{3AF73C70-BE0D-6240-8EA7-525A8753C485}" type="slidenum">
-              <a:rPr lang="fi-FI" smtClean="0"/>
-              <a:pPr>
-                <a:defRPr/>
-              </a:pPr>
-              <a:t>4</a:t>
-            </a:fld>
-            <a:endParaRPr lang="fi-FI"/>
-          </a:p>
-        </p:txBody>
-      </p:sp>
-      <p:sp>
-        <p:nvSpPr>
-          <p:cNvPr id="24579" name="Title 1"/>
-          <p:cNvSpPr txBox="1">
-            <a:spLocks noGrp="1"/>
-          </p:cNvSpPr>
-          <p:nvPr>
-            <p:ph type="title" idx="4294967295"/>
-          </p:nvPr>
-        </p:nvSpPr>
-        <p:spPr>
-          <a:xfrm>
-            <a:off x="468312" y="295275"/>
-            <a:ext cx="9905999" cy="677108"/>
-          </a:xfrm>
-        </p:spPr>
-        <p:txBody>
-          <a:bodyPr wrap="square">
-            <a:spAutoFit/>
-          </a:bodyPr>
-          <a:lstStyle/>
-          <a:p>
-            <a:pPr eaLnBrk="1"/>
-            <a:r>
-              <a:rPr lang="en-US" dirty="0" smtClean="0"/>
-              <a:t>Dynamic information network</a:t>
-            </a:r>
-          </a:p>
-        </p:txBody>
-      </p:sp>
-      <p:sp>
-        <p:nvSpPr>
-          <p:cNvPr id="7" name="Slide Number Placeholder 3"/>
-          <p:cNvSpPr txBox="1">
-            <a:spLocks/>
-          </p:cNvSpPr>
-          <p:nvPr/>
-        </p:nvSpPr>
-        <p:spPr>
-          <a:xfrm>
-            <a:off x="7226300" y="7002462"/>
-            <a:ext cx="2349500" cy="522288"/>
-          </a:xfrm>
-          <a:prstGeom prst="rect">
-            <a:avLst/>
-          </a:prstGeom>
-          <a:noFill/>
-          <a:ln>
-            <a:noFill/>
-          </a:ln>
-        </p:spPr>
-        <p:txBody>
-          <a:bodyPr vert="horz" wrap="square" lIns="0" tIns="0" rIns="0" bIns="0" numCol="1" anchor="t" anchorCtr="0" compatLnSpc="1">
-            <a:prstTxWarp prst="textNoShape">
-              <a:avLst/>
-            </a:prstTxWarp>
-          </a:bodyPr>
-          <a:lstStyle/>
-          <a:p>
-            <a:pPr marL="0" marR="0" lvl="0" indent="0" algn="r" defTabSz="914400" rtl="0" eaLnBrk="1" fontAlgn="base" latinLnBrk="0" hangingPunct="0">
-              <a:lnSpc>
-                <a:spcPct val="100000"/>
-              </a:lnSpc>
-              <a:spcBef>
-                <a:spcPct val="0"/>
-              </a:spcBef>
-              <a:spcAft>
-                <a:spcPct val="0"/>
-              </a:spcAft>
-              <a:buClrTx/>
-              <a:buSzTx/>
-              <a:buFontTx/>
-              <a:buNone/>
-              <a:tabLst/>
-              <a:defRPr/>
-            </a:pPr>
-            <a:fld id="{3AF73C70-BE0D-6240-8EA7-525A8753C485}" type="slidenum">
-              <a:rPr kumimoji="0" lang="fi-FI" sz="1400" b="0" i="0" u="none" strike="noStrike" kern="1200" cap="none" spc="0" normalizeH="0" baseline="0" noProof="0" smtClean="0">
-                <a:ln>
-                  <a:noFill/>
-                </a:ln>
-                <a:solidFill>
-                  <a:schemeClr val="tx1"/>
-                </a:solidFill>
-                <a:effectLst/>
-                <a:uLnTx/>
-                <a:uFillTx/>
-                <a:latin typeface="Times New Roman" charset="0"/>
-                <a:ea typeface="+mj-ea"/>
-                <a:cs typeface="+mj-cs"/>
-              </a:rPr>
-              <a:pPr marL="0" marR="0" lvl="0" indent="0" algn="r" defTabSz="914400" rtl="0" eaLnBrk="1" fontAlgn="base" latinLnBrk="0" hangingPunct="0">
-                <a:lnSpc>
-                  <a:spcPct val="100000"/>
-                </a:lnSpc>
-                <a:spcBef>
-                  <a:spcPct val="0"/>
-                </a:spcBef>
-                <a:spcAft>
-                  <a:spcPct val="0"/>
-                </a:spcAft>
-                <a:buClrTx/>
-                <a:buSzTx/>
-                <a:buFontTx/>
-                <a:buNone/>
-                <a:tabLst/>
-                <a:defRPr/>
-              </a:pPr>
-              <a:t>4</a:t>
-            </a:fld>
-            <a:endParaRPr kumimoji="0" lang="fi-FI" sz="1400" b="0" i="0" u="none" strike="noStrike" kern="1200" cap="none" spc="0" normalizeH="0" baseline="0" noProof="0">
-              <a:ln>
-                <a:noFill/>
-              </a:ln>
-              <a:solidFill>
-                <a:schemeClr val="tx1"/>
-              </a:solidFill>
-              <a:effectLst/>
-              <a:uLnTx/>
-              <a:uFillTx/>
-              <a:latin typeface="Times New Roman" charset="0"/>
-              <a:ea typeface="+mj-ea"/>
-              <a:cs typeface="+mj-cs"/>
-            </a:endParaRPr>
-          </a:p>
-        </p:txBody>
-      </p:sp>
-      <p:sp>
-        <p:nvSpPr>
-          <p:cNvPr id="8" name="Slide Number Placeholder 3"/>
-          <p:cNvSpPr txBox="1">
-            <a:spLocks/>
-          </p:cNvSpPr>
-          <p:nvPr/>
-        </p:nvSpPr>
-        <p:spPr bwMode="auto">
-          <a:xfrm>
-            <a:off x="7226300" y="7002462"/>
-            <a:ext cx="2349500" cy="522288"/>
-          </a:xfrm>
-          <a:prstGeom prst="rect">
-            <a:avLst/>
-          </a:prstGeom>
-          <a:noFill/>
-          <a:ln>
-            <a:noFill/>
-            <a:miter lim="800000"/>
-            <a:headEnd/>
-            <a:tailEnd/>
-          </a:ln>
-        </p:spPr>
-        <p:txBody>
-          <a:bodyPr vert="horz" wrap="square" lIns="0" tIns="0" rIns="0" bIns="0" numCol="1" anchor="t" anchorCtr="0" compatLnSpc="1">
-            <a:prstTxWarp prst="textNoShape">
-              <a:avLst/>
-            </a:prstTxWarp>
-          </a:bodyPr>
-          <a:lstStyle/>
-          <a:p>
-            <a:pPr marL="0" marR="0" lvl="0" indent="0" algn="r" defTabSz="914400" rtl="0" eaLnBrk="1" fontAlgn="base" latinLnBrk="0" hangingPunct="0">
-              <a:lnSpc>
-                <a:spcPct val="100000"/>
-              </a:lnSpc>
-              <a:spcBef>
-                <a:spcPct val="0"/>
-              </a:spcBef>
-              <a:spcAft>
-                <a:spcPct val="0"/>
-              </a:spcAft>
-              <a:buClrTx/>
-              <a:buSzTx/>
-              <a:buFontTx/>
-              <a:buNone/>
-              <a:tabLst/>
-              <a:defRPr/>
-            </a:pPr>
-            <a:fld id="{10CCFDB3-BFE4-4246-9ADD-A0C1349FCA13}" type="slidenum">
-              <a:rPr kumimoji="0" lang="fi-FI" sz="1400" b="0" i="0" u="none" strike="noStrike" kern="1200" cap="none" spc="0" normalizeH="0" baseline="0" noProof="0" smtClean="0">
-                <a:ln>
-                  <a:noFill/>
-                </a:ln>
-                <a:solidFill>
-                  <a:schemeClr val="tx1"/>
-                </a:solidFill>
-                <a:effectLst/>
-                <a:uLnTx/>
-                <a:uFillTx/>
-                <a:latin typeface="Times New Roman" pitchFamily="-109" charset="0"/>
-                <a:ea typeface="DejaVu Sans" charset="0"/>
-                <a:cs typeface="DejaVu Sans" charset="0"/>
-              </a:rPr>
-              <a:pPr marL="0" marR="0" lvl="0" indent="0" algn="r" defTabSz="914400" rtl="0" eaLnBrk="1" fontAlgn="base" latinLnBrk="0" hangingPunct="0">
-                <a:lnSpc>
-                  <a:spcPct val="100000"/>
-                </a:lnSpc>
-                <a:spcBef>
-                  <a:spcPct val="0"/>
-                </a:spcBef>
-                <a:spcAft>
-                  <a:spcPct val="0"/>
-                </a:spcAft>
-                <a:buClrTx/>
-                <a:buSzTx/>
-                <a:buFontTx/>
-                <a:buNone/>
-                <a:tabLst/>
-                <a:defRPr/>
-              </a:pPr>
-              <a:t>4</a:t>
-            </a:fld>
-            <a:endParaRPr kumimoji="0" lang="fi-FI" sz="1400" b="0" i="0" u="none" strike="noStrike" kern="1200" cap="none" spc="0" normalizeH="0" baseline="0" noProof="0">
-              <a:ln>
-                <a:noFill/>
-              </a:ln>
-              <a:solidFill>
-                <a:schemeClr val="tx1"/>
-              </a:solidFill>
-              <a:effectLst/>
-              <a:uLnTx/>
-              <a:uFillTx/>
-              <a:latin typeface="Times New Roman" pitchFamily="-109" charset="0"/>
-              <a:ea typeface="DejaVu Sans" charset="0"/>
-              <a:cs typeface="DejaVu Sans" charset="0"/>
-            </a:endParaRPr>
-          </a:p>
-        </p:txBody>
-      </p:sp>
-      <p:pic>
-        <p:nvPicPr>
-          <p:cNvPr id="18" name="video-events-annotated.avi">
-            <a:hlinkClick r:id="" action="ppaction://media"/>
-          </p:cNvPr>
-          <p:cNvPicPr/>
-          <p:nvPr>
-            <a:videoFile r:link="rId2"/>
-            <p:extLst>
-              <p:ext uri="{DAA4B4D4-6D71-4841-9C94-3DE7FCFB9230}">
-                <p14:media xmlns:p14="http://schemas.microsoft.com/office/powerpoint/2010/main" r:link="rId1"/>
-              </p:ext>
-            </p:extLst>
-          </p:nvPr>
-        </p:nvPicPr>
-        <p:blipFill>
-          <a:blip r:embed="rId5"/>
-          <a:stretch>
-            <a:fillRect/>
-          </a:stretch>
-        </p:blipFill>
-        <p:spPr>
-          <a:xfrm>
-            <a:off x="-11113" y="1386085"/>
-            <a:ext cx="10080625" cy="5670352"/>
-          </a:xfrm>
-          <a:prstGeom prst="rect">
-            <a:avLst/>
-          </a:prstGeom>
-        </p:spPr>
-      </p:pic>
-      <p:sp>
-        <p:nvSpPr>
-          <p:cNvPr id="19" name="Rectangle 18"/>
-          <p:cNvSpPr/>
-          <p:nvPr/>
-        </p:nvSpPr>
-        <p:spPr>
-          <a:xfrm>
-            <a:off x="1154112" y="7068105"/>
-            <a:ext cx="7467600" cy="369332"/>
-          </a:xfrm>
-          <a:prstGeom prst="rect">
-            <a:avLst/>
-          </a:prstGeom>
-        </p:spPr>
-        <p:txBody>
-          <a:bodyPr wrap="square">
-            <a:spAutoFit/>
-          </a:bodyPr>
-          <a:lstStyle/>
-          <a:p>
-            <a:r>
-              <a:rPr lang="en-US" dirty="0" smtClean="0"/>
-              <a:t>Networks inferred with </a:t>
-            </a:r>
-            <a:r>
-              <a:rPr lang="en-US" b="1" cap="small" dirty="0" smtClean="0"/>
-              <a:t>InfoPath</a:t>
-            </a:r>
-            <a:r>
-              <a:rPr lang="en-US" dirty="0" smtClean="0"/>
-              <a:t>: </a:t>
-            </a:r>
-            <a:r>
-              <a:rPr lang="en-US" b="1" dirty="0" smtClean="0"/>
-              <a:t>http://snap.stanford.edu/infopath/</a:t>
-            </a:r>
-            <a:endParaRPr lang="en-US" b="1" dirty="0"/>
-          </a:p>
-        </p:txBody>
-      </p:sp>
-    </p:spTree>
-  </p:cSld>
-  <p:clrMapOvr>
-    <a:masterClrMapping/>
-  </p:clrMapOvr>
-  <p:transition xmlns:p14="http://schemas.microsoft.com/office/powerpoint/2010/main"/>
-  <p:timing>
-    <p:tnLst>
-      <p:par>
-        <p:cTn xmlns:p14="http://schemas.microsoft.com/office/powerpoint/2010/main" id="1" dur="indefinite" restart="never" nodeType="tmRoot">
-          <p:childTnLst>
-            <p:seq concurrent="1" nextAc="seek">
-              <p:cTn id="2" restart="whenNotActive" fill="hold" evtFilter="cancelBubble" nodeType="interactiveSeq">
-                <p:stCondLst>
-                  <p:cond evt="onClick" delay="0">
-                    <p:tgtEl>
-                      <p:spTgt spid="18"/>
-                    </p:tgtEl>
-                  </p:cond>
-                </p:stCondLst>
-                <p:endSync evt="end" delay="0">
-                  <p:rtn val="all"/>
-                </p:endSync>
-                <p:childTnLst>
-                  <p:par>
-                    <p:cTn id="3" fill="hold">
-                      <p:stCondLst>
-                        <p:cond delay="0"/>
-                      </p:stCondLst>
-                      <p:childTnLst>
-                        <p:par>
-                          <p:cTn id="4" fill="hold">
-                            <p:stCondLst>
-                              <p:cond delay="0"/>
-                            </p:stCondLst>
-                            <p:childTnLst>
-                              <p:par>
-                                <p:cTn id="5" presetID="2" presetClass="mediacall" presetSubtype="0" fill="hold" nodeType="clickEffect">
-                                  <p:stCondLst>
-                                    <p:cond delay="0"/>
-                                  </p:stCondLst>
-                                  <p:childTnLst>
-                                    <p:cmd type="call" cmd="togglePause">
-                                      <p:cBhvr>
-                                        <p:cTn id="6" dur="1" fill="hold"/>
-                                        <p:tgtEl>
-                                          <p:spTgt spid="18"/>
-                                        </p:tgtEl>
-                                      </p:cBhvr>
-                                    </p:cmd>
-                                  </p:childTnLst>
-                                </p:cTn>
-                              </p:par>
-                            </p:childTnLst>
-                          </p:cTn>
-                        </p:par>
-                      </p:childTnLst>
-                    </p:cTn>
-                  </p:par>
-                </p:childTnLst>
-              </p:cTn>
-              <p:nextCondLst>
-                <p:cond evt="onClick" delay="0">
-                  <p:tgtEl>
-                    <p:spTgt spid="18"/>
-                  </p:tgtEl>
-                </p:cond>
-              </p:nextCondLst>
-            </p:seq>
-            <p:video>
-              <p:cMediaNode>
-                <p:cTn id="7" fill="hold" display="0">
-                  <p:stCondLst>
-                    <p:cond delay="indefinite"/>
-                  </p:stCondLst>
-                  <p:endCondLst>
-                    <p:cond evt="onNext" delay="0">
-                      <p:tgtEl>
-                        <p:sldTgt/>
-                      </p:tgtEl>
-                    </p:cond>
-                    <p:cond evt="onPrev" delay="0">
-                      <p:tgtEl>
-                        <p:sldTgt/>
-                      </p:tgtEl>
-                    </p:cond>
-                  </p:endCondLst>
-                </p:cTn>
-                <p:tgtEl>
-                  <p:spTgt spid="18"/>
-                </p:tgtEl>
-              </p:cMediaNode>
-            </p:video>
-          </p:childTnLst>
-        </p:cTn>
-      </p:par>
-    </p:tnLst>
-  </p:timing>
-</p:sld>
-</file>
-
-<file path=ppt/slides/slide5.xml><?xml version="1.0" encoding="utf-8"?>
 <p:sld xmlns:a="http://schemas.openxmlformats.org/drawingml/2006/main" xmlns:r="http://schemas.openxmlformats.org/officeDocument/2006/relationships" xmlns:p="http://schemas.openxmlformats.org/presentationml/2006/main">
   <p:cSld>
     <p:spTree>
@@ -7289,6 +6177,285 @@
           <a:chExt cx="0" cy="0"/>
         </a:xfrm>
       </p:grpSpPr>
+      <p:pic>
+        <p:nvPicPr>
+          <p:cNvPr id="14" name="Picture 13"/>
+          <p:cNvPicPr>
+            <a:picLocks noChangeAspect="1"/>
+          </p:cNvPicPr>
+          <p:nvPr/>
+        </p:nvPicPr>
+        <p:blipFill>
+          <a:blip r:embed="rId3">
+            <a:clrChange>
+              <a:clrFrom>
+                <a:srgbClr val="FFFFFE"/>
+              </a:clrFrom>
+              <a:clrTo>
+                <a:srgbClr val="FFFFFE">
+                  <a:alpha val="0"/>
+                </a:srgbClr>
+              </a:clrTo>
+            </a:clrChange>
+          </a:blip>
+          <a:stretch>
+            <a:fillRect/>
+          </a:stretch>
+        </p:blipFill>
+        <p:spPr>
+          <a:xfrm>
+            <a:off x="3456136" y="3191993"/>
+            <a:ext cx="648072" cy="659852"/>
+          </a:xfrm>
+          <a:prstGeom prst="rect">
+            <a:avLst/>
+          </a:prstGeom>
+        </p:spPr>
+      </p:pic>
+      <p:pic>
+        <p:nvPicPr>
+          <p:cNvPr id="12" name="Picture 11"/>
+          <p:cNvPicPr>
+            <a:picLocks noChangeAspect="1"/>
+          </p:cNvPicPr>
+          <p:nvPr/>
+        </p:nvPicPr>
+        <p:blipFill>
+          <a:blip r:embed="rId4">
+            <a:clrChange>
+              <a:clrFrom>
+                <a:srgbClr val="FFFFFE"/>
+              </a:clrFrom>
+              <a:clrTo>
+                <a:srgbClr val="FFFFFE">
+                  <a:alpha val="0"/>
+                </a:srgbClr>
+              </a:clrTo>
+            </a:clrChange>
+          </a:blip>
+          <a:stretch>
+            <a:fillRect/>
+          </a:stretch>
+        </p:blipFill>
+        <p:spPr>
+          <a:xfrm>
+            <a:off x="3096096" y="1907629"/>
+            <a:ext cx="648072" cy="644390"/>
+          </a:xfrm>
+          <a:prstGeom prst="rect">
+            <a:avLst/>
+          </a:prstGeom>
+        </p:spPr>
+      </p:pic>
+      <p:grpSp>
+        <p:nvGrpSpPr>
+          <p:cNvPr id="4" name="Group 3"/>
+          <p:cNvGrpSpPr/>
+          <p:nvPr/>
+        </p:nvGrpSpPr>
+        <p:grpSpPr>
+          <a:xfrm>
+            <a:off x="5074764" y="1548659"/>
+            <a:ext cx="4790084" cy="4155649"/>
+            <a:chOff x="610268" y="3491805"/>
+            <a:chExt cx="4286028" cy="3867617"/>
+          </a:xfrm>
+        </p:grpSpPr>
+        <p:pic>
+          <p:nvPicPr>
+            <p:cNvPr id="5" name="Picture 4"/>
+            <p:cNvPicPr>
+              <a:picLocks noChangeAspect="1"/>
+            </p:cNvPicPr>
+            <p:nvPr/>
+          </p:nvPicPr>
+          <p:blipFill>
+            <a:blip r:embed="rId5"/>
+            <a:stretch>
+              <a:fillRect/>
+            </a:stretch>
+          </p:blipFill>
+          <p:spPr>
+            <a:xfrm>
+              <a:off x="610268" y="3491805"/>
+              <a:ext cx="4286028" cy="3867617"/>
+            </a:xfrm>
+            <a:prstGeom prst="rect">
+              <a:avLst/>
+            </a:prstGeom>
+          </p:spPr>
+        </p:pic>
+        <p:sp>
+          <p:nvSpPr>
+            <p:cNvPr id="6" name="Rectangle 5"/>
+            <p:cNvSpPr/>
+            <p:nvPr/>
+          </p:nvSpPr>
+          <p:spPr bwMode="auto">
+            <a:xfrm>
+              <a:off x="4032200" y="6804173"/>
+              <a:ext cx="432048" cy="504056"/>
+            </a:xfrm>
+            <a:prstGeom prst="rect">
+              <a:avLst/>
+            </a:prstGeom>
+            <a:solidFill>
+              <a:schemeClr val="bg1"/>
+            </a:solidFill>
+            <a:ln w="9525" cap="flat" cmpd="sng" algn="ctr">
+              <a:solidFill>
+                <a:schemeClr val="bg1"/>
+              </a:solidFill>
+              <a:prstDash val="solid"/>
+              <a:round/>
+              <a:headEnd type="none" w="med" len="med"/>
+              <a:tailEnd type="none" w="med" len="med"/>
+            </a:ln>
+            <a:effectLst/>
+          </p:spPr>
+          <p:txBody>
+            <a:bodyPr vert="horz" wrap="square" lIns="0" tIns="0" rIns="0" bIns="0" numCol="1" rtlCol="0" anchor="t" anchorCtr="0" compatLnSpc="1">
+              <a:prstTxWarp prst="textNoShape">
+                <a:avLst/>
+              </a:prstTxWarp>
+              <a:spAutoFit/>
+            </a:bodyPr>
+            <a:lstStyle/>
+            <a:p>
+              <a:pPr marL="0" marR="0" indent="0" algn="l" defTabSz="914400" rtl="0" eaLnBrk="0" fontAlgn="base" latinLnBrk="0" hangingPunct="0">
+                <a:lnSpc>
+                  <a:spcPct val="100000"/>
+                </a:lnSpc>
+                <a:spcBef>
+                  <a:spcPct val="0"/>
+                </a:spcBef>
+                <a:spcAft>
+                  <a:spcPct val="0"/>
+                </a:spcAft>
+                <a:buClrTx/>
+                <a:buSzTx/>
+                <a:buFontTx/>
+                <a:buNone/>
+                <a:tabLst/>
+              </a:pPr>
+              <a:endParaRPr kumimoji="0" lang="en-US" sz="1800" b="0" i="0" u="none" strike="noStrike" cap="none" normalizeH="0" baseline="0" smtClean="0">
+                <a:ln>
+                  <a:noFill/>
+                </a:ln>
+                <a:solidFill>
+                  <a:schemeClr val="tx1"/>
+                </a:solidFill>
+                <a:effectLst/>
+                <a:latin typeface="Arial" pitchFamily="34" charset="0"/>
+              </a:endParaRPr>
+            </a:p>
+          </p:txBody>
+        </p:sp>
+      </p:grpSp>
+      <p:grpSp>
+        <p:nvGrpSpPr>
+          <p:cNvPr id="9" name="Group 8"/>
+          <p:cNvGrpSpPr/>
+          <p:nvPr/>
+        </p:nvGrpSpPr>
+        <p:grpSpPr>
+          <a:xfrm>
+            <a:off x="5040312" y="6432524"/>
+            <a:ext cx="4143933" cy="1016819"/>
+            <a:chOff x="7128544" y="3267074"/>
+            <a:chExt cx="4143933" cy="1016819"/>
+          </a:xfrm>
+        </p:grpSpPr>
+        <p:pic>
+          <p:nvPicPr>
+            <p:cNvPr id="10" name="Picture 9"/>
+            <p:cNvPicPr>
+              <a:picLocks noChangeAspect="1"/>
+            </p:cNvPicPr>
+            <p:nvPr/>
+          </p:nvPicPr>
+          <p:blipFill>
+            <a:blip r:embed="rId6"/>
+            <a:stretch>
+              <a:fillRect/>
+            </a:stretch>
+          </p:blipFill>
+          <p:spPr>
+            <a:xfrm>
+              <a:off x="7128544" y="3699122"/>
+              <a:ext cx="4143933" cy="584771"/>
+            </a:xfrm>
+            <a:prstGeom prst="rect">
+              <a:avLst/>
+            </a:prstGeom>
+          </p:spPr>
+        </p:pic>
+        <p:pic>
+          <p:nvPicPr>
+            <p:cNvPr id="11" name="Picture 10"/>
+            <p:cNvPicPr>
+              <a:picLocks noChangeAspect="1"/>
+            </p:cNvPicPr>
+            <p:nvPr/>
+          </p:nvPicPr>
+          <p:blipFill>
+            <a:blip r:embed="rId7"/>
+            <a:stretch>
+              <a:fillRect/>
+            </a:stretch>
+          </p:blipFill>
+          <p:spPr>
+            <a:xfrm>
+              <a:off x="7665131" y="3267074"/>
+              <a:ext cx="1872208" cy="413562"/>
+            </a:xfrm>
+            <a:prstGeom prst="rect">
+              <a:avLst/>
+            </a:prstGeom>
+          </p:spPr>
+        </p:pic>
+      </p:grpSp>
+      <p:sp>
+        <p:nvSpPr>
+          <p:cNvPr id="17411" name="Title 1"/>
+          <p:cNvSpPr txBox="1">
+            <a:spLocks noGrp="1"/>
+          </p:cNvSpPr>
+          <p:nvPr>
+            <p:ph type="title" idx="4294967295"/>
+          </p:nvPr>
+        </p:nvSpPr>
+        <p:spPr>
+          <a:xfrm>
+            <a:off x="468313" y="251445"/>
+            <a:ext cx="8820471" cy="615553"/>
+          </a:xfrm>
+        </p:spPr>
+        <p:txBody>
+          <a:bodyPr wrap="square">
+            <a:spAutoFit/>
+          </a:bodyPr>
+          <a:lstStyle/>
+          <a:p>
+            <a:pPr eaLnBrk="1"/>
+            <a:r>
+              <a:rPr lang="en-US" sz="4000" dirty="0" smtClean="0">
+                <a:latin typeface="Calibri"/>
+              </a:rPr>
+              <a:t>Example: Idea adoption/viral </a:t>
+            </a:r>
+            <a:r>
+              <a:rPr lang="en-US" sz="4000" dirty="0" smtClean="0">
+                <a:latin typeface="Calibri"/>
+              </a:rPr>
+              <a:t>marketing</a:t>
+            </a:r>
+            <a:endParaRPr lang="en-US" sz="4000" i="1" dirty="0">
+              <a:latin typeface="Calibri"/>
+            </a:endParaRPr>
+          </a:p>
+        </p:txBody>
+      </p:sp>
       <p:sp>
         <p:nvSpPr>
           <p:cNvPr id="17410" name="Slide Number Placeholder 3"/>
@@ -7300,10 +6467,6 @@
           </p:nvPr>
         </p:nvSpPr>
         <p:spPr bwMode="auto">
-          <a:xfrm>
-            <a:off x="7226300" y="5927937"/>
-            <a:ext cx="2349500" cy="522288"/>
-          </a:xfrm>
           <a:noFill/>
           <a:ln>
             <a:miter lim="800000"/>
@@ -7318,7 +6481,7 @@
             <a:fld id="{289AF70C-CF62-3949-A0E8-7B478CE69687}" type="slidenum">
               <a:rPr lang="fi-FI"/>
               <a:pPr/>
-              <a:t>5</a:t>
+              <a:t>4</a:t>
             </a:fld>
             <a:endParaRPr lang="fi-FI" dirty="0"/>
           </a:p>
@@ -7326,50 +6489,18 @@
       </p:sp>
       <p:sp>
         <p:nvSpPr>
-          <p:cNvPr id="17411" name="Title 1"/>
-          <p:cNvSpPr txBox="1">
-            <a:spLocks noGrp="1"/>
-          </p:cNvSpPr>
-          <p:nvPr>
-            <p:ph type="title" idx="4294967295"/>
-          </p:nvPr>
-        </p:nvSpPr>
-        <p:spPr>
-          <a:xfrm>
-            <a:off x="468313" y="295275"/>
-            <a:ext cx="9070975" cy="677108"/>
-          </a:xfrm>
-        </p:spPr>
-        <p:txBody>
-          <a:bodyPr>
-            <a:spAutoFit/>
-          </a:bodyPr>
-          <a:lstStyle/>
-          <a:p>
-            <a:pPr eaLnBrk="1"/>
-            <a:r>
-              <a:rPr lang="en-US" dirty="0" smtClean="0"/>
-              <a:t>Propagation over Networks</a:t>
-            </a:r>
-            <a:endParaRPr lang="en-US" dirty="0"/>
-          </a:p>
-        </p:txBody>
-      </p:sp>
-      <p:sp>
-        <p:nvSpPr>
-          <p:cNvPr id="58" name="Rectangle 57"/>
+          <p:cNvPr id="7" name="Rectangle 6"/>
           <p:cNvSpPr/>
           <p:nvPr/>
         </p:nvSpPr>
         <p:spPr>
           <a:xfrm>
-            <a:off x="1001712" y="3856037"/>
-            <a:ext cx="3866937" cy="515526"/>
+            <a:off x="7776616" y="5488284"/>
+            <a:ext cx="1584176" cy="307777"/>
           </a:xfrm>
           <a:prstGeom prst="rect">
             <a:avLst/>
           </a:prstGeom>
-          <a:noFill/>
         </p:spPr>
         <p:txBody>
           <a:bodyPr wrap="square">
@@ -7377,36 +6508,30 @@
           </a:bodyPr>
           <a:lstStyle/>
           <a:p>
-            <a:pPr marL="0" lvl="1" algn="ctr">
-              <a:lnSpc>
-                <a:spcPct val="90000"/>
-              </a:lnSpc>
-              <a:buSzTx/>
-            </a:pPr>
-            <a:r>
-              <a:rPr lang="en-US" sz="3000" b="1" dirty="0" smtClean="0">
-                <a:latin typeface="Calibri" charset="0"/>
+            <a:pPr algn="ctr"/>
+            <a:r>
+              <a:rPr lang="en-US" sz="1400" dirty="0" smtClean="0">
+                <a:latin typeface="Calibri"/>
               </a:rPr>
-              <a:t>Social Networks</a:t>
-            </a:r>
-          </a:p>
-        </p:txBody>
-      </p:sp>
-      <p:sp>
-        <p:nvSpPr>
-          <p:cNvPr id="60" name="Rectangle 59"/>
+              <a:t>Friggeri et al., 2014</a:t>
+            </a:r>
+          </a:p>
+        </p:txBody>
+      </p:sp>
+      <p:sp>
+        <p:nvSpPr>
+          <p:cNvPr id="8" name="Rectangle 7"/>
           <p:cNvSpPr/>
           <p:nvPr/>
         </p:nvSpPr>
         <p:spPr>
           <a:xfrm>
-            <a:off x="315912" y="4559711"/>
-            <a:ext cx="5029200" cy="515526"/>
+            <a:off x="935856" y="6156101"/>
+            <a:ext cx="4680520" cy="1077218"/>
           </a:xfrm>
           <a:prstGeom prst="rect">
             <a:avLst/>
           </a:prstGeom>
-          <a:noFill/>
         </p:spPr>
         <p:txBody>
           <a:bodyPr wrap="square">
@@ -7414,279 +6539,126 @@
           </a:bodyPr>
           <a:lstStyle/>
           <a:p>
-            <a:pPr marL="0" lvl="1" algn="ctr">
-              <a:lnSpc>
-                <a:spcPct val="90000"/>
-              </a:lnSpc>
-              <a:buSzTx/>
-            </a:pPr>
-            <a:r>
-              <a:rPr lang="en-US" sz="3000" b="1" dirty="0" smtClean="0">
-                <a:latin typeface="Calibri" charset="0"/>
+            <a:r>
+              <a:rPr lang="en-US" sz="3200" b="1" dirty="0" smtClean="0">
+                <a:latin typeface="Calibri"/>
               </a:rPr>
-              <a:t>Recommendation Networks</a:t>
-            </a:r>
-          </a:p>
-        </p:txBody>
-      </p:sp>
-      <p:sp>
-        <p:nvSpPr>
-          <p:cNvPr id="62" name="Rectangle 61"/>
-          <p:cNvSpPr/>
-          <p:nvPr/>
-        </p:nvSpPr>
-        <p:spPr>
-          <a:xfrm>
-            <a:off x="1478175" y="5303837"/>
-            <a:ext cx="2571537" cy="515526"/>
-          </a:xfrm>
-          <a:prstGeom prst="rect">
-            <a:avLst/>
-          </a:prstGeom>
-          <a:noFill/>
-        </p:spPr>
-        <p:txBody>
-          <a:bodyPr wrap="square">
-            <a:spAutoFit/>
-          </a:bodyPr>
-          <a:lstStyle/>
-          <a:p>
-            <a:pPr marL="0" lvl="1" algn="ctr">
-              <a:lnSpc>
-                <a:spcPct val="90000"/>
-              </a:lnSpc>
-              <a:buSzTx/>
-            </a:pPr>
-            <a:r>
-              <a:rPr lang="en-US" sz="3000" b="1" dirty="0" smtClean="0">
-                <a:latin typeface="Calibri" charset="0"/>
+              <a:t>They can have an impact </a:t>
+            </a:r>
+            <a:br>
+              <a:rPr lang="en-US" sz="3200" b="1" dirty="0" smtClean="0">
+                <a:latin typeface="Calibri"/>
               </a:rPr>
-              <a:t>Epidemiology</a:t>
-            </a:r>
-          </a:p>
-        </p:txBody>
-      </p:sp>
-      <p:sp>
-        <p:nvSpPr>
-          <p:cNvPr id="64" name="Rectangle 63"/>
-          <p:cNvSpPr/>
-          <p:nvPr/>
-        </p:nvSpPr>
-        <p:spPr>
-          <a:xfrm>
-            <a:off x="620712" y="5989637"/>
-            <a:ext cx="4419600" cy="515526"/>
-          </a:xfrm>
-          <a:prstGeom prst="rect">
-            <a:avLst/>
-          </a:prstGeom>
-          <a:noFill/>
-        </p:spPr>
-        <p:txBody>
-          <a:bodyPr wrap="square">
-            <a:spAutoFit/>
-          </a:bodyPr>
-          <a:lstStyle/>
-          <a:p>
-            <a:pPr marL="0" lvl="1" algn="ctr">
-              <a:lnSpc>
-                <a:spcPct val="90000"/>
-              </a:lnSpc>
-              <a:buSzTx/>
-            </a:pPr>
-            <a:r>
-              <a:rPr lang="en-US" sz="3000" b="1" dirty="0" smtClean="0">
-                <a:latin typeface="Calibri" charset="0"/>
+            </a:br>
+            <a:r>
+              <a:rPr lang="en-US" sz="3200" b="1" dirty="0" smtClean="0">
+                <a:latin typeface="Calibri"/>
               </a:rPr>
-              <a:t>Human Travels</a:t>
-            </a:r>
-          </a:p>
-        </p:txBody>
-      </p:sp>
-      <p:sp>
-        <p:nvSpPr>
-          <p:cNvPr id="55" name="Rectangle 54"/>
-          <p:cNvSpPr/>
-          <p:nvPr/>
-        </p:nvSpPr>
-        <p:spPr>
-          <a:xfrm>
-            <a:off x="696912" y="3094037"/>
-            <a:ext cx="4430712" cy="515526"/>
-          </a:xfrm>
-          <a:prstGeom prst="rect">
-            <a:avLst/>
-          </a:prstGeom>
-          <a:noFill/>
-        </p:spPr>
-        <p:txBody>
-          <a:bodyPr wrap="square">
-            <a:spAutoFit/>
-          </a:bodyPr>
-          <a:lstStyle/>
-          <a:p>
-            <a:pPr marL="0" lvl="1" algn="ctr">
-              <a:lnSpc>
-                <a:spcPct val="90000"/>
-              </a:lnSpc>
-              <a:buSzTx/>
-            </a:pPr>
-            <a:r>
-              <a:rPr lang="en-US" sz="3000" b="1" dirty="0" smtClean="0">
-                <a:latin typeface="Calibri" charset="0"/>
-              </a:rPr>
-              <a:t>Information Networks</a:t>
-            </a:r>
+              <a:t>in the off-line world </a:t>
+            </a:r>
+            <a:endParaRPr lang="en-US" sz="3200" b="1" dirty="0" smtClean="0">
+              <a:latin typeface="Calibri"/>
+              <a:cs typeface="Calibri"/>
+            </a:endParaRPr>
           </a:p>
         </p:txBody>
       </p:sp>
       <p:pic>
         <p:nvPicPr>
-          <p:cNvPr id="86" name="Picture 85"/>
+          <p:cNvPr id="13" name="Picture 12"/>
           <p:cNvPicPr>
             <a:picLocks noChangeAspect="1"/>
           </p:cNvPicPr>
           <p:nvPr/>
         </p:nvPicPr>
         <p:blipFill>
-          <a:blip r:embed="rId3"/>
+          <a:blip r:embed="rId8">
+            <a:clrChange>
+              <a:clrFrom>
+                <a:srgbClr val="FFFFFE"/>
+              </a:clrFrom>
+              <a:clrTo>
+                <a:srgbClr val="FFFFFE">
+                  <a:alpha val="0"/>
+                </a:srgbClr>
+              </a:clrTo>
+            </a:clrChange>
+          </a:blip>
           <a:stretch>
             <a:fillRect/>
           </a:stretch>
         </p:blipFill>
         <p:spPr>
           <a:xfrm>
-            <a:off x="6886318" y="6337162"/>
-            <a:ext cx="1219200" cy="338275"/>
+            <a:off x="1439912" y="2339677"/>
+            <a:ext cx="648072" cy="694919"/>
           </a:xfrm>
           <a:prstGeom prst="rect">
             <a:avLst/>
           </a:prstGeom>
         </p:spPr>
       </p:pic>
+      <p:cxnSp>
+        <p:nvCxnSpPr>
+          <p:cNvPr id="15" name="Straight Arrow Connector 14"/>
+          <p:cNvCxnSpPr/>
+          <p:nvPr/>
+        </p:nvCxnSpPr>
+        <p:spPr bwMode="auto">
+          <a:xfrm flipV="1">
+            <a:off x="2087984" y="2292289"/>
+            <a:ext cx="1008112" cy="263412"/>
+          </a:xfrm>
+          <a:prstGeom prst="straightConnector1">
+            <a:avLst/>
+          </a:prstGeom>
+          <a:solidFill>
+            <a:schemeClr val="accent1"/>
+          </a:solidFill>
+          <a:ln w="38100" cap="flat" cmpd="sng" algn="ctr">
+            <a:solidFill>
+              <a:schemeClr val="tx1"/>
+            </a:solidFill>
+            <a:prstDash val="solid"/>
+            <a:round/>
+            <a:headEnd type="arrow" w="med" len="med"/>
+            <a:tailEnd type="arrow"/>
+          </a:ln>
+          <a:effectLst/>
+        </p:spPr>
+      </p:cxnSp>
+      <p:cxnSp>
+        <p:nvCxnSpPr>
+          <p:cNvPr id="16" name="Straight Arrow Connector 15"/>
+          <p:cNvCxnSpPr/>
+          <p:nvPr/>
+        </p:nvCxnSpPr>
+        <p:spPr bwMode="auto">
+          <a:xfrm flipH="1" flipV="1">
+            <a:off x="3528144" y="2555701"/>
+            <a:ext cx="144016" cy="636292"/>
+          </a:xfrm>
+          <a:prstGeom prst="straightConnector1">
+            <a:avLst/>
+          </a:prstGeom>
+          <a:solidFill>
+            <a:schemeClr val="accent1"/>
+          </a:solidFill>
+          <a:ln w="38100" cap="flat" cmpd="sng" algn="ctr">
+            <a:solidFill>
+              <a:schemeClr val="tx1"/>
+            </a:solidFill>
+            <a:prstDash val="solid"/>
+            <a:round/>
+            <a:headEnd type="none" w="med" len="med"/>
+            <a:tailEnd type="arrow"/>
+          </a:ln>
+          <a:effectLst/>
+        </p:spPr>
+      </p:cxnSp>
       <p:pic>
         <p:nvPicPr>
-          <p:cNvPr id="87" name="Picture 86"/>
-          <p:cNvPicPr>
-            <a:picLocks noChangeAspect="1"/>
-          </p:cNvPicPr>
-          <p:nvPr/>
-        </p:nvPicPr>
-        <p:blipFill>
-          <a:blip r:embed="rId4"/>
-          <a:stretch>
-            <a:fillRect/>
-          </a:stretch>
-        </p:blipFill>
-        <p:spPr>
-          <a:xfrm>
-            <a:off x="7038718" y="5803762"/>
-            <a:ext cx="1066800" cy="312928"/>
-          </a:xfrm>
-          <a:prstGeom prst="rect">
-            <a:avLst/>
-          </a:prstGeom>
-        </p:spPr>
-      </p:pic>
-      <p:pic>
-        <p:nvPicPr>
-          <p:cNvPr id="88" name="Picture 87"/>
-          <p:cNvPicPr>
-            <a:picLocks noChangeAspect="1"/>
-          </p:cNvPicPr>
-          <p:nvPr/>
-        </p:nvPicPr>
-        <p:blipFill>
-          <a:blip r:embed="rId5"/>
-          <a:stretch>
-            <a:fillRect/>
-          </a:stretch>
-        </p:blipFill>
-        <p:spPr>
-          <a:xfrm>
-            <a:off x="6073518" y="6032362"/>
-            <a:ext cx="812800" cy="304800"/>
-          </a:xfrm>
-          <a:prstGeom prst="rect">
-            <a:avLst/>
-          </a:prstGeom>
-        </p:spPr>
-      </p:pic>
-      <p:pic>
-        <p:nvPicPr>
-          <p:cNvPr id="89" name="Picture 88"/>
-          <p:cNvPicPr>
-            <a:picLocks noChangeAspect="1"/>
-          </p:cNvPicPr>
-          <p:nvPr/>
-        </p:nvPicPr>
-        <p:blipFill>
-          <a:blip r:embed="rId6"/>
-          <a:stretch>
-            <a:fillRect/>
-          </a:stretch>
-        </p:blipFill>
-        <p:spPr>
-          <a:xfrm>
-            <a:off x="6276718" y="5075237"/>
-            <a:ext cx="838200" cy="394447"/>
-          </a:xfrm>
-          <a:prstGeom prst="rect">
-            <a:avLst/>
-          </a:prstGeom>
-        </p:spPr>
-      </p:pic>
-      <p:pic>
-        <p:nvPicPr>
-          <p:cNvPr id="90" name="Picture 89"/>
-          <p:cNvPicPr>
-            <a:picLocks noChangeAspect="1"/>
-          </p:cNvPicPr>
-          <p:nvPr/>
-        </p:nvPicPr>
-        <p:blipFill>
-          <a:blip r:embed="rId7"/>
-          <a:stretch>
-            <a:fillRect/>
-          </a:stretch>
-        </p:blipFill>
-        <p:spPr>
-          <a:xfrm>
-            <a:off x="7267318" y="5151437"/>
-            <a:ext cx="762000" cy="443552"/>
-          </a:xfrm>
-          <a:prstGeom prst="rect">
-            <a:avLst/>
-          </a:prstGeom>
-        </p:spPr>
-      </p:pic>
-      <p:pic>
-        <p:nvPicPr>
-          <p:cNvPr id="93" name="Picture 92"/>
-          <p:cNvPicPr>
-            <a:picLocks noChangeAspect="1"/>
-          </p:cNvPicPr>
-          <p:nvPr/>
-        </p:nvPicPr>
-        <p:blipFill>
-          <a:blip r:embed="rId8"/>
-          <a:stretch>
-            <a:fillRect/>
-          </a:stretch>
-        </p:blipFill>
-        <p:spPr>
-          <a:xfrm>
-            <a:off x="6335712" y="3475037"/>
-            <a:ext cx="914400" cy="304800"/>
-          </a:xfrm>
-          <a:prstGeom prst="rect">
-            <a:avLst/>
-          </a:prstGeom>
-        </p:spPr>
-      </p:pic>
-      <p:pic>
-        <p:nvPicPr>
-          <p:cNvPr id="98" name="Picture 97"/>
+          <p:cNvPr id="17" name="Picture 16"/>
           <p:cNvPicPr>
             <a:picLocks noChangeAspect="1"/>
           </p:cNvPicPr>
@@ -7700,8 +6672,8 @@
         </p:blipFill>
         <p:spPr>
           <a:xfrm>
-            <a:off x="8012112" y="3475037"/>
-            <a:ext cx="984250" cy="252936"/>
+            <a:off x="3240112" y="4499917"/>
+            <a:ext cx="648072" cy="648072"/>
           </a:xfrm>
           <a:prstGeom prst="rect">
             <a:avLst/>
@@ -7710,7 +6682,7 @@
       </p:pic>
       <p:pic>
         <p:nvPicPr>
-          <p:cNvPr id="91" name="Picture 90"/>
+          <p:cNvPr id="18" name="Picture 17"/>
           <p:cNvPicPr>
             <a:picLocks noChangeAspect="1"/>
           </p:cNvPicPr>
@@ -7724,8 +6696,8 @@
         </p:blipFill>
         <p:spPr>
           <a:xfrm>
-            <a:off x="5895718" y="4084637"/>
-            <a:ext cx="1231900" cy="381000"/>
+            <a:off x="1943968" y="3707829"/>
+            <a:ext cx="648072" cy="648072"/>
           </a:xfrm>
           <a:prstGeom prst="rect">
             <a:avLst/>
@@ -7734,7 +6706,7 @@
       </p:pic>
       <p:pic>
         <p:nvPicPr>
-          <p:cNvPr id="92" name="Picture 91"/>
+          <p:cNvPr id="2" name="Picture 1"/>
           <p:cNvPicPr>
             <a:picLocks noChangeAspect="1"/>
           </p:cNvPicPr>
@@ -7748,183 +6720,1472 @@
         </p:blipFill>
         <p:spPr>
           <a:xfrm>
-            <a:off x="7419718" y="4694237"/>
-            <a:ext cx="914400" cy="263137"/>
+            <a:off x="8963196" y="1787578"/>
+            <a:ext cx="697185" cy="697185"/>
           </a:xfrm>
           <a:prstGeom prst="rect">
             <a:avLst/>
           </a:prstGeom>
         </p:spPr>
       </p:pic>
+      <p:cxnSp>
+        <p:nvCxnSpPr>
+          <p:cNvPr id="20" name="Straight Arrow Connector 19"/>
+          <p:cNvCxnSpPr/>
+          <p:nvPr/>
+        </p:nvCxnSpPr>
+        <p:spPr bwMode="auto">
+          <a:xfrm flipV="1">
+            <a:off x="576064" y="1649214"/>
+            <a:ext cx="374904" cy="7634"/>
+          </a:xfrm>
+          <a:prstGeom prst="straightConnector1">
+            <a:avLst/>
+          </a:prstGeom>
+          <a:solidFill>
+            <a:schemeClr val="accent1"/>
+          </a:solidFill>
+          <a:ln w="25400" cap="flat" cmpd="sng" algn="ctr">
+            <a:solidFill>
+              <a:schemeClr val="tx1"/>
+            </a:solidFill>
+            <a:prstDash val="solid"/>
+            <a:round/>
+            <a:headEnd type="none" w="med" len="med"/>
+            <a:tailEnd type="arrow"/>
+          </a:ln>
+          <a:effectLst/>
+        </p:spPr>
+      </p:cxnSp>
+      <p:sp>
+        <p:nvSpPr>
+          <p:cNvPr id="23" name="Rectangle 22"/>
+          <p:cNvSpPr/>
+          <p:nvPr/>
+        </p:nvSpPr>
+        <p:spPr>
+          <a:xfrm>
+            <a:off x="215776" y="1403573"/>
+            <a:ext cx="360288" cy="430887"/>
+          </a:xfrm>
+          <a:prstGeom prst="rect">
+            <a:avLst/>
+          </a:prstGeom>
+        </p:spPr>
+        <p:txBody>
+          <a:bodyPr wrap="square">
+            <a:spAutoFit/>
+          </a:bodyPr>
+          <a:lstStyle/>
+          <a:p>
+            <a:pPr algn="r"/>
+            <a:r>
+              <a:rPr lang="en-US" sz="2200" b="1" dirty="0" smtClean="0">
+                <a:latin typeface="Calibri"/>
+              </a:rPr>
+              <a:t>S</a:t>
+            </a:r>
+            <a:endParaRPr lang="en-US" sz="2200" b="1" dirty="0" smtClean="0">
+              <a:latin typeface="Calibri"/>
+              <a:cs typeface="Calibri"/>
+            </a:endParaRPr>
+          </a:p>
+        </p:txBody>
+      </p:sp>
+      <p:sp>
+        <p:nvSpPr>
+          <p:cNvPr id="24" name="Rectangle 23"/>
+          <p:cNvSpPr/>
+          <p:nvPr/>
+        </p:nvSpPr>
+        <p:spPr>
+          <a:xfrm>
+            <a:off x="935856" y="1373956"/>
+            <a:ext cx="360288" cy="461665"/>
+          </a:xfrm>
+          <a:prstGeom prst="rect">
+            <a:avLst/>
+          </a:prstGeom>
+        </p:spPr>
+        <p:txBody>
+          <a:bodyPr wrap="square">
+            <a:spAutoFit/>
+          </a:bodyPr>
+          <a:lstStyle/>
+          <a:p>
+            <a:pPr algn="r"/>
+            <a:r>
+              <a:rPr lang="en-US" sz="2400" b="1" dirty="0" smtClean="0">
+                <a:latin typeface="Calibri"/>
+              </a:rPr>
+              <a:t>D</a:t>
+            </a:r>
+            <a:endParaRPr lang="en-US" sz="2200" b="1" dirty="0" smtClean="0">
+              <a:latin typeface="Calibri"/>
+              <a:cs typeface="Calibri"/>
+            </a:endParaRPr>
+          </a:p>
+        </p:txBody>
+      </p:sp>
+      <p:sp>
+        <p:nvSpPr>
+          <p:cNvPr id="25" name="Rectangle 24"/>
+          <p:cNvSpPr/>
+          <p:nvPr/>
+        </p:nvSpPr>
+        <p:spPr>
+          <a:xfrm>
+            <a:off x="143768" y="1619597"/>
+            <a:ext cx="936352" cy="307777"/>
+          </a:xfrm>
+          <a:prstGeom prst="rect">
+            <a:avLst/>
+          </a:prstGeom>
+        </p:spPr>
+        <p:txBody>
+          <a:bodyPr wrap="square">
+            <a:spAutoFit/>
+          </a:bodyPr>
+          <a:lstStyle/>
+          <a:p>
+            <a:pPr algn="r"/>
+            <a:r>
+              <a:rPr lang="en-US" sz="1400" b="1" dirty="0" smtClean="0">
+                <a:latin typeface="Calibri"/>
+              </a:rPr>
+              <a:t>means</a:t>
+            </a:r>
+            <a:endParaRPr lang="en-US" sz="1400" b="1" dirty="0" smtClean="0">
+              <a:latin typeface="Calibri"/>
+              <a:cs typeface="Calibri"/>
+            </a:endParaRPr>
+          </a:p>
+        </p:txBody>
+      </p:sp>
+      <p:sp>
+        <p:nvSpPr>
+          <p:cNvPr id="29" name="Rectangle 28"/>
+          <p:cNvSpPr/>
+          <p:nvPr/>
+        </p:nvSpPr>
+        <p:spPr>
+          <a:xfrm>
+            <a:off x="-144264" y="1785099"/>
+            <a:ext cx="1440160" cy="338554"/>
+          </a:xfrm>
+          <a:prstGeom prst="rect">
+            <a:avLst/>
+          </a:prstGeom>
+        </p:spPr>
+        <p:txBody>
+          <a:bodyPr wrap="square">
+            <a:spAutoFit/>
+          </a:bodyPr>
+          <a:lstStyle/>
+          <a:p>
+            <a:pPr algn="r"/>
+            <a:r>
+              <a:rPr lang="en-US" sz="1600" b="1" dirty="0" smtClean="0">
+                <a:latin typeface="Calibri"/>
+              </a:rPr>
+              <a:t>D follows S</a:t>
+            </a:r>
+            <a:endParaRPr lang="en-US" sz="1600" b="1" dirty="0" smtClean="0">
+              <a:latin typeface="Calibri"/>
+              <a:cs typeface="Calibri"/>
+            </a:endParaRPr>
+          </a:p>
+        </p:txBody>
+      </p:sp>
+      <p:sp>
+        <p:nvSpPr>
+          <p:cNvPr id="26" name="Rectangle 25"/>
+          <p:cNvSpPr/>
+          <p:nvPr/>
+        </p:nvSpPr>
+        <p:spPr bwMode="auto">
+          <a:xfrm>
+            <a:off x="215776" y="1475581"/>
+            <a:ext cx="1080120" cy="676656"/>
+          </a:xfrm>
+          <a:prstGeom prst="rect">
+            <a:avLst/>
+          </a:prstGeom>
+          <a:noFill/>
+          <a:ln w="25400" cap="flat" cmpd="sng" algn="ctr">
+            <a:solidFill>
+              <a:schemeClr val="tx1">
+                <a:lumMod val="65000"/>
+                <a:lumOff val="35000"/>
+              </a:schemeClr>
+            </a:solidFill>
+            <a:prstDash val="solid"/>
+            <a:round/>
+            <a:headEnd type="none" w="med" len="med"/>
+            <a:tailEnd type="none" w="med" len="med"/>
+          </a:ln>
+          <a:effectLst/>
+        </p:spPr>
+        <p:txBody>
+          <a:bodyPr vert="horz" wrap="square" lIns="0" tIns="0" rIns="0" bIns="0" numCol="1" rtlCol="0" anchor="t" anchorCtr="0" compatLnSpc="1">
+            <a:prstTxWarp prst="textNoShape">
+              <a:avLst/>
+            </a:prstTxWarp>
+            <a:spAutoFit/>
+          </a:bodyPr>
+          <a:lstStyle/>
+          <a:p>
+            <a:pPr marL="0" marR="0" indent="0" algn="l" defTabSz="914400" rtl="0" eaLnBrk="0" fontAlgn="base" latinLnBrk="0" hangingPunct="0">
+              <a:lnSpc>
+                <a:spcPct val="100000"/>
+              </a:lnSpc>
+              <a:spcBef>
+                <a:spcPct val="0"/>
+              </a:spcBef>
+              <a:spcAft>
+                <a:spcPct val="0"/>
+              </a:spcAft>
+              <a:buClrTx/>
+              <a:buSzTx/>
+              <a:buFontTx/>
+              <a:buNone/>
+              <a:tabLst/>
+            </a:pPr>
+            <a:endParaRPr kumimoji="0" lang="en-US" sz="1800" b="0" i="0" u="none" strike="noStrike" cap="none" normalizeH="0" baseline="0" smtClean="0">
+              <a:ln>
+                <a:noFill/>
+              </a:ln>
+              <a:solidFill>
+                <a:schemeClr val="tx1"/>
+              </a:solidFill>
+              <a:effectLst/>
+              <a:latin typeface="Arial" pitchFamily="34" charset="0"/>
+            </a:endParaRPr>
+          </a:p>
+        </p:txBody>
+      </p:sp>
+      <p:cxnSp>
+        <p:nvCxnSpPr>
+          <p:cNvPr id="40" name="Straight Arrow Connector 39"/>
+          <p:cNvCxnSpPr>
+            <a:endCxn id="14" idx="1"/>
+          </p:cNvCxnSpPr>
+          <p:nvPr/>
+        </p:nvCxnSpPr>
+        <p:spPr bwMode="auto">
+          <a:xfrm>
+            <a:off x="1943968" y="2915741"/>
+            <a:ext cx="1512168" cy="606178"/>
+          </a:xfrm>
+          <a:prstGeom prst="straightConnector1">
+            <a:avLst/>
+          </a:prstGeom>
+          <a:solidFill>
+            <a:schemeClr val="accent1"/>
+          </a:solidFill>
+          <a:ln w="38100" cap="flat" cmpd="sng" algn="ctr">
+            <a:solidFill>
+              <a:schemeClr val="tx1"/>
+            </a:solidFill>
+            <a:prstDash val="solid"/>
+            <a:round/>
+            <a:headEnd type="none" w="med" len="med"/>
+            <a:tailEnd type="arrow"/>
+          </a:ln>
+          <a:effectLst/>
+        </p:spPr>
+      </p:cxnSp>
+      <p:cxnSp>
+        <p:nvCxnSpPr>
+          <p:cNvPr id="44" name="Straight Arrow Connector 43"/>
+          <p:cNvCxnSpPr/>
+          <p:nvPr/>
+        </p:nvCxnSpPr>
+        <p:spPr bwMode="auto">
+          <a:xfrm>
+            <a:off x="1799952" y="2987749"/>
+            <a:ext cx="360040" cy="720080"/>
+          </a:xfrm>
+          <a:prstGeom prst="straightConnector1">
+            <a:avLst/>
+          </a:prstGeom>
+          <a:solidFill>
+            <a:schemeClr val="accent1"/>
+          </a:solidFill>
+          <a:ln w="38100" cap="flat" cmpd="sng" algn="ctr">
+            <a:solidFill>
+              <a:schemeClr val="tx1"/>
+            </a:solidFill>
+            <a:prstDash val="solid"/>
+            <a:round/>
+            <a:headEnd type="none" w="med" len="med"/>
+            <a:tailEnd type="arrow"/>
+          </a:ln>
+          <a:effectLst/>
+        </p:spPr>
+      </p:cxnSp>
+      <p:cxnSp>
+        <p:nvCxnSpPr>
+          <p:cNvPr id="46" name="Straight Arrow Connector 45"/>
+          <p:cNvCxnSpPr>
+            <a:endCxn id="17" idx="0"/>
+          </p:cNvCxnSpPr>
+          <p:nvPr/>
+        </p:nvCxnSpPr>
+        <p:spPr bwMode="auto">
+          <a:xfrm flipH="1">
+            <a:off x="3564148" y="3851845"/>
+            <a:ext cx="180020" cy="648072"/>
+          </a:xfrm>
+          <a:prstGeom prst="straightConnector1">
+            <a:avLst/>
+          </a:prstGeom>
+          <a:solidFill>
+            <a:schemeClr val="accent1"/>
+          </a:solidFill>
+          <a:ln w="38100" cap="flat" cmpd="sng" algn="ctr">
+            <a:solidFill>
+              <a:schemeClr val="tx1"/>
+            </a:solidFill>
+            <a:prstDash val="solid"/>
+            <a:round/>
+            <a:headEnd type="none" w="med" len="med"/>
+            <a:tailEnd type="arrow"/>
+          </a:ln>
+          <a:effectLst/>
+        </p:spPr>
+      </p:cxnSp>
+      <p:cxnSp>
+        <p:nvCxnSpPr>
+          <p:cNvPr id="48" name="Straight Arrow Connector 47"/>
+          <p:cNvCxnSpPr/>
+          <p:nvPr/>
+        </p:nvCxnSpPr>
+        <p:spPr bwMode="auto">
+          <a:xfrm>
+            <a:off x="2520032" y="4211885"/>
+            <a:ext cx="792088" cy="432048"/>
+          </a:xfrm>
+          <a:prstGeom prst="straightConnector1">
+            <a:avLst/>
+          </a:prstGeom>
+          <a:solidFill>
+            <a:schemeClr val="accent1"/>
+          </a:solidFill>
+          <a:ln w="38100" cap="flat" cmpd="sng" algn="ctr">
+            <a:solidFill>
+              <a:schemeClr val="tx1"/>
+            </a:solidFill>
+            <a:prstDash val="solid"/>
+            <a:round/>
+            <a:headEnd type="none" w="med" len="med"/>
+            <a:tailEnd type="arrow"/>
+          </a:ln>
+          <a:effectLst/>
+        </p:spPr>
+      </p:cxnSp>
+      <p:sp>
+        <p:nvSpPr>
+          <p:cNvPr id="50" name="Rectangle 49"/>
+          <p:cNvSpPr/>
+          <p:nvPr/>
+        </p:nvSpPr>
+        <p:spPr>
+          <a:xfrm>
+            <a:off x="3168104" y="1547589"/>
+            <a:ext cx="1152128" cy="369332"/>
+          </a:xfrm>
+          <a:prstGeom prst="rect">
+            <a:avLst/>
+          </a:prstGeom>
+        </p:spPr>
+        <p:txBody>
+          <a:bodyPr wrap="square">
+            <a:spAutoFit/>
+          </a:bodyPr>
+          <a:lstStyle/>
+          <a:p>
+            <a:pPr algn="ctr"/>
+            <a:r>
+              <a:rPr lang="en-US" b="1" dirty="0" smtClean="0">
+                <a:latin typeface="Calibri"/>
+              </a:rPr>
+              <a:t>Christine</a:t>
+            </a:r>
+            <a:endParaRPr lang="en-US" b="1" dirty="0" smtClean="0">
+              <a:latin typeface="Calibri"/>
+              <a:cs typeface="Calibri"/>
+            </a:endParaRPr>
+          </a:p>
+        </p:txBody>
+      </p:sp>
+      <p:sp>
+        <p:nvSpPr>
+          <p:cNvPr id="51" name="Rectangle 50"/>
+          <p:cNvSpPr/>
+          <p:nvPr/>
+        </p:nvSpPr>
+        <p:spPr>
+          <a:xfrm>
+            <a:off x="1295896" y="2042353"/>
+            <a:ext cx="648072" cy="369332"/>
+          </a:xfrm>
+          <a:prstGeom prst="rect">
+            <a:avLst/>
+          </a:prstGeom>
+        </p:spPr>
+        <p:txBody>
+          <a:bodyPr wrap="square">
+            <a:spAutoFit/>
+          </a:bodyPr>
+          <a:lstStyle/>
+          <a:p>
+            <a:pPr algn="ctr"/>
+            <a:r>
+              <a:rPr lang="en-US" b="1" dirty="0" smtClean="0">
+                <a:latin typeface="Calibri"/>
+              </a:rPr>
+              <a:t>Bob</a:t>
+            </a:r>
+            <a:endParaRPr lang="en-US" b="1" dirty="0" smtClean="0">
+              <a:latin typeface="Calibri"/>
+              <a:cs typeface="Calibri"/>
+            </a:endParaRPr>
+          </a:p>
+        </p:txBody>
+      </p:sp>
+      <p:sp>
+        <p:nvSpPr>
+          <p:cNvPr id="52" name="Rectangle 51"/>
+          <p:cNvSpPr/>
+          <p:nvPr/>
+        </p:nvSpPr>
+        <p:spPr>
+          <a:xfrm>
+            <a:off x="3744168" y="2834441"/>
+            <a:ext cx="648072" cy="369332"/>
+          </a:xfrm>
+          <a:prstGeom prst="rect">
+            <a:avLst/>
+          </a:prstGeom>
+        </p:spPr>
+        <p:txBody>
+          <a:bodyPr wrap="square">
+            <a:spAutoFit/>
+          </a:bodyPr>
+          <a:lstStyle/>
+          <a:p>
+            <a:pPr algn="ctr"/>
+            <a:r>
+              <a:rPr lang="en-US" b="1" dirty="0" smtClean="0">
+                <a:latin typeface="Calibri"/>
+              </a:rPr>
+              <a:t>Beth</a:t>
+            </a:r>
+            <a:endParaRPr lang="en-US" b="1" dirty="0" smtClean="0">
+              <a:latin typeface="Calibri"/>
+              <a:cs typeface="Calibri"/>
+            </a:endParaRPr>
+          </a:p>
+        </p:txBody>
+      </p:sp>
+      <p:sp>
+        <p:nvSpPr>
+          <p:cNvPr id="53" name="Rectangle 52"/>
+          <p:cNvSpPr/>
+          <p:nvPr/>
+        </p:nvSpPr>
+        <p:spPr>
+          <a:xfrm>
+            <a:off x="1439912" y="3635821"/>
+            <a:ext cx="648072" cy="369332"/>
+          </a:xfrm>
+          <a:prstGeom prst="rect">
+            <a:avLst/>
+          </a:prstGeom>
+        </p:spPr>
+        <p:txBody>
+          <a:bodyPr wrap="square">
+            <a:spAutoFit/>
+          </a:bodyPr>
+          <a:lstStyle/>
+          <a:p>
+            <a:pPr algn="ctr"/>
+            <a:r>
+              <a:rPr lang="en-US" b="1" dirty="0" smtClean="0">
+                <a:latin typeface="Calibri"/>
+              </a:rPr>
+              <a:t>Joe</a:t>
+            </a:r>
+            <a:endParaRPr lang="en-US" b="1" dirty="0" smtClean="0">
+              <a:latin typeface="Calibri"/>
+              <a:cs typeface="Calibri"/>
+            </a:endParaRPr>
+          </a:p>
+        </p:txBody>
+      </p:sp>
+      <p:sp>
+        <p:nvSpPr>
+          <p:cNvPr id="54" name="Rectangle 53"/>
+          <p:cNvSpPr/>
+          <p:nvPr/>
+        </p:nvSpPr>
+        <p:spPr>
+          <a:xfrm>
+            <a:off x="3744168" y="4283893"/>
+            <a:ext cx="792088" cy="369332"/>
+          </a:xfrm>
+          <a:prstGeom prst="rect">
+            <a:avLst/>
+          </a:prstGeom>
+        </p:spPr>
+        <p:txBody>
+          <a:bodyPr wrap="square">
+            <a:spAutoFit/>
+          </a:bodyPr>
+          <a:lstStyle/>
+          <a:p>
+            <a:pPr algn="ctr"/>
+            <a:r>
+              <a:rPr lang="en-US" b="1" dirty="0" smtClean="0">
+                <a:latin typeface="Calibri"/>
+              </a:rPr>
+              <a:t>David</a:t>
+            </a:r>
+            <a:endParaRPr lang="en-US" b="1" dirty="0" smtClean="0">
+              <a:latin typeface="Calibri"/>
+              <a:cs typeface="Calibri"/>
+            </a:endParaRPr>
+          </a:p>
+        </p:txBody>
+      </p:sp>
+      <p:sp>
+        <p:nvSpPr>
+          <p:cNvPr id="55" name="Rectangle 54"/>
+          <p:cNvSpPr/>
+          <p:nvPr/>
+        </p:nvSpPr>
+        <p:spPr>
+          <a:xfrm>
+            <a:off x="3600152" y="2073131"/>
+            <a:ext cx="1152128" cy="338554"/>
+          </a:xfrm>
+          <a:prstGeom prst="rect">
+            <a:avLst/>
+          </a:prstGeom>
+        </p:spPr>
+        <p:txBody>
+          <a:bodyPr wrap="square">
+            <a:spAutoFit/>
+          </a:bodyPr>
+          <a:lstStyle/>
+          <a:p>
+            <a:pPr algn="ctr"/>
+            <a:r>
+              <a:rPr lang="en-US" sz="1600" b="1" dirty="0" smtClean="0">
+                <a:solidFill>
+                  <a:schemeClr val="accent2"/>
+                </a:solidFill>
+                <a:latin typeface="Calibri"/>
+              </a:rPr>
+              <a:t>3.00pm</a:t>
+            </a:r>
+            <a:endParaRPr lang="en-US" sz="1600" b="1" dirty="0" smtClean="0">
+              <a:solidFill>
+                <a:schemeClr val="accent2"/>
+              </a:solidFill>
+              <a:latin typeface="Calibri"/>
+              <a:cs typeface="Calibri"/>
+            </a:endParaRPr>
+          </a:p>
+        </p:txBody>
+      </p:sp>
+      <p:sp>
+        <p:nvSpPr>
+          <p:cNvPr id="56" name="Rectangle 55"/>
+          <p:cNvSpPr/>
+          <p:nvPr/>
+        </p:nvSpPr>
+        <p:spPr>
+          <a:xfrm>
+            <a:off x="503808" y="2433171"/>
+            <a:ext cx="1152128" cy="338554"/>
+          </a:xfrm>
+          <a:prstGeom prst="rect">
+            <a:avLst/>
+          </a:prstGeom>
+        </p:spPr>
+        <p:txBody>
+          <a:bodyPr wrap="square">
+            <a:spAutoFit/>
+          </a:bodyPr>
+          <a:lstStyle/>
+          <a:p>
+            <a:pPr algn="ctr"/>
+            <a:r>
+              <a:rPr lang="en-US" sz="1600" b="1" dirty="0" smtClean="0">
+                <a:solidFill>
+                  <a:schemeClr val="accent2"/>
+                </a:solidFill>
+                <a:latin typeface="Calibri"/>
+              </a:rPr>
+              <a:t>3.25pm</a:t>
+            </a:r>
+            <a:endParaRPr lang="en-US" sz="1600" b="1" dirty="0" smtClean="0">
+              <a:solidFill>
+                <a:schemeClr val="accent2"/>
+              </a:solidFill>
+              <a:latin typeface="Calibri"/>
+              <a:cs typeface="Calibri"/>
+            </a:endParaRPr>
+          </a:p>
+        </p:txBody>
+      </p:sp>
+      <p:sp>
+        <p:nvSpPr>
+          <p:cNvPr id="57" name="Rectangle 56"/>
+          <p:cNvSpPr/>
+          <p:nvPr/>
+        </p:nvSpPr>
+        <p:spPr>
+          <a:xfrm>
+            <a:off x="3888184" y="3203773"/>
+            <a:ext cx="1152128" cy="338554"/>
+          </a:xfrm>
+          <a:prstGeom prst="rect">
+            <a:avLst/>
+          </a:prstGeom>
+        </p:spPr>
+        <p:txBody>
+          <a:bodyPr wrap="square">
+            <a:spAutoFit/>
+          </a:bodyPr>
+          <a:lstStyle/>
+          <a:p>
+            <a:pPr algn="ctr"/>
+            <a:r>
+              <a:rPr lang="en-US" sz="1600" b="1" dirty="0" smtClean="0">
+                <a:solidFill>
+                  <a:schemeClr val="accent2"/>
+                </a:solidFill>
+                <a:latin typeface="Calibri"/>
+              </a:rPr>
+              <a:t>3.27pm</a:t>
+            </a:r>
+            <a:endParaRPr lang="en-US" sz="1600" b="1" dirty="0" smtClean="0">
+              <a:solidFill>
+                <a:schemeClr val="accent2"/>
+              </a:solidFill>
+              <a:latin typeface="Calibri"/>
+              <a:cs typeface="Calibri"/>
+            </a:endParaRPr>
+          </a:p>
+        </p:txBody>
+      </p:sp>
+      <p:sp>
+        <p:nvSpPr>
+          <p:cNvPr id="58" name="Rectangle 57"/>
+          <p:cNvSpPr/>
+          <p:nvPr/>
+        </p:nvSpPr>
+        <p:spPr>
+          <a:xfrm>
+            <a:off x="3744168" y="4643933"/>
+            <a:ext cx="1152128" cy="338554"/>
+          </a:xfrm>
+          <a:prstGeom prst="rect">
+            <a:avLst/>
+          </a:prstGeom>
+        </p:spPr>
+        <p:txBody>
+          <a:bodyPr wrap="square">
+            <a:spAutoFit/>
+          </a:bodyPr>
+          <a:lstStyle/>
+          <a:p>
+            <a:pPr algn="ctr"/>
+            <a:r>
+              <a:rPr lang="en-US" sz="1600" b="1" dirty="0" smtClean="0">
+                <a:solidFill>
+                  <a:schemeClr val="accent2"/>
+                </a:solidFill>
+                <a:latin typeface="Calibri"/>
+              </a:rPr>
+              <a:t>4.15pm</a:t>
+            </a:r>
+            <a:endParaRPr lang="en-US" sz="1600" b="1" dirty="0" smtClean="0">
+              <a:solidFill>
+                <a:schemeClr val="accent2"/>
+              </a:solidFill>
+              <a:latin typeface="Calibri"/>
+              <a:cs typeface="Calibri"/>
+            </a:endParaRPr>
+          </a:p>
+        </p:txBody>
+      </p:sp>
+      <p:sp>
+        <p:nvSpPr>
+          <p:cNvPr id="17422" name="Oval 17421"/>
+          <p:cNvSpPr/>
+          <p:nvPr/>
+        </p:nvSpPr>
+        <p:spPr bwMode="auto">
+          <a:xfrm>
+            <a:off x="3096096" y="1907629"/>
+            <a:ext cx="648072" cy="648072"/>
+          </a:xfrm>
+          <a:prstGeom prst="ellipse">
+            <a:avLst/>
+          </a:prstGeom>
+          <a:noFill/>
+          <a:ln w="50800" cap="flat" cmpd="sng" algn="ctr">
+            <a:solidFill>
+              <a:schemeClr val="accent2"/>
+            </a:solidFill>
+            <a:prstDash val="solid"/>
+            <a:round/>
+            <a:headEnd type="none" w="med" len="med"/>
+            <a:tailEnd type="none" w="med" len="med"/>
+          </a:ln>
+          <a:effectLst/>
+        </p:spPr>
+        <p:txBody>
+          <a:bodyPr vert="horz" wrap="square" lIns="0" tIns="0" rIns="0" bIns="0" numCol="1" rtlCol="0" anchor="t" anchorCtr="0" compatLnSpc="1">
+            <a:prstTxWarp prst="textNoShape">
+              <a:avLst/>
+            </a:prstTxWarp>
+            <a:spAutoFit/>
+          </a:bodyPr>
+          <a:lstStyle/>
+          <a:p>
+            <a:pPr marL="0" marR="0" indent="0" algn="l" defTabSz="914400" rtl="0" eaLnBrk="0" fontAlgn="base" latinLnBrk="0" hangingPunct="0">
+              <a:lnSpc>
+                <a:spcPct val="100000"/>
+              </a:lnSpc>
+              <a:spcBef>
+                <a:spcPct val="0"/>
+              </a:spcBef>
+              <a:spcAft>
+                <a:spcPct val="0"/>
+              </a:spcAft>
+              <a:buClrTx/>
+              <a:buSzTx/>
+              <a:buFontTx/>
+              <a:buNone/>
+              <a:tabLst/>
+            </a:pPr>
+            <a:endParaRPr kumimoji="0" lang="en-US" sz="1800" b="0" i="0" u="none" strike="noStrike" cap="none" normalizeH="0" baseline="0" smtClean="0">
+              <a:ln>
+                <a:noFill/>
+              </a:ln>
+              <a:solidFill>
+                <a:schemeClr val="tx1"/>
+              </a:solidFill>
+              <a:effectLst/>
+              <a:latin typeface="Arial" pitchFamily="34" charset="0"/>
+            </a:endParaRPr>
+          </a:p>
+        </p:txBody>
+      </p:sp>
+      <p:sp>
+        <p:nvSpPr>
+          <p:cNvPr id="60" name="Oval 59"/>
+          <p:cNvSpPr/>
+          <p:nvPr/>
+        </p:nvSpPr>
+        <p:spPr bwMode="auto">
+          <a:xfrm>
+            <a:off x="1439912" y="2339677"/>
+            <a:ext cx="648072" cy="648072"/>
+          </a:xfrm>
+          <a:prstGeom prst="ellipse">
+            <a:avLst/>
+          </a:prstGeom>
+          <a:noFill/>
+          <a:ln w="50800" cap="flat" cmpd="sng" algn="ctr">
+            <a:solidFill>
+              <a:schemeClr val="accent2"/>
+            </a:solidFill>
+            <a:prstDash val="solid"/>
+            <a:round/>
+            <a:headEnd type="none" w="med" len="med"/>
+            <a:tailEnd type="none" w="med" len="med"/>
+          </a:ln>
+          <a:effectLst/>
+        </p:spPr>
+        <p:txBody>
+          <a:bodyPr vert="horz" wrap="square" lIns="0" tIns="0" rIns="0" bIns="0" numCol="1" rtlCol="0" anchor="t" anchorCtr="0" compatLnSpc="1">
+            <a:prstTxWarp prst="textNoShape">
+              <a:avLst/>
+            </a:prstTxWarp>
+            <a:spAutoFit/>
+          </a:bodyPr>
+          <a:lstStyle/>
+          <a:p>
+            <a:pPr marL="0" marR="0" indent="0" algn="l" defTabSz="914400" rtl="0" eaLnBrk="0" fontAlgn="base" latinLnBrk="0" hangingPunct="0">
+              <a:lnSpc>
+                <a:spcPct val="100000"/>
+              </a:lnSpc>
+              <a:spcBef>
+                <a:spcPct val="0"/>
+              </a:spcBef>
+              <a:spcAft>
+                <a:spcPct val="0"/>
+              </a:spcAft>
+              <a:buClrTx/>
+              <a:buSzTx/>
+              <a:buFontTx/>
+              <a:buNone/>
+              <a:tabLst/>
+            </a:pPr>
+            <a:endParaRPr kumimoji="0" lang="en-US" sz="1800" b="0" i="0" u="none" strike="noStrike" cap="none" normalizeH="0" baseline="0" smtClean="0">
+              <a:ln>
+                <a:noFill/>
+              </a:ln>
+              <a:solidFill>
+                <a:schemeClr val="tx1"/>
+              </a:solidFill>
+              <a:effectLst/>
+              <a:latin typeface="Arial" pitchFamily="34" charset="0"/>
+            </a:endParaRPr>
+          </a:p>
+        </p:txBody>
+      </p:sp>
+      <p:sp>
+        <p:nvSpPr>
+          <p:cNvPr id="70" name="Oval 69"/>
+          <p:cNvSpPr/>
+          <p:nvPr/>
+        </p:nvSpPr>
+        <p:spPr bwMode="auto">
+          <a:xfrm>
+            <a:off x="3456136" y="3203773"/>
+            <a:ext cx="648072" cy="648072"/>
+          </a:xfrm>
+          <a:prstGeom prst="ellipse">
+            <a:avLst/>
+          </a:prstGeom>
+          <a:noFill/>
+          <a:ln w="50800" cap="flat" cmpd="sng" algn="ctr">
+            <a:solidFill>
+              <a:schemeClr val="accent2"/>
+            </a:solidFill>
+            <a:prstDash val="solid"/>
+            <a:round/>
+            <a:headEnd type="none" w="med" len="med"/>
+            <a:tailEnd type="none" w="med" len="med"/>
+          </a:ln>
+          <a:effectLst/>
+        </p:spPr>
+        <p:txBody>
+          <a:bodyPr vert="horz" wrap="square" lIns="0" tIns="0" rIns="0" bIns="0" numCol="1" rtlCol="0" anchor="t" anchorCtr="0" compatLnSpc="1">
+            <a:prstTxWarp prst="textNoShape">
+              <a:avLst/>
+            </a:prstTxWarp>
+            <a:spAutoFit/>
+          </a:bodyPr>
+          <a:lstStyle/>
+          <a:p>
+            <a:pPr marL="0" marR="0" indent="0" algn="l" defTabSz="914400" rtl="0" eaLnBrk="0" fontAlgn="base" latinLnBrk="0" hangingPunct="0">
+              <a:lnSpc>
+                <a:spcPct val="100000"/>
+              </a:lnSpc>
+              <a:spcBef>
+                <a:spcPct val="0"/>
+              </a:spcBef>
+              <a:spcAft>
+                <a:spcPct val="0"/>
+              </a:spcAft>
+              <a:buClrTx/>
+              <a:buSzTx/>
+              <a:buFontTx/>
+              <a:buNone/>
+              <a:tabLst/>
+            </a:pPr>
+            <a:endParaRPr kumimoji="0" lang="en-US" sz="1800" b="0" i="0" u="none" strike="noStrike" cap="none" normalizeH="0" baseline="0" smtClean="0">
+              <a:ln>
+                <a:noFill/>
+              </a:ln>
+              <a:solidFill>
+                <a:schemeClr val="tx1"/>
+              </a:solidFill>
+              <a:effectLst/>
+              <a:latin typeface="Arial" pitchFamily="34" charset="0"/>
+            </a:endParaRPr>
+          </a:p>
+        </p:txBody>
+      </p:sp>
+      <p:sp>
+        <p:nvSpPr>
+          <p:cNvPr id="71" name="Oval 70"/>
+          <p:cNvSpPr/>
+          <p:nvPr/>
+        </p:nvSpPr>
+        <p:spPr bwMode="auto">
+          <a:xfrm>
+            <a:off x="3240112" y="4499917"/>
+            <a:ext cx="648072" cy="648072"/>
+          </a:xfrm>
+          <a:prstGeom prst="ellipse">
+            <a:avLst/>
+          </a:prstGeom>
+          <a:noFill/>
+          <a:ln w="50800" cap="flat" cmpd="sng" algn="ctr">
+            <a:solidFill>
+              <a:schemeClr val="accent2"/>
+            </a:solidFill>
+            <a:prstDash val="solid"/>
+            <a:round/>
+            <a:headEnd type="none" w="med" len="med"/>
+            <a:tailEnd type="none" w="med" len="med"/>
+          </a:ln>
+          <a:effectLst/>
+        </p:spPr>
+        <p:txBody>
+          <a:bodyPr vert="horz" wrap="square" lIns="0" tIns="0" rIns="0" bIns="0" numCol="1" rtlCol="0" anchor="t" anchorCtr="0" compatLnSpc="1">
+            <a:prstTxWarp prst="textNoShape">
+              <a:avLst/>
+            </a:prstTxWarp>
+            <a:spAutoFit/>
+          </a:bodyPr>
+          <a:lstStyle/>
+          <a:p>
+            <a:pPr marL="0" marR="0" indent="0" algn="l" defTabSz="914400" rtl="0" eaLnBrk="0" fontAlgn="base" latinLnBrk="0" hangingPunct="0">
+              <a:lnSpc>
+                <a:spcPct val="100000"/>
+              </a:lnSpc>
+              <a:spcBef>
+                <a:spcPct val="0"/>
+              </a:spcBef>
+              <a:spcAft>
+                <a:spcPct val="0"/>
+              </a:spcAft>
+              <a:buClrTx/>
+              <a:buSzTx/>
+              <a:buFontTx/>
+              <a:buNone/>
+              <a:tabLst/>
+            </a:pPr>
+            <a:endParaRPr kumimoji="0" lang="en-US" sz="1800" b="0" i="0" u="none" strike="noStrike" cap="none" normalizeH="0" baseline="0" smtClean="0">
+              <a:ln>
+                <a:noFill/>
+              </a:ln>
+              <a:solidFill>
+                <a:schemeClr val="tx1"/>
+              </a:solidFill>
+              <a:effectLst/>
+              <a:latin typeface="Arial" pitchFamily="34" charset="0"/>
+            </a:endParaRPr>
+          </a:p>
+        </p:txBody>
+      </p:sp>
+      <p:cxnSp>
+        <p:nvCxnSpPr>
+          <p:cNvPr id="73" name="Straight Connector 72"/>
+          <p:cNvCxnSpPr/>
+          <p:nvPr/>
+        </p:nvCxnSpPr>
+        <p:spPr bwMode="auto">
+          <a:xfrm>
+            <a:off x="669509" y="5147989"/>
+            <a:ext cx="2758" cy="714315"/>
+          </a:xfrm>
+          <a:prstGeom prst="line">
+            <a:avLst/>
+          </a:prstGeom>
+          <a:solidFill>
+            <a:schemeClr val="accent1"/>
+          </a:solidFill>
+          <a:ln w="28575" cap="flat" cmpd="sng" algn="ctr">
+            <a:solidFill>
+              <a:schemeClr val="tx1"/>
+            </a:solidFill>
+            <a:prstDash val="dash"/>
+            <a:round/>
+            <a:headEnd type="none" w="med" len="med"/>
+            <a:tailEnd type="none" w="med" len="med"/>
+          </a:ln>
+          <a:effectLst/>
+        </p:spPr>
+      </p:cxnSp>
+      <p:cxnSp>
+        <p:nvCxnSpPr>
+          <p:cNvPr id="74" name="Straight Arrow Connector 73"/>
+          <p:cNvCxnSpPr/>
+          <p:nvPr/>
+        </p:nvCxnSpPr>
+        <p:spPr bwMode="auto">
+          <a:xfrm flipV="1">
+            <a:off x="575816" y="5580037"/>
+            <a:ext cx="4536504" cy="14014"/>
+          </a:xfrm>
+          <a:prstGeom prst="straightConnector1">
+            <a:avLst/>
+          </a:prstGeom>
+          <a:solidFill>
+            <a:schemeClr val="accent1"/>
+          </a:solidFill>
+          <a:ln w="9525" cap="flat" cmpd="sng" algn="ctr">
+            <a:solidFill>
+              <a:schemeClr val="tx1"/>
+            </a:solidFill>
+            <a:prstDash val="solid"/>
+            <a:round/>
+            <a:headEnd type="none" w="med" len="med"/>
+            <a:tailEnd type="arrow"/>
+          </a:ln>
+          <a:effectLst/>
+        </p:spPr>
+      </p:cxnSp>
       <p:pic>
         <p:nvPicPr>
-          <p:cNvPr id="100" name="Picture 99"/>
+          <p:cNvPr id="75" name="Picture 74" descr="latex-image-1.pdf"/>
           <p:cNvPicPr>
             <a:picLocks noChangeAspect="1"/>
           </p:cNvPicPr>
           <p:nvPr/>
         </p:nvPicPr>
         <p:blipFill>
-          <a:blip r:embed="rId12"/>
+          <a:blip r:embed="rId12">
+            <a:extLst>
+              <a:ext uri="{28A0092B-C50C-407E-A947-70E740481C1C}">
+                <a14:useLocalDpi xmlns:a14="http://schemas.microsoft.com/office/drawing/2010/main" val="0"/>
+              </a:ext>
+            </a:extLst>
+          </a:blip>
           <a:stretch>
             <a:fillRect/>
           </a:stretch>
         </p:blipFill>
         <p:spPr>
           <a:xfrm>
-            <a:off x="7572118" y="4237037"/>
-            <a:ext cx="973394" cy="304800"/>
+            <a:off x="5040312" y="5724053"/>
+            <a:ext cx="76200" cy="165100"/>
           </a:xfrm>
           <a:prstGeom prst="rect">
             <a:avLst/>
           </a:prstGeom>
         </p:spPr>
       </p:pic>
-      <p:pic>
-        <p:nvPicPr>
-          <p:cNvPr id="45" name="Picture 44"/>
-          <p:cNvPicPr>
-            <a:picLocks noChangeAspect="1"/>
-          </p:cNvPicPr>
+      <p:sp>
+        <p:nvSpPr>
+          <p:cNvPr id="76" name="Rectangle 75"/>
+          <p:cNvSpPr/>
           <p:nvPr/>
-        </p:nvPicPr>
-        <p:blipFill>
-          <a:blip r:embed="rId13"/>
-          <a:stretch>
-            <a:fillRect/>
-          </a:stretch>
-        </p:blipFill>
-        <p:spPr>
-          <a:xfrm>
-            <a:off x="6505318" y="4541837"/>
-            <a:ext cx="520700" cy="431800"/>
+        </p:nvSpPr>
+        <p:spPr bwMode="auto">
+          <a:xfrm>
+            <a:off x="1654021" y="5219997"/>
+            <a:ext cx="144016" cy="144016"/>
           </a:xfrm>
           <a:prstGeom prst="rect">
             <a:avLst/>
           </a:prstGeom>
-        </p:spPr>
-      </p:pic>
-      <p:pic>
-        <p:nvPicPr>
-          <p:cNvPr id="46" name="Picture 45"/>
-          <p:cNvPicPr>
-            <a:picLocks noChangeAspect="1"/>
-          </p:cNvPicPr>
+          <a:solidFill>
+            <a:schemeClr val="accent2"/>
+          </a:solidFill>
+          <a:ln w="38100" cap="flat" cmpd="sng" algn="ctr">
+            <a:solidFill>
+              <a:schemeClr val="tx1"/>
+            </a:solidFill>
+            <a:prstDash val="solid"/>
+            <a:round/>
+            <a:headEnd type="none" w="med" len="med"/>
+            <a:tailEnd type="none" w="med" len="med"/>
+          </a:ln>
+          <a:effectLst/>
+        </p:spPr>
+        <p:txBody>
+          <a:bodyPr vert="horz" wrap="square" lIns="0" tIns="0" rIns="0" bIns="0" numCol="1" rtlCol="0" anchor="t" anchorCtr="0" compatLnSpc="1">
+            <a:prstTxWarp prst="textNoShape">
+              <a:avLst/>
+            </a:prstTxWarp>
+            <a:spAutoFit/>
+          </a:bodyPr>
+          <a:lstStyle/>
+          <a:p>
+            <a:pPr marL="0" marR="0" indent="0" algn="l" defTabSz="914400" rtl="0" eaLnBrk="0" fontAlgn="base" latinLnBrk="0" hangingPunct="0">
+              <a:lnSpc>
+                <a:spcPct val="100000"/>
+              </a:lnSpc>
+              <a:spcBef>
+                <a:spcPct val="0"/>
+              </a:spcBef>
+              <a:spcAft>
+                <a:spcPct val="0"/>
+              </a:spcAft>
+              <a:buClrTx/>
+              <a:buSzTx/>
+              <a:buFontTx/>
+              <a:buNone/>
+              <a:tabLst/>
+            </a:pPr>
+            <a:endParaRPr kumimoji="0" lang="en-US" sz="1800" b="0" i="0" u="none" strike="noStrike" cap="none" normalizeH="0" baseline="0" smtClean="0">
+              <a:ln>
+                <a:noFill/>
+              </a:ln>
+              <a:solidFill>
+                <a:schemeClr val="tx1"/>
+              </a:solidFill>
+              <a:effectLst/>
+              <a:latin typeface="Arial" pitchFamily="34" charset="0"/>
+            </a:endParaRPr>
+          </a:p>
+        </p:txBody>
+      </p:sp>
+      <p:cxnSp>
+        <p:nvCxnSpPr>
+          <p:cNvPr id="77" name="Straight Connector 76"/>
+          <p:cNvCxnSpPr>
+            <a:stCxn id="76" idx="2"/>
+          </p:cNvCxnSpPr>
           <p:nvPr/>
-        </p:nvPicPr>
-        <p:blipFill>
-          <a:blip r:embed="rId14"/>
-          <a:stretch>
-            <a:fillRect/>
-          </a:stretch>
-        </p:blipFill>
-        <p:spPr>
-          <a:xfrm>
-            <a:off x="6200518" y="3094037"/>
-            <a:ext cx="2057400" cy="347424"/>
+        </p:nvCxnSpPr>
+        <p:spPr bwMode="auto">
+          <a:xfrm>
+            <a:off x="1726029" y="5364013"/>
+            <a:ext cx="0" cy="216024"/>
+          </a:xfrm>
+          <a:prstGeom prst="line">
+            <a:avLst/>
+          </a:prstGeom>
+          <a:solidFill>
+            <a:schemeClr val="accent1"/>
+          </a:solidFill>
+          <a:ln w="38100" cap="flat" cmpd="sng" algn="ctr">
+            <a:solidFill>
+              <a:schemeClr val="tx1"/>
+            </a:solidFill>
+            <a:prstDash val="solid"/>
+            <a:round/>
+            <a:headEnd type="none" w="med" len="med"/>
+            <a:tailEnd type="none" w="med" len="med"/>
+          </a:ln>
+          <a:effectLst/>
+        </p:spPr>
+      </p:cxnSp>
+      <p:cxnSp>
+        <p:nvCxnSpPr>
+          <p:cNvPr id="80" name="Straight Connector 79"/>
+          <p:cNvCxnSpPr/>
+          <p:nvPr/>
+        </p:nvCxnSpPr>
+        <p:spPr bwMode="auto">
+          <a:xfrm>
+            <a:off x="4893538" y="5147989"/>
+            <a:ext cx="2758" cy="714315"/>
+          </a:xfrm>
+          <a:prstGeom prst="line">
+            <a:avLst/>
+          </a:prstGeom>
+          <a:solidFill>
+            <a:schemeClr val="accent1"/>
+          </a:solidFill>
+          <a:ln w="28575" cap="flat" cmpd="sng" algn="ctr">
+            <a:solidFill>
+              <a:schemeClr val="tx1"/>
+            </a:solidFill>
+            <a:prstDash val="dash"/>
+            <a:round/>
+            <a:headEnd type="none" w="med" len="med"/>
+            <a:tailEnd type="none" w="med" len="med"/>
+          </a:ln>
+          <a:effectLst/>
+        </p:spPr>
+      </p:cxnSp>
+      <p:sp>
+        <p:nvSpPr>
+          <p:cNvPr id="81" name="Rectangle 80"/>
+          <p:cNvSpPr/>
+          <p:nvPr/>
+        </p:nvSpPr>
+        <p:spPr bwMode="auto">
+          <a:xfrm>
+            <a:off x="1871960" y="5219552"/>
+            <a:ext cx="144016" cy="144016"/>
           </a:xfrm>
           <a:prstGeom prst="rect">
             <a:avLst/>
           </a:prstGeom>
-        </p:spPr>
-      </p:pic>
-      <p:sp>
-        <p:nvSpPr>
-          <p:cNvPr id="47" name="Rectangle 46"/>
+          <a:solidFill>
+            <a:schemeClr val="accent2"/>
+          </a:solidFill>
+          <a:ln w="38100" cap="flat" cmpd="sng" algn="ctr">
+            <a:solidFill>
+              <a:schemeClr val="tx1"/>
+            </a:solidFill>
+            <a:prstDash val="solid"/>
+            <a:round/>
+            <a:headEnd type="none" w="med" len="med"/>
+            <a:tailEnd type="none" w="med" len="med"/>
+          </a:ln>
+          <a:effectLst/>
+        </p:spPr>
+        <p:txBody>
+          <a:bodyPr vert="horz" wrap="square" lIns="0" tIns="0" rIns="0" bIns="0" numCol="1" rtlCol="0" anchor="t" anchorCtr="0" compatLnSpc="1">
+            <a:prstTxWarp prst="textNoShape">
+              <a:avLst/>
+            </a:prstTxWarp>
+            <a:spAutoFit/>
+          </a:bodyPr>
+          <a:lstStyle/>
+          <a:p>
+            <a:pPr marL="0" marR="0" indent="0" algn="l" defTabSz="914400" rtl="0" eaLnBrk="0" fontAlgn="base" latinLnBrk="0" hangingPunct="0">
+              <a:lnSpc>
+                <a:spcPct val="100000"/>
+              </a:lnSpc>
+              <a:spcBef>
+                <a:spcPct val="0"/>
+              </a:spcBef>
+              <a:spcAft>
+                <a:spcPct val="0"/>
+              </a:spcAft>
+              <a:buClrTx/>
+              <a:buSzTx/>
+              <a:buFontTx/>
+              <a:buNone/>
+              <a:tabLst/>
+            </a:pPr>
+            <a:endParaRPr kumimoji="0" lang="en-US" sz="1800" b="0" i="0" u="none" strike="noStrike" cap="none" normalizeH="0" baseline="0" smtClean="0">
+              <a:ln>
+                <a:noFill/>
+              </a:ln>
+              <a:solidFill>
+                <a:schemeClr val="tx1"/>
+              </a:solidFill>
+              <a:effectLst/>
+              <a:latin typeface="Arial" pitchFamily="34" charset="0"/>
+            </a:endParaRPr>
+          </a:p>
+        </p:txBody>
+      </p:sp>
+      <p:cxnSp>
+        <p:nvCxnSpPr>
+          <p:cNvPr id="82" name="Straight Connector 81"/>
+          <p:cNvCxnSpPr/>
+          <p:nvPr/>
+        </p:nvCxnSpPr>
+        <p:spPr bwMode="auto">
+          <a:xfrm>
+            <a:off x="1943968" y="5365856"/>
+            <a:ext cx="0" cy="219456"/>
+          </a:xfrm>
+          <a:prstGeom prst="line">
+            <a:avLst/>
+          </a:prstGeom>
+          <a:solidFill>
+            <a:schemeClr val="accent1"/>
+          </a:solidFill>
+          <a:ln w="38100" cap="flat" cmpd="sng" algn="ctr">
+            <a:solidFill>
+              <a:schemeClr val="tx1"/>
+            </a:solidFill>
+            <a:prstDash val="solid"/>
+            <a:round/>
+            <a:headEnd type="none" w="med" len="med"/>
+            <a:tailEnd type="none" w="med" len="med"/>
+          </a:ln>
+          <a:effectLst/>
+        </p:spPr>
+      </p:cxnSp>
+      <p:sp>
+        <p:nvSpPr>
+          <p:cNvPr id="83" name="Rectangle 82"/>
           <p:cNvSpPr/>
           <p:nvPr/>
         </p:nvSpPr>
-        <p:spPr>
-          <a:xfrm>
-            <a:off x="1001712" y="1601999"/>
-            <a:ext cx="3886200" cy="1098762"/>
+        <p:spPr bwMode="auto">
+          <a:xfrm>
+            <a:off x="4032200" y="5221772"/>
+            <a:ext cx="144016" cy="144016"/>
           </a:xfrm>
           <a:prstGeom prst="rect">
             <a:avLst/>
           </a:prstGeom>
-          <a:noFill/>
-        </p:spPr>
-        <p:txBody>
-          <a:bodyPr wrap="square">
+          <a:solidFill>
+            <a:schemeClr val="accent2"/>
+          </a:solidFill>
+          <a:ln w="38100" cap="flat" cmpd="sng" algn="ctr">
+            <a:solidFill>
+              <a:schemeClr val="tx1"/>
+            </a:solidFill>
+            <a:prstDash val="solid"/>
+            <a:round/>
+            <a:headEnd type="none" w="med" len="med"/>
+            <a:tailEnd type="none" w="med" len="med"/>
+          </a:ln>
+          <a:effectLst/>
+        </p:spPr>
+        <p:txBody>
+          <a:bodyPr vert="horz" wrap="square" lIns="0" tIns="0" rIns="0" bIns="0" numCol="1" rtlCol="0" anchor="t" anchorCtr="0" compatLnSpc="1">
+            <a:prstTxWarp prst="textNoShape">
+              <a:avLst/>
+            </a:prstTxWarp>
             <a:spAutoFit/>
           </a:bodyPr>
           <a:lstStyle/>
           <a:p>
-            <a:pPr marL="0" lvl="1" algn="ctr">
+            <a:pPr marL="0" marR="0" indent="0" algn="l" defTabSz="914400" rtl="0" eaLnBrk="0" fontAlgn="base" latinLnBrk="0" hangingPunct="0">
               <a:lnSpc>
-                <a:spcPct val="90000"/>
+                <a:spcPct val="100000"/>
               </a:lnSpc>
+              <a:spcBef>
+                <a:spcPct val="0"/>
+              </a:spcBef>
+              <a:spcAft>
+                <a:spcPct val="0"/>
+              </a:spcAft>
+              <a:buClrTx/>
               <a:buSzTx/>
+              <a:buFontTx/>
+              <a:buNone/>
+              <a:tabLst/>
             </a:pPr>
-            <a:r>
-              <a:rPr lang="en-US" sz="3600" b="1" cap="small" dirty="0" smtClean="0">
-                <a:latin typeface="Calibri" charset="0"/>
-              </a:rPr>
-              <a:t>Propagation takes </a:t>
-            </a:r>
-            <a:br>
-              <a:rPr lang="en-US" sz="3600" b="1" cap="small" dirty="0" smtClean="0">
-                <a:latin typeface="Calibri" charset="0"/>
-              </a:rPr>
-            </a:br>
-            <a:r>
-              <a:rPr lang="en-US" sz="3600" b="1" cap="small" dirty="0" smtClean="0">
-                <a:latin typeface="Calibri" charset="0"/>
-              </a:rPr>
-              <a:t>place on</a:t>
-            </a:r>
-          </a:p>
-        </p:txBody>
-      </p:sp>
-      <p:sp>
-        <p:nvSpPr>
-          <p:cNvPr id="48" name="Rectangle 47"/>
+            <a:endParaRPr kumimoji="0" lang="en-US" sz="1800" b="0" i="0" u="none" strike="noStrike" cap="none" normalizeH="0" baseline="0" smtClean="0">
+              <a:ln>
+                <a:noFill/>
+              </a:ln>
+              <a:solidFill>
+                <a:schemeClr val="tx1"/>
+              </a:solidFill>
+              <a:effectLst/>
+              <a:latin typeface="Arial" pitchFamily="34" charset="0"/>
+            </a:endParaRPr>
+          </a:p>
+        </p:txBody>
+      </p:sp>
+      <p:cxnSp>
+        <p:nvCxnSpPr>
+          <p:cNvPr id="84" name="Straight Connector 83"/>
+          <p:cNvCxnSpPr/>
+          <p:nvPr/>
+        </p:nvCxnSpPr>
+        <p:spPr bwMode="auto">
+          <a:xfrm>
+            <a:off x="4104208" y="5368076"/>
+            <a:ext cx="0" cy="219456"/>
+          </a:xfrm>
+          <a:prstGeom prst="line">
+            <a:avLst/>
+          </a:prstGeom>
+          <a:solidFill>
+            <a:schemeClr val="accent1"/>
+          </a:solidFill>
+          <a:ln w="38100" cap="flat" cmpd="sng" algn="ctr">
+            <a:solidFill>
+              <a:schemeClr val="tx1"/>
+            </a:solidFill>
+            <a:prstDash val="solid"/>
+            <a:round/>
+            <a:headEnd type="none" w="med" len="med"/>
+            <a:tailEnd type="none" w="med" len="med"/>
+          </a:ln>
+          <a:effectLst/>
+        </p:spPr>
+      </p:cxnSp>
+      <p:sp>
+        <p:nvSpPr>
+          <p:cNvPr id="86" name="Rectangle 85"/>
           <p:cNvSpPr/>
           <p:nvPr/>
         </p:nvSpPr>
-        <p:spPr>
-          <a:xfrm>
-            <a:off x="4506912" y="1570037"/>
-            <a:ext cx="5638800" cy="1098762"/>
+        <p:spPr bwMode="auto">
+          <a:xfrm>
+            <a:off x="791840" y="5219997"/>
+            <a:ext cx="144016" cy="144016"/>
           </a:xfrm>
           <a:prstGeom prst="rect">
             <a:avLst/>
           </a:prstGeom>
-          <a:noFill/>
-        </p:spPr>
-        <p:txBody>
-          <a:bodyPr wrap="square">
+          <a:solidFill>
+            <a:schemeClr val="accent2"/>
+          </a:solidFill>
+          <a:ln w="38100" cap="flat" cmpd="sng" algn="ctr">
+            <a:solidFill>
+              <a:schemeClr val="tx1"/>
+            </a:solidFill>
+            <a:prstDash val="solid"/>
+            <a:round/>
+            <a:headEnd type="none" w="med" len="med"/>
+            <a:tailEnd type="none" w="med" len="med"/>
+          </a:ln>
+          <a:effectLst/>
+        </p:spPr>
+        <p:txBody>
+          <a:bodyPr vert="horz" wrap="square" lIns="0" tIns="0" rIns="0" bIns="0" numCol="1" rtlCol="0" anchor="t" anchorCtr="0" compatLnSpc="1">
+            <a:prstTxWarp prst="textNoShape">
+              <a:avLst/>
+            </a:prstTxWarp>
             <a:spAutoFit/>
           </a:bodyPr>
           <a:lstStyle/>
           <a:p>
-            <a:pPr marL="0" lvl="1" algn="ctr">
+            <a:pPr marL="0" marR="0" indent="0" algn="l" defTabSz="914400" rtl="0" eaLnBrk="0" fontAlgn="base" latinLnBrk="0" hangingPunct="0">
               <a:lnSpc>
-                <a:spcPct val="90000"/>
+                <a:spcPct val="100000"/>
               </a:lnSpc>
+              <a:spcBef>
+                <a:spcPct val="0"/>
+              </a:spcBef>
+              <a:spcAft>
+                <a:spcPct val="0"/>
+              </a:spcAft>
+              <a:buClrTx/>
               <a:buSzTx/>
+              <a:buFontTx/>
+              <a:buNone/>
+              <a:tabLst/>
             </a:pPr>
-            <a:r>
-              <a:rPr lang="en-US" sz="3600" b="1" cap="small" dirty="0" smtClean="0">
-                <a:latin typeface="Calibri" charset="0"/>
-              </a:rPr>
-              <a:t>We can extract </a:t>
-            </a:r>
-            <a:br>
-              <a:rPr lang="en-US" sz="3600" b="1" cap="small" dirty="0" smtClean="0">
-                <a:latin typeface="Calibri" charset="0"/>
-              </a:rPr>
-            </a:br>
-            <a:r>
-              <a:rPr lang="en-US" sz="3600" b="1" cap="small" dirty="0" smtClean="0">
-                <a:latin typeface="Calibri" charset="0"/>
-              </a:rPr>
-              <a:t>propagation traces from</a:t>
-            </a:r>
-          </a:p>
-        </p:txBody>
-      </p:sp>
+            <a:endParaRPr kumimoji="0" lang="en-US" sz="1800" b="0" i="0" u="none" strike="noStrike" cap="none" normalizeH="0" baseline="0" smtClean="0">
+              <a:ln>
+                <a:noFill/>
+              </a:ln>
+              <a:solidFill>
+                <a:schemeClr val="tx1"/>
+              </a:solidFill>
+              <a:effectLst/>
+              <a:latin typeface="Arial" pitchFamily="34" charset="0"/>
+            </a:endParaRPr>
+          </a:p>
+        </p:txBody>
+      </p:sp>
+      <p:cxnSp>
+        <p:nvCxnSpPr>
+          <p:cNvPr id="87" name="Straight Connector 86"/>
+          <p:cNvCxnSpPr>
+            <a:stCxn id="86" idx="2"/>
+          </p:cNvCxnSpPr>
+          <p:nvPr/>
+        </p:nvCxnSpPr>
+        <p:spPr bwMode="auto">
+          <a:xfrm>
+            <a:off x="863848" y="5364013"/>
+            <a:ext cx="0" cy="216024"/>
+          </a:xfrm>
+          <a:prstGeom prst="line">
+            <a:avLst/>
+          </a:prstGeom>
+          <a:solidFill>
+            <a:schemeClr val="accent1"/>
+          </a:solidFill>
+          <a:ln w="38100" cap="flat" cmpd="sng" algn="ctr">
+            <a:solidFill>
+              <a:schemeClr val="tx1"/>
+            </a:solidFill>
+            <a:prstDash val="solid"/>
+            <a:round/>
+            <a:headEnd type="none" w="med" len="med"/>
+            <a:tailEnd type="none" w="med" len="med"/>
+          </a:ln>
+          <a:effectLst/>
+        </p:spPr>
+      </p:cxnSp>
     </p:spTree>
+    <p:extLst>
+      <p:ext uri="{BB962C8B-B14F-4D97-AF65-F5344CB8AC3E}">
+        <p14:creationId xmlns:p14="http://schemas.microsoft.com/office/powerpoint/2010/main" val="4234442246"/>
+      </p:ext>
+    </p:extLst>
   </p:cSld>
   <p:clrMapOvr>
     <a:masterClrMapping/>
@@ -7964,7 +8225,7 @@
                                           </p:stCondLst>
                                         </p:cTn>
                                         <p:tgtEl>
-                                          <p:spTgt spid="47"/>
+                                          <p:spTgt spid="17422"/>
                                         </p:tgtEl>
                                         <p:attrNameLst>
                                           <p:attrName>style.visibility</p:attrName>
@@ -7991,7 +8252,7 @@
                                           </p:stCondLst>
                                         </p:cTn>
                                         <p:tgtEl>
-                                          <p:spTgt spid="62"/>
+                                          <p:spTgt spid="86"/>
                                         </p:tgtEl>
                                         <p:attrNameLst>
                                           <p:attrName>style.visibility</p:attrName>
@@ -8005,7 +8266,7 @@
                                 </p:cTn>
                               </p:par>
                               <p:par>
-                                <p:cTn id="9" presetID="1" presetClass="entr" presetSubtype="0" fill="hold" grpId="0" nodeType="withEffect">
+                                <p:cTn id="9" presetID="1" presetClass="entr" presetSubtype="0" fill="hold" nodeType="withEffect">
                                   <p:stCondLst>
                                     <p:cond delay="0"/>
                                   </p:stCondLst>
@@ -8018,7 +8279,7 @@
                                           </p:stCondLst>
                                         </p:cTn>
                                         <p:tgtEl>
-                                          <p:spTgt spid="60"/>
+                                          <p:spTgt spid="87"/>
                                         </p:tgtEl>
                                         <p:attrNameLst>
                                           <p:attrName>style.visibility</p:attrName>
@@ -8045,61 +8306,7 @@
                                           </p:stCondLst>
                                         </p:cTn>
                                         <p:tgtEl>
-                                          <p:spTgt spid="64"/>
-                                        </p:tgtEl>
-                                        <p:attrNameLst>
-                                          <p:attrName>style.visibility</p:attrName>
-                                        </p:attrNameLst>
-                                      </p:cBhvr>
-                                      <p:to>
-                                        <p:strVal val="visible"/>
-                                      </p:to>
-                                    </p:set>
-                                  </p:childTnLst>
-                                </p:cTn>
-                              </p:par>
-                              <p:par>
-                                <p:cTn id="13" presetID="1" presetClass="entr" presetSubtype="0" fill="hold" grpId="0" nodeType="withEffect">
-                                  <p:stCondLst>
-                                    <p:cond delay="0"/>
-                                  </p:stCondLst>
-                                  <p:childTnLst>
-                                    <p:set>
-                                      <p:cBhvr>
-                                        <p:cTn id="14" dur="1" fill="hold">
-                                          <p:stCondLst>
-                                            <p:cond delay="0"/>
-                                          </p:stCondLst>
-                                        </p:cTn>
-                                        <p:tgtEl>
                                           <p:spTgt spid="55"/>
-                                        </p:tgtEl>
-                                        <p:attrNameLst>
-                                          <p:attrName>style.visibility</p:attrName>
-                                        </p:attrNameLst>
-                                      </p:cBhvr>
-                                      <p:to>
-                                        <p:strVal val="visible"/>
-                                      </p:to>
-                                    </p:set>
-                                  </p:childTnLst>
-                                </p:cTn>
-                              </p:par>
-                              <p:par>
-                                <p:cTn id="15" presetID="1" presetClass="entr" presetSubtype="0" fill="hold" grpId="0" nodeType="withEffect">
-                                  <p:stCondLst>
-                                    <p:cond delay="0"/>
-                                  </p:stCondLst>
-                                  <p:childTnLst>
-                                    <p:set>
-                                      <p:cBhvr>
-                                        <p:cTn id="16" dur="1" fill="hold">
-                                          <p:stCondLst>
-                                            <p:cond delay="0"/>
-                                          </p:stCondLst>
-                                        </p:cTn>
-                                        <p:tgtEl>
-                                          <p:spTgt spid="58"/>
                                         </p:tgtEl>
                                         <p:attrNameLst>
                                           <p:attrName>style.visibility</p:attrName>
@@ -8119,19 +8326,73 @@
                     </p:cTn>
                   </p:par>
                   <p:par>
-                    <p:cTn id="17" fill="hold">
+                    <p:cTn id="13" fill="hold">
                       <p:stCondLst>
                         <p:cond delay="indefinite"/>
                       </p:stCondLst>
                       <p:childTnLst>
                         <p:par>
-                          <p:cTn id="18" fill="hold">
+                          <p:cTn id="14" fill="hold">
                             <p:stCondLst>
                               <p:cond delay="0"/>
                             </p:stCondLst>
                             <p:childTnLst>
                               <p:par>
-                                <p:cTn id="19" presetID="1" presetClass="entr" presetSubtype="0" fill="hold" nodeType="clickEffect">
+                                <p:cTn id="15" presetID="1" presetClass="entr" presetSubtype="0" fill="hold" grpId="0" nodeType="clickEffect">
+                                  <p:stCondLst>
+                                    <p:cond delay="0"/>
+                                  </p:stCondLst>
+                                  <p:childTnLst>
+                                    <p:set>
+                                      <p:cBhvr>
+                                        <p:cTn id="16" dur="1" fill="hold">
+                                          <p:stCondLst>
+                                            <p:cond delay="0"/>
+                                          </p:stCondLst>
+                                        </p:cTn>
+                                        <p:tgtEl>
+                                          <p:spTgt spid="60"/>
+                                        </p:tgtEl>
+                                        <p:attrNameLst>
+                                          <p:attrName>style.visibility</p:attrName>
+                                        </p:attrNameLst>
+                                      </p:cBhvr>
+                                      <p:to>
+                                        <p:strVal val="visible"/>
+                                      </p:to>
+                                    </p:set>
+                                  </p:childTnLst>
+                                </p:cTn>
+                              </p:par>
+                              <p:par>
+                                <p:cTn id="17" presetID="1" presetClass="entr" presetSubtype="0" fill="hold" grpId="0" nodeType="withEffect">
+                                  <p:stCondLst>
+                                    <p:cond delay="0"/>
+                                  </p:stCondLst>
+                                  <p:childTnLst>
+                                    <p:set>
+                                      <p:cBhvr>
+                                        <p:cTn id="18" dur="1" fill="hold">
+                                          <p:stCondLst>
+                                            <p:cond delay="0"/>
+                                          </p:stCondLst>
+                                        </p:cTn>
+                                        <p:tgtEl>
+                                          <p:spTgt spid="76"/>
+                                        </p:tgtEl>
+                                        <p:attrNameLst>
+                                          <p:attrName>style.visibility</p:attrName>
+                                        </p:attrNameLst>
+                                      </p:cBhvr>
+                                      <p:to>
+                                        <p:strVal val="visible"/>
+                                      </p:to>
+                                    </p:set>
+                                  </p:childTnLst>
+                                </p:cTn>
+                              </p:par>
+                              <p:par>
+                                <p:cTn id="19" presetID="1" presetClass="entr" presetSubtype="0" fill="hold" nodeType="withEffect">
                                   <p:stCondLst>
                                     <p:cond delay="0"/>
                                   </p:stCondLst>
@@ -8144,7 +8405,7 @@
                                           </p:stCondLst>
                                         </p:cTn>
                                         <p:tgtEl>
-                                          <p:spTgt spid="100"/>
+                                          <p:spTgt spid="77"/>
                                         </p:tgtEl>
                                         <p:attrNameLst>
                                           <p:attrName>style.visibility</p:attrName>
@@ -8171,7 +8432,52 @@
                                           </p:stCondLst>
                                         </p:cTn>
                                         <p:tgtEl>
-                                          <p:spTgt spid="48"/>
+                                          <p:spTgt spid="56"/>
+                                        </p:tgtEl>
+                                        <p:attrNameLst>
+                                          <p:attrName>style.visibility</p:attrName>
+                                        </p:attrNameLst>
+                                      </p:cBhvr>
+                                      <p:to>
+                                        <p:strVal val="visible"/>
+                                      </p:to>
+                                    </p:set>
+                                  </p:childTnLst>
+                                </p:cTn>
+                              </p:par>
+                            </p:childTnLst>
+                          </p:cTn>
+                        </p:par>
+                      </p:childTnLst>
+                    </p:cTn>
+                  </p:par>
+                  <p:par>
+                    <p:cTn id="23" fill="hold">
+                      <p:stCondLst>
+                        <p:cond delay="indefinite"/>
+                      </p:stCondLst>
+                      <p:childTnLst>
+                        <p:par>
+                          <p:cTn id="24" fill="hold">
+                            <p:stCondLst>
+                              <p:cond delay="0"/>
+                            </p:stCondLst>
+                            <p:childTnLst>
+                              <p:par>
+                                <p:cTn id="25" presetID="1" presetClass="entr" presetSubtype="0" fill="hold" grpId="0" nodeType="clickEffect">
+                                  <p:stCondLst>
+                                    <p:cond delay="0"/>
+                                  </p:stCondLst>
+                                  <p:childTnLst>
+                                    <p:set>
+                                      <p:cBhvr>
+                                        <p:cTn id="26" dur="1" fill="hold">
+                                          <p:stCondLst>
+                                            <p:cond delay="0"/>
+                                          </p:stCondLst>
+                                        </p:cTn>
+                                        <p:tgtEl>
+                                          <p:spTgt spid="57"/>
                                         </p:tgtEl>
                                         <p:attrNameLst>
                                           <p:attrName>style.visibility</p:attrName>
@@ -8185,61 +8491,7 @@
                                 </p:cTn>
                               </p:par>
                               <p:par>
-                                <p:cTn id="23" presetID="1" presetClass="entr" presetSubtype="0" fill="hold" nodeType="withEffect">
-                                  <p:stCondLst>
-                                    <p:cond delay="0"/>
-                                  </p:stCondLst>
-                                  <p:childTnLst>
-                                    <p:set>
-                                      <p:cBhvr>
-                                        <p:cTn id="24" dur="1" fill="hold">
-                                          <p:stCondLst>
-                                            <p:cond delay="0"/>
-                                          </p:stCondLst>
-                                        </p:cTn>
-                                        <p:tgtEl>
-                                          <p:spTgt spid="45"/>
-                                        </p:tgtEl>
-                                        <p:attrNameLst>
-                                          <p:attrName>style.visibility</p:attrName>
-                                        </p:attrNameLst>
-                                      </p:cBhvr>
-                                      <p:to>
-                                        <p:strVal val="visible"/>
-                                      </p:to>
-                                    </p:set>
-                                  </p:childTnLst>
-                                </p:cTn>
-                              </p:par>
-                              <p:par>
-                                <p:cTn id="25" presetID="1" presetClass="entr" presetSubtype="0" fill="hold" nodeType="withEffect">
-                                  <p:stCondLst>
-                                    <p:cond delay="0"/>
-                                  </p:stCondLst>
-                                  <p:childTnLst>
-                                    <p:set>
-                                      <p:cBhvr>
-                                        <p:cTn id="26" dur="1" fill="hold">
-                                          <p:stCondLst>
-                                            <p:cond delay="0"/>
-                                          </p:stCondLst>
-                                        </p:cTn>
-                                        <p:tgtEl>
-                                          <p:spTgt spid="46"/>
-                                        </p:tgtEl>
-                                        <p:attrNameLst>
-                                          <p:attrName>style.visibility</p:attrName>
-                                        </p:attrNameLst>
-                                      </p:cBhvr>
-                                      <p:to>
-                                        <p:strVal val="visible"/>
-                                      </p:to>
-                                    </p:set>
-                                  </p:childTnLst>
-                                </p:cTn>
-                              </p:par>
-                              <p:par>
-                                <p:cTn id="27" presetID="1" presetClass="entr" presetSubtype="0" fill="hold" nodeType="withEffect">
+                                <p:cTn id="27" presetID="1" presetClass="entr" presetSubtype="0" fill="hold" grpId="0" nodeType="withEffect">
                                   <p:stCondLst>
                                     <p:cond delay="0"/>
                                   </p:stCondLst>
@@ -8252,7 +8504,7 @@
                                           </p:stCondLst>
                                         </p:cTn>
                                         <p:tgtEl>
-                                          <p:spTgt spid="91"/>
+                                          <p:spTgt spid="81"/>
                                         </p:tgtEl>
                                         <p:attrNameLst>
                                           <p:attrName>style.visibility</p:attrName>
@@ -8279,7 +8531,7 @@
                                           </p:stCondLst>
                                         </p:cTn>
                                         <p:tgtEl>
-                                          <p:spTgt spid="92"/>
+                                          <p:spTgt spid="82"/>
                                         </p:tgtEl>
                                         <p:attrNameLst>
                                           <p:attrName>style.visibility</p:attrName>
@@ -8293,7 +8545,7 @@
                                 </p:cTn>
                               </p:par>
                               <p:par>
-                                <p:cTn id="31" presetID="1" presetClass="entr" presetSubtype="0" fill="hold" nodeType="withEffect">
+                                <p:cTn id="31" presetID="1" presetClass="entr" presetSubtype="0" fill="hold" grpId="0" nodeType="withEffect">
                                   <p:stCondLst>
                                     <p:cond delay="0"/>
                                   </p:stCondLst>
@@ -8306,7 +8558,52 @@
                                           </p:stCondLst>
                                         </p:cTn>
                                         <p:tgtEl>
-                                          <p:spTgt spid="89"/>
+                                          <p:spTgt spid="70"/>
+                                        </p:tgtEl>
+                                        <p:attrNameLst>
+                                          <p:attrName>style.visibility</p:attrName>
+                                        </p:attrNameLst>
+                                      </p:cBhvr>
+                                      <p:to>
+                                        <p:strVal val="visible"/>
+                                      </p:to>
+                                    </p:set>
+                                  </p:childTnLst>
+                                </p:cTn>
+                              </p:par>
+                            </p:childTnLst>
+                          </p:cTn>
+                        </p:par>
+                      </p:childTnLst>
+                    </p:cTn>
+                  </p:par>
+                  <p:par>
+                    <p:cTn id="33" fill="hold">
+                      <p:stCondLst>
+                        <p:cond delay="indefinite"/>
+                      </p:stCondLst>
+                      <p:childTnLst>
+                        <p:par>
+                          <p:cTn id="34" fill="hold">
+                            <p:stCondLst>
+                              <p:cond delay="0"/>
+                            </p:stCondLst>
+                            <p:childTnLst>
+                              <p:par>
+                                <p:cTn id="35" presetID="1" presetClass="entr" presetSubtype="0" fill="hold" grpId="0" nodeType="clickEffect">
+                                  <p:stCondLst>
+                                    <p:cond delay="0"/>
+                                  </p:stCondLst>
+                                  <p:childTnLst>
+                                    <p:set>
+                                      <p:cBhvr>
+                                        <p:cTn id="36" dur="1" fill="hold">
+                                          <p:stCondLst>
+                                            <p:cond delay="0"/>
+                                          </p:stCondLst>
+                                        </p:cTn>
+                                        <p:tgtEl>
+                                          <p:spTgt spid="71"/>
                                         </p:tgtEl>
                                         <p:attrNameLst>
                                           <p:attrName>style.visibility</p:attrName>
@@ -8320,20 +8617,20 @@
                                 </p:cTn>
                               </p:par>
                               <p:par>
-                                <p:cTn id="33" presetID="1" presetClass="entr" presetSubtype="0" fill="hold" nodeType="withEffect">
+                                <p:cTn id="37" presetID="1" presetClass="entr" presetSubtype="0" fill="hold" grpId="0" nodeType="withEffect">
                                   <p:stCondLst>
                                     <p:cond delay="0"/>
                                   </p:stCondLst>
                                   <p:childTnLst>
                                     <p:set>
                                       <p:cBhvr>
-                                        <p:cTn id="34" dur="1" fill="hold">
+                                        <p:cTn id="38" dur="1" fill="hold">
                                           <p:stCondLst>
                                             <p:cond delay="0"/>
                                           </p:stCondLst>
                                         </p:cTn>
                                         <p:tgtEl>
-                                          <p:spTgt spid="90"/>
+                                          <p:spTgt spid="58"/>
                                         </p:tgtEl>
                                         <p:attrNameLst>
                                           <p:attrName>style.visibility</p:attrName>
@@ -8347,61 +8644,7 @@
                                 </p:cTn>
                               </p:par>
                               <p:par>
-                                <p:cTn id="35" presetID="1" presetClass="entr" presetSubtype="0" fill="hold" nodeType="withEffect">
-                                  <p:stCondLst>
-                                    <p:cond delay="0"/>
-                                  </p:stCondLst>
-                                  <p:childTnLst>
-                                    <p:set>
-                                      <p:cBhvr>
-                                        <p:cTn id="36" dur="1" fill="hold">
-                                          <p:stCondLst>
-                                            <p:cond delay="0"/>
-                                          </p:stCondLst>
-                                        </p:cTn>
-                                        <p:tgtEl>
-                                          <p:spTgt spid="93"/>
-                                        </p:tgtEl>
-                                        <p:attrNameLst>
-                                          <p:attrName>style.visibility</p:attrName>
-                                        </p:attrNameLst>
-                                      </p:cBhvr>
-                                      <p:to>
-                                        <p:strVal val="visible"/>
-                                      </p:to>
-                                    </p:set>
-                                  </p:childTnLst>
-                                </p:cTn>
-                              </p:par>
-                              <p:par>
-                                <p:cTn id="37" presetID="1" presetClass="entr" presetSubtype="0" fill="hold" nodeType="withEffect">
-                                  <p:stCondLst>
-                                    <p:cond delay="0"/>
-                                  </p:stCondLst>
-                                  <p:childTnLst>
-                                    <p:set>
-                                      <p:cBhvr>
-                                        <p:cTn id="38" dur="1" fill="hold">
-                                          <p:stCondLst>
-                                            <p:cond delay="0"/>
-                                          </p:stCondLst>
-                                        </p:cTn>
-                                        <p:tgtEl>
-                                          <p:spTgt spid="98"/>
-                                        </p:tgtEl>
-                                        <p:attrNameLst>
-                                          <p:attrName>style.visibility</p:attrName>
-                                        </p:attrNameLst>
-                                      </p:cBhvr>
-                                      <p:to>
-                                        <p:strVal val="visible"/>
-                                      </p:to>
-                                    </p:set>
-                                  </p:childTnLst>
-                                </p:cTn>
-                              </p:par>
-                              <p:par>
-                                <p:cTn id="39" presetID="1" presetClass="entr" presetSubtype="0" fill="hold" nodeType="withEffect">
+                                <p:cTn id="39" presetID="1" presetClass="entr" presetSubtype="0" fill="hold" grpId="0" nodeType="withEffect">
                                   <p:stCondLst>
                                     <p:cond delay="0"/>
                                   </p:stCondLst>
@@ -8414,7 +8657,7 @@
                                           </p:stCondLst>
                                         </p:cTn>
                                         <p:tgtEl>
-                                          <p:spTgt spid="88"/>
+                                          <p:spTgt spid="83"/>
                                         </p:tgtEl>
                                         <p:attrNameLst>
                                           <p:attrName>style.visibility</p:attrName>
@@ -8441,7 +8684,52 @@
                                           </p:stCondLst>
                                         </p:cTn>
                                         <p:tgtEl>
-                                          <p:spTgt spid="87"/>
+                                          <p:spTgt spid="84"/>
+                                        </p:tgtEl>
+                                        <p:attrNameLst>
+                                          <p:attrName>style.visibility</p:attrName>
+                                        </p:attrNameLst>
+                                      </p:cBhvr>
+                                      <p:to>
+                                        <p:strVal val="visible"/>
+                                      </p:to>
+                                    </p:set>
+                                  </p:childTnLst>
+                                </p:cTn>
+                              </p:par>
+                            </p:childTnLst>
+                          </p:cTn>
+                        </p:par>
+                      </p:childTnLst>
+                    </p:cTn>
+                  </p:par>
+                  <p:par>
+                    <p:cTn id="43" fill="hold">
+                      <p:stCondLst>
+                        <p:cond delay="indefinite"/>
+                      </p:stCondLst>
+                      <p:childTnLst>
+                        <p:par>
+                          <p:cTn id="44" fill="hold">
+                            <p:stCondLst>
+                              <p:cond delay="0"/>
+                            </p:stCondLst>
+                            <p:childTnLst>
+                              <p:par>
+                                <p:cTn id="45" presetID="1" presetClass="entr" presetSubtype="0" fill="hold" nodeType="clickEffect">
+                                  <p:stCondLst>
+                                    <p:cond delay="0"/>
+                                  </p:stCondLst>
+                                  <p:childTnLst>
+                                    <p:set>
+                                      <p:cBhvr>
+                                        <p:cTn id="46" dur="1" fill="hold">
+                                          <p:stCondLst>
+                                            <p:cond delay="0"/>
+                                          </p:stCondLst>
+                                        </p:cTn>
+                                        <p:tgtEl>
+                                          <p:spTgt spid="4"/>
                                         </p:tgtEl>
                                         <p:attrNameLst>
                                           <p:attrName>style.visibility</p:attrName>
@@ -8455,20 +8743,119 @@
                                 </p:cTn>
                               </p:par>
                               <p:par>
-                                <p:cTn id="43" presetID="1" presetClass="entr" presetSubtype="0" fill="hold" nodeType="withEffect">
+                                <p:cTn id="47" presetID="1" presetClass="entr" presetSubtype="0" fill="hold" nodeType="withEffect">
                                   <p:stCondLst>
                                     <p:cond delay="0"/>
                                   </p:stCondLst>
                                   <p:childTnLst>
                                     <p:set>
                                       <p:cBhvr>
-                                        <p:cTn id="44" dur="1" fill="hold">
+                                        <p:cTn id="48" dur="1" fill="hold">
                                           <p:stCondLst>
                                             <p:cond delay="0"/>
                                           </p:stCondLst>
                                         </p:cTn>
                                         <p:tgtEl>
-                                          <p:spTgt spid="86"/>
+                                          <p:spTgt spid="2"/>
+                                        </p:tgtEl>
+                                        <p:attrNameLst>
+                                          <p:attrName>style.visibility</p:attrName>
+                                        </p:attrNameLst>
+                                      </p:cBhvr>
+                                      <p:to>
+                                        <p:strVal val="visible"/>
+                                      </p:to>
+                                    </p:set>
+                                  </p:childTnLst>
+                                </p:cTn>
+                              </p:par>
+                              <p:par>
+                                <p:cTn id="49" presetID="1" presetClass="entr" presetSubtype="0" fill="hold" grpId="0" nodeType="withEffect">
+                                  <p:stCondLst>
+                                    <p:cond delay="0"/>
+                                  </p:stCondLst>
+                                  <p:childTnLst>
+                                    <p:set>
+                                      <p:cBhvr>
+                                        <p:cTn id="50" dur="1" fill="hold">
+                                          <p:stCondLst>
+                                            <p:cond delay="0"/>
+                                          </p:stCondLst>
+                                        </p:cTn>
+                                        <p:tgtEl>
+                                          <p:spTgt spid="7"/>
+                                        </p:tgtEl>
+                                        <p:attrNameLst>
+                                          <p:attrName>style.visibility</p:attrName>
+                                        </p:attrNameLst>
+                                      </p:cBhvr>
+                                      <p:to>
+                                        <p:strVal val="visible"/>
+                                      </p:to>
+                                    </p:set>
+                                  </p:childTnLst>
+                                </p:cTn>
+                              </p:par>
+                            </p:childTnLst>
+                          </p:cTn>
+                        </p:par>
+                      </p:childTnLst>
+                    </p:cTn>
+                  </p:par>
+                  <p:par>
+                    <p:cTn id="51" fill="hold">
+                      <p:stCondLst>
+                        <p:cond delay="indefinite"/>
+                      </p:stCondLst>
+                      <p:childTnLst>
+                        <p:par>
+                          <p:cTn id="52" fill="hold">
+                            <p:stCondLst>
+                              <p:cond delay="0"/>
+                            </p:stCondLst>
+                            <p:childTnLst>
+                              <p:par>
+                                <p:cTn id="53" presetID="1" presetClass="entr" presetSubtype="0" fill="hold" grpId="0" nodeType="clickEffect">
+                                  <p:stCondLst>
+                                    <p:cond delay="0"/>
+                                  </p:stCondLst>
+                                  <p:childTnLst>
+                                    <p:set>
+                                      <p:cBhvr>
+                                        <p:cTn id="54" dur="1" fill="hold">
+                                          <p:stCondLst>
+                                            <p:cond delay="0"/>
+                                          </p:stCondLst>
+                                        </p:cTn>
+                                        <p:tgtEl>
+                                          <p:spTgt spid="8"/>
+                                        </p:tgtEl>
+                                        <p:attrNameLst>
+                                          <p:attrName>style.visibility</p:attrName>
+                                        </p:attrNameLst>
+                                      </p:cBhvr>
+                                      <p:to>
+                                        <p:strVal val="visible"/>
+                                      </p:to>
+                                    </p:set>
+                                  </p:childTnLst>
+                                </p:cTn>
+                              </p:par>
+                              <p:par>
+                                <p:cTn id="55" presetID="1" presetClass="entr" presetSubtype="0" fill="hold" nodeType="withEffect">
+                                  <p:stCondLst>
+                                    <p:cond delay="0"/>
+                                  </p:stCondLst>
+                                  <p:childTnLst>
+                                    <p:set>
+                                      <p:cBhvr>
+                                        <p:cTn id="56" dur="1" fill="hold">
+                                          <p:stCondLst>
+                                            <p:cond delay="0"/>
+                                          </p:stCondLst>
+                                        </p:cTn>
+                                        <p:tgtEl>
+                                          <p:spTgt spid="9"/>
                                         </p:tgtEl>
                                         <p:attrNameLst>
                                           <p:attrName>style.visibility</p:attrName>
@@ -8509,19 +8896,26 @@
       </p:par>
     </p:tnLst>
     <p:bldLst>
+      <p:bldP spid="7" grpId="0"/>
+      <p:bldP spid="8" grpId="0"/>
+      <p:bldP spid="55" grpId="0"/>
+      <p:bldP spid="56" grpId="0"/>
+      <p:bldP spid="57" grpId="0"/>
       <p:bldP spid="58" grpId="0"/>
-      <p:bldP spid="60" grpId="0"/>
-      <p:bldP spid="62" grpId="0"/>
-      <p:bldP spid="64" grpId="0"/>
-      <p:bldP spid="55" grpId="0"/>
-      <p:bldP spid="47" grpId="0"/>
-      <p:bldP spid="48" grpId="0"/>
+      <p:bldP spid="17422" grpId="0" animBg="1"/>
+      <p:bldP spid="60" grpId="0" animBg="1"/>
+      <p:bldP spid="70" grpId="0" animBg="1"/>
+      <p:bldP spid="71" grpId="0" animBg="1"/>
+      <p:bldP spid="76" grpId="0" animBg="1"/>
+      <p:bldP spid="81" grpId="0" animBg="1"/>
+      <p:bldP spid="83" grpId="0" animBg="1"/>
+      <p:bldP spid="86" grpId="0" animBg="1"/>
     </p:bldLst>
   </p:timing>
 </p:sld>
 </file>
 
-<file path=ppt/slides/slide6.xml><?xml version="1.0" encoding="utf-8"?>
+<file path=ppt/slides/slide5.xml><?xml version="1.0" encoding="utf-8"?>
 <p:sld xmlns:a="http://schemas.openxmlformats.org/drawingml/2006/main" xmlns:r="http://schemas.openxmlformats.org/officeDocument/2006/relationships" xmlns:p="http://schemas.openxmlformats.org/presentationml/2006/main">
   <p:cSld>
     <p:spTree>
@@ -8566,7 +8960,7 @@
               <a:pPr>
                 <a:defRPr/>
               </a:pPr>
-              <a:t>6</a:t>
+              <a:t>5</a:t>
             </a:fld>
             <a:endParaRPr lang="fi-FI"/>
           </a:p>
@@ -10399,7 +10793,7 @@
 </p:sld>
 </file>
 
-<file path=ppt/slides/slide7.xml><?xml version="1.0" encoding="utf-8"?>
+<file path=ppt/slides/slide6.xml><?xml version="1.0" encoding="utf-8"?>
 <p:sld xmlns:a="http://schemas.openxmlformats.org/drawingml/2006/main" xmlns:r="http://schemas.openxmlformats.org/officeDocument/2006/relationships" xmlns:p="http://schemas.openxmlformats.org/presentationml/2006/main">
   <p:cSld>
     <p:spTree>
@@ -10439,7 +10833,7 @@
               <a:pPr>
                 <a:defRPr/>
               </a:pPr>
-              <a:t>7</a:t>
+              <a:t>6</a:t>
             </a:fld>
             <a:endParaRPr lang="fi-FI"/>
           </a:p>
@@ -10595,9 +10989,16 @@
             </a:r>
             <a:r>
               <a:rPr lang="en-US" sz="2000" dirty="0"/>
-              <a:t>/Networks-Learning/ mlss-2017 </a:t>
-            </a:r>
-            <a:endParaRPr lang="en-US" sz="2000" dirty="0"/>
+              <a:t>/Networks-Learning</a:t>
+            </a:r>
+            <a:r>
+              <a:rPr lang="en-US" sz="2000" dirty="0" smtClean="0"/>
+              <a:t>/mlss</a:t>
+            </a:r>
+            <a:r>
+              <a:rPr lang="en-US" sz="2000" dirty="0"/>
+              <a:t>-2017 </a:t>
+            </a:r>
           </a:p>
           <a:p>
             <a:pPr>
@@ -10809,18 +11210,7 @@
                 <a:ea typeface="DejaVu Sans" charset="0"/>
                 <a:cs typeface="DejaVu Sans" charset="0"/>
               </a:rPr>
-              <a:t>&gt; </a:t>
-            </a:r>
-            <a:r>
-              <a:rPr lang="es-ES" dirty="0" smtClean="0">
-                <a:solidFill>
-                  <a:srgbClr val="000000"/>
-                </a:solidFill>
-                <a:latin typeface="Courier"/>
-                <a:ea typeface="DejaVu Sans" charset="0"/>
-                <a:cs typeface="DejaVu Sans" charset="0"/>
-              </a:rPr>
-              <a:t>cd code-networks/</a:t>
+              <a:t>&gt; cd code-networks/</a:t>
             </a:r>
             <a:br>
               <a:rPr lang="es-ES" dirty="0" smtClean="0">
@@ -11235,206 +11625,6 @@
       <p:bldP spid="15" grpId="0"/>
       <p:bldP spid="16" grpId="0"/>
     </p:bldLst>
-  </p:timing>
-</p:sld>
-</file>
-
-<file path=ppt/slides/slide8.xml><?xml version="1.0" encoding="utf-8"?>
-<p:sld xmlns:a="http://schemas.openxmlformats.org/drawingml/2006/main" xmlns:r="http://schemas.openxmlformats.org/officeDocument/2006/relationships" xmlns:p="http://schemas.openxmlformats.org/presentationml/2006/main">
-  <p:cSld>
-    <p:spTree>
-      <p:nvGrpSpPr>
-        <p:cNvPr id="1" name=""/>
-        <p:cNvGrpSpPr/>
-        <p:nvPr/>
-      </p:nvGrpSpPr>
-      <p:grpSpPr>
-        <a:xfrm>
-          <a:off x="0" y="0"/>
-          <a:ext cx="0" cy="0"/>
-          <a:chOff x="0" y="0"/>
-          <a:chExt cx="0" cy="0"/>
-        </a:xfrm>
-      </p:grpSpPr>
-      <p:sp>
-        <p:nvSpPr>
-          <p:cNvPr id="2" name="Slide Number Placeholder 1"/>
-          <p:cNvSpPr>
-            <a:spLocks noGrp="1"/>
-          </p:cNvSpPr>
-          <p:nvPr>
-            <p:ph type="sldNum" sz="quarter" idx="12"/>
-          </p:nvPr>
-        </p:nvSpPr>
-        <p:spPr/>
-        <p:txBody>
-          <a:bodyPr/>
-          <a:lstStyle/>
-          <a:p>
-            <a:pPr>
-              <a:defRPr/>
-            </a:pPr>
-            <a:fld id="{EAD908CF-7A01-174A-B536-B01E19C11388}" type="slidenum">
-              <a:rPr lang="fi-FI" smtClean="0"/>
-              <a:pPr>
-                <a:defRPr/>
-              </a:pPr>
-              <a:t>8</a:t>
-            </a:fld>
-            <a:endParaRPr lang="fi-FI"/>
-          </a:p>
-        </p:txBody>
-      </p:sp>
-    </p:spTree>
-    <p:extLst>
-      <p:ext uri="{BB962C8B-B14F-4D97-AF65-F5344CB8AC3E}">
-        <p14:creationId xmlns:p14="http://schemas.microsoft.com/office/powerpoint/2010/main" val="1537634679"/>
-      </p:ext>
-    </p:extLst>
-  </p:cSld>
-  <p:clrMapOvr>
-    <a:masterClrMapping/>
-  </p:clrMapOvr>
-  <p:transition xmlns:p14="http://schemas.microsoft.com/office/powerpoint/2010/main"/>
-</p:sld>
-</file>
-
-<file path=ppt/slides/slide9.xml><?xml version="1.0" encoding="utf-8"?>
-<p:sld xmlns:a="http://schemas.openxmlformats.org/drawingml/2006/main" xmlns:r="http://schemas.openxmlformats.org/officeDocument/2006/relationships" xmlns:p="http://schemas.openxmlformats.org/presentationml/2006/main">
-  <p:cSld>
-    <p:spTree>
-      <p:nvGrpSpPr>
-        <p:cNvPr id="1" name=""/>
-        <p:cNvGrpSpPr/>
-        <p:nvPr/>
-      </p:nvGrpSpPr>
-      <p:grpSpPr>
-        <a:xfrm>
-          <a:off x="0" y="0"/>
-          <a:ext cx="0" cy="0"/>
-          <a:chOff x="0" y="0"/>
-          <a:chExt cx="0" cy="0"/>
-        </a:xfrm>
-      </p:grpSpPr>
-      <p:sp>
-        <p:nvSpPr>
-          <p:cNvPr id="6" name="Slide Number Placeholder 3"/>
-          <p:cNvSpPr>
-            <a:spLocks noGrp="1"/>
-          </p:cNvSpPr>
-          <p:nvPr>
-            <p:ph type="sldNum" sz="quarter" idx="12"/>
-          </p:nvPr>
-        </p:nvSpPr>
-        <p:spPr/>
-        <p:txBody>
-          <a:bodyPr/>
-          <a:lstStyle/>
-          <a:p>
-            <a:pPr>
-              <a:defRPr/>
-            </a:pPr>
-            <a:fld id="{3AF73C70-BE0D-6240-8EA7-525A8753C485}" type="slidenum">
-              <a:rPr lang="fi-FI" smtClean="0"/>
-              <a:pPr>
-                <a:defRPr/>
-              </a:pPr>
-              <a:t>9</a:t>
-            </a:fld>
-            <a:endParaRPr lang="fi-FI"/>
-          </a:p>
-        </p:txBody>
-      </p:sp>
-      <p:sp>
-        <p:nvSpPr>
-          <p:cNvPr id="24579" name="Title 1"/>
-          <p:cNvSpPr txBox="1">
-            <a:spLocks noGrp="1"/>
-          </p:cNvSpPr>
-          <p:nvPr>
-            <p:ph type="title" idx="4294967295"/>
-          </p:nvPr>
-        </p:nvSpPr>
-        <p:spPr>
-          <a:xfrm>
-            <a:off x="468313" y="295275"/>
-            <a:ext cx="9070975" cy="677108"/>
-          </a:xfrm>
-        </p:spPr>
-        <p:txBody>
-          <a:bodyPr>
-            <a:spAutoFit/>
-          </a:bodyPr>
-          <a:lstStyle/>
-          <a:p>
-            <a:pPr eaLnBrk="1"/>
-            <a:r>
-              <a:rPr lang="en-US" dirty="0" smtClean="0"/>
-              <a:t>MLSS contact network (Aug 26)</a:t>
-            </a:r>
-          </a:p>
-        </p:txBody>
-      </p:sp>
-      <p:pic>
-        <p:nvPicPr>
-          <p:cNvPr id="10" name="Picture 9" descr="mlss-network-130826.png"/>
-          <p:cNvPicPr>
-            <a:picLocks noChangeAspect="1"/>
-          </p:cNvPicPr>
-          <p:nvPr/>
-        </p:nvPicPr>
-        <p:blipFill>
-          <a:blip r:embed="rId3"/>
-          <a:stretch>
-            <a:fillRect/>
-          </a:stretch>
-        </p:blipFill>
-        <p:spPr>
-          <a:xfrm>
-            <a:off x="1154113" y="1265237"/>
-            <a:ext cx="7162800" cy="7162800"/>
-          </a:xfrm>
-          <a:prstGeom prst="rect">
-            <a:avLst/>
-          </a:prstGeom>
-        </p:spPr>
-      </p:pic>
-      <p:pic>
-        <p:nvPicPr>
-          <p:cNvPr id="2" name="Picture 1"/>
-          <p:cNvPicPr>
-            <a:picLocks noChangeAspect="1"/>
-          </p:cNvPicPr>
-          <p:nvPr/>
-        </p:nvPicPr>
-        <p:blipFill>
-          <a:blip r:embed="rId4"/>
-          <a:stretch>
-            <a:fillRect/>
-          </a:stretch>
-        </p:blipFill>
-        <p:spPr>
-          <a:xfrm>
-            <a:off x="5747760" y="1265237"/>
-            <a:ext cx="4359852" cy="2189163"/>
-          </a:xfrm>
-          <a:prstGeom prst="rect">
-            <a:avLst/>
-          </a:prstGeom>
-        </p:spPr>
-      </p:pic>
-    </p:spTree>
-  </p:cSld>
-  <p:clrMapOvr>
-    <a:masterClrMapping/>
-  </p:clrMapOvr>
-  <p:transition xmlns:p14="http://schemas.microsoft.com/office/powerpoint/2010/main"/>
-  <p:timing>
-    <p:tnLst>
-      <p:par>
-        <p:cTn xmlns:p14="http://schemas.microsoft.com/office/powerpoint/2010/main" id="1" dur="indefinite" restart="never" nodeType="tmRoot"/>
-      </p:par>
-    </p:tnLst>
   </p:timing>
 </p:sld>
 </file>
